--- a/Winter2011/Presentation/Project Presentation.pptx
+++ b/Winter2011/Presentation/Project Presentation.pptx
@@ -2,10 +2,17 @@
 <file path=ppt/presentation.xml><?xml version="1.0" encoding="utf-8"?>
 <p:presentation xmlns:a="http://schemas.openxmlformats.org/drawingml/2006/main" xmlns:r="http://schemas.openxmlformats.org/officeDocument/2006/relationships" xmlns:p="http://schemas.openxmlformats.org/presentationml/2006/main" saveSubsetFonts="1">
   <p:sldMasterIdLst>
-    <p:sldMasterId id="2147483648" r:id="rId1"/>
+    <p:sldMasterId id="2147483660" r:id="rId1"/>
   </p:sldMasterIdLst>
+  <p:notesMasterIdLst>
+    <p:notesMasterId r:id="rId7"/>
+  </p:notesMasterIdLst>
   <p:sldIdLst>
     <p:sldId id="256" r:id="rId2"/>
+    <p:sldId id="257" r:id="rId3"/>
+    <p:sldId id="258" r:id="rId4"/>
+    <p:sldId id="259" r:id="rId5"/>
+    <p:sldId id="260" r:id="rId6"/>
   </p:sldIdLst>
   <p:sldSz cx="9144000" cy="6858000" type="screen4x3"/>
   <p:notesSz cx="6858000" cy="9144000"/>
@@ -107,8 +114,448 @@
 </p:presentation>
 </file>
 
+<file path=ppt/notesMasters/notesMaster1.xml><?xml version="1.0" encoding="utf-8"?>
+<p:notesMaster xmlns:a="http://schemas.openxmlformats.org/drawingml/2006/main" xmlns:r="http://schemas.openxmlformats.org/officeDocument/2006/relationships" xmlns:p="http://schemas.openxmlformats.org/presentationml/2006/main">
+  <p:cSld>
+    <p:bg>
+      <p:bgRef idx="1001">
+        <a:schemeClr val="bg1"/>
+      </p:bgRef>
+    </p:bg>
+    <p:spTree>
+      <p:nvGrpSpPr>
+        <p:cNvPr id="1" name=""/>
+        <p:cNvGrpSpPr/>
+        <p:nvPr/>
+      </p:nvGrpSpPr>
+      <p:grpSpPr>
+        <a:xfrm>
+          <a:off x="0" y="0"/>
+          <a:ext cx="0" cy="0"/>
+          <a:chOff x="0" y="0"/>
+          <a:chExt cx="0" cy="0"/>
+        </a:xfrm>
+      </p:grpSpPr>
+      <p:sp>
+        <p:nvSpPr>
+          <p:cNvPr id="2" name="Header Placeholder 1"/>
+          <p:cNvSpPr>
+            <a:spLocks noGrp="1"/>
+          </p:cNvSpPr>
+          <p:nvPr>
+            <p:ph type="hdr" sz="quarter"/>
+          </p:nvPr>
+        </p:nvSpPr>
+        <p:spPr>
+          <a:xfrm>
+            <a:off x="0" y="0"/>
+            <a:ext cx="2971800" cy="457200"/>
+          </a:xfrm>
+          <a:prstGeom prst="rect">
+            <a:avLst/>
+          </a:prstGeom>
+        </p:spPr>
+        <p:txBody>
+          <a:bodyPr vert="horz" lIns="91440" tIns="45720" rIns="91440" bIns="45720" rtlCol="0"/>
+          <a:lstStyle>
+            <a:lvl1pPr algn="l">
+              <a:defRPr sz="1200"/>
+            </a:lvl1pPr>
+          </a:lstStyle>
+          <a:p>
+            <a:endParaRPr lang="en-US"/>
+          </a:p>
+        </p:txBody>
+      </p:sp>
+      <p:sp>
+        <p:nvSpPr>
+          <p:cNvPr id="3" name="Date Placeholder 2"/>
+          <p:cNvSpPr>
+            <a:spLocks noGrp="1"/>
+          </p:cNvSpPr>
+          <p:nvPr>
+            <p:ph type="dt" idx="1"/>
+          </p:nvPr>
+        </p:nvSpPr>
+        <p:spPr>
+          <a:xfrm>
+            <a:off x="3884613" y="0"/>
+            <a:ext cx="2971800" cy="457200"/>
+          </a:xfrm>
+          <a:prstGeom prst="rect">
+            <a:avLst/>
+          </a:prstGeom>
+        </p:spPr>
+        <p:txBody>
+          <a:bodyPr vert="horz" lIns="91440" tIns="45720" rIns="91440" bIns="45720" rtlCol="0"/>
+          <a:lstStyle>
+            <a:lvl1pPr algn="r">
+              <a:defRPr sz="1200"/>
+            </a:lvl1pPr>
+          </a:lstStyle>
+          <a:p>
+            <a:fld id="{7337E328-3B00-480B-87D5-0C6EF7B3B765}" type="datetimeFigureOut">
+              <a:rPr lang="en-US" smtClean="0"/>
+              <a:t>4/9/2011</a:t>
+            </a:fld>
+            <a:endParaRPr lang="en-US"/>
+          </a:p>
+        </p:txBody>
+      </p:sp>
+      <p:sp>
+        <p:nvSpPr>
+          <p:cNvPr id="4" name="Slide Image Placeholder 3"/>
+          <p:cNvSpPr>
+            <a:spLocks noGrp="1" noRot="1" noChangeAspect="1"/>
+          </p:cNvSpPr>
+          <p:nvPr>
+            <p:ph type="sldImg" idx="2"/>
+          </p:nvPr>
+        </p:nvSpPr>
+        <p:spPr>
+          <a:xfrm>
+            <a:off x="1143000" y="685800"/>
+            <a:ext cx="4572000" cy="3429000"/>
+          </a:xfrm>
+          <a:prstGeom prst="rect">
+            <a:avLst/>
+          </a:prstGeom>
+          <a:noFill/>
+          <a:ln w="12700">
+            <a:solidFill>
+              <a:prstClr val="black"/>
+            </a:solidFill>
+          </a:ln>
+        </p:spPr>
+        <p:txBody>
+          <a:bodyPr vert="horz" lIns="91440" tIns="45720" rIns="91440" bIns="45720" rtlCol="0" anchor="ctr"/>
+          <a:lstStyle/>
+          <a:p>
+            <a:endParaRPr lang="en-US"/>
+          </a:p>
+        </p:txBody>
+      </p:sp>
+      <p:sp>
+        <p:nvSpPr>
+          <p:cNvPr id="5" name="Notes Placeholder 4"/>
+          <p:cNvSpPr>
+            <a:spLocks noGrp="1"/>
+          </p:cNvSpPr>
+          <p:nvPr>
+            <p:ph type="body" sz="quarter" idx="3"/>
+          </p:nvPr>
+        </p:nvSpPr>
+        <p:spPr>
+          <a:xfrm>
+            <a:off x="685800" y="4343400"/>
+            <a:ext cx="5486400" cy="4114800"/>
+          </a:xfrm>
+          <a:prstGeom prst="rect">
+            <a:avLst/>
+          </a:prstGeom>
+        </p:spPr>
+        <p:txBody>
+          <a:bodyPr vert="horz" lIns="91440" tIns="45720" rIns="91440" bIns="45720" rtlCol="0">
+            <a:normAutofit/>
+          </a:bodyPr>
+          <a:lstStyle/>
+          <a:p>
+            <a:pPr lvl="0"/>
+            <a:r>
+              <a:rPr lang="en-US" smtClean="0"/>
+              <a:t>Click to edit Master text styles</a:t>
+            </a:r>
+          </a:p>
+          <a:p>
+            <a:pPr lvl="1"/>
+            <a:r>
+              <a:rPr lang="en-US" smtClean="0"/>
+              <a:t>Second level</a:t>
+            </a:r>
+          </a:p>
+          <a:p>
+            <a:pPr lvl="2"/>
+            <a:r>
+              <a:rPr lang="en-US" smtClean="0"/>
+              <a:t>Third level</a:t>
+            </a:r>
+          </a:p>
+          <a:p>
+            <a:pPr lvl="3"/>
+            <a:r>
+              <a:rPr lang="en-US" smtClean="0"/>
+              <a:t>Fourth level</a:t>
+            </a:r>
+          </a:p>
+          <a:p>
+            <a:pPr lvl="4"/>
+            <a:r>
+              <a:rPr lang="en-US" smtClean="0"/>
+              <a:t>Fifth level</a:t>
+            </a:r>
+            <a:endParaRPr lang="en-US"/>
+          </a:p>
+        </p:txBody>
+      </p:sp>
+      <p:sp>
+        <p:nvSpPr>
+          <p:cNvPr id="6" name="Footer Placeholder 5"/>
+          <p:cNvSpPr>
+            <a:spLocks noGrp="1"/>
+          </p:cNvSpPr>
+          <p:nvPr>
+            <p:ph type="ftr" sz="quarter" idx="4"/>
+          </p:nvPr>
+        </p:nvSpPr>
+        <p:spPr>
+          <a:xfrm>
+            <a:off x="0" y="8685213"/>
+            <a:ext cx="2971800" cy="457200"/>
+          </a:xfrm>
+          <a:prstGeom prst="rect">
+            <a:avLst/>
+          </a:prstGeom>
+        </p:spPr>
+        <p:txBody>
+          <a:bodyPr vert="horz" lIns="91440" tIns="45720" rIns="91440" bIns="45720" rtlCol="0" anchor="b"/>
+          <a:lstStyle>
+            <a:lvl1pPr algn="l">
+              <a:defRPr sz="1200"/>
+            </a:lvl1pPr>
+          </a:lstStyle>
+          <a:p>
+            <a:endParaRPr lang="en-US"/>
+          </a:p>
+        </p:txBody>
+      </p:sp>
+      <p:sp>
+        <p:nvSpPr>
+          <p:cNvPr id="7" name="Slide Number Placeholder 6"/>
+          <p:cNvSpPr>
+            <a:spLocks noGrp="1"/>
+          </p:cNvSpPr>
+          <p:nvPr>
+            <p:ph type="sldNum" sz="quarter" idx="5"/>
+          </p:nvPr>
+        </p:nvSpPr>
+        <p:spPr>
+          <a:xfrm>
+            <a:off x="3884613" y="8685213"/>
+            <a:ext cx="2971800" cy="457200"/>
+          </a:xfrm>
+          <a:prstGeom prst="rect">
+            <a:avLst/>
+          </a:prstGeom>
+        </p:spPr>
+        <p:txBody>
+          <a:bodyPr vert="horz" lIns="91440" tIns="45720" rIns="91440" bIns="45720" rtlCol="0" anchor="b"/>
+          <a:lstStyle>
+            <a:lvl1pPr algn="r">
+              <a:defRPr sz="1200"/>
+            </a:lvl1pPr>
+          </a:lstStyle>
+          <a:p>
+            <a:fld id="{9431258F-3015-4216-AF57-F283CBD0DFF5}" type="slidenum">
+              <a:rPr lang="en-US" smtClean="0"/>
+              <a:t>‹#›</a:t>
+            </a:fld>
+            <a:endParaRPr lang="en-US"/>
+          </a:p>
+        </p:txBody>
+      </p:sp>
+    </p:spTree>
+  </p:cSld>
+  <p:clrMap bg1="lt1" tx1="dk1" bg2="lt2" tx2="dk2" accent1="accent1" accent2="accent2" accent3="accent3" accent4="accent4" accent5="accent5" accent6="accent6" hlink="hlink" folHlink="folHlink"/>
+  <p:notesStyle>
+    <a:lvl1pPr marL="0" algn="l" defTabSz="914400" rtl="0" eaLnBrk="1" latinLnBrk="0" hangingPunct="1">
+      <a:defRPr sz="1200" kern="1200">
+        <a:solidFill>
+          <a:schemeClr val="tx1"/>
+        </a:solidFill>
+        <a:latin typeface="+mn-lt"/>
+        <a:ea typeface="+mn-ea"/>
+        <a:cs typeface="+mn-cs"/>
+      </a:defRPr>
+    </a:lvl1pPr>
+    <a:lvl2pPr marL="457200" algn="l" defTabSz="914400" rtl="0" eaLnBrk="1" latinLnBrk="0" hangingPunct="1">
+      <a:defRPr sz="1200" kern="1200">
+        <a:solidFill>
+          <a:schemeClr val="tx1"/>
+        </a:solidFill>
+        <a:latin typeface="+mn-lt"/>
+        <a:ea typeface="+mn-ea"/>
+        <a:cs typeface="+mn-cs"/>
+      </a:defRPr>
+    </a:lvl2pPr>
+    <a:lvl3pPr marL="914400" algn="l" defTabSz="914400" rtl="0" eaLnBrk="1" latinLnBrk="0" hangingPunct="1">
+      <a:defRPr sz="1200" kern="1200">
+        <a:solidFill>
+          <a:schemeClr val="tx1"/>
+        </a:solidFill>
+        <a:latin typeface="+mn-lt"/>
+        <a:ea typeface="+mn-ea"/>
+        <a:cs typeface="+mn-cs"/>
+      </a:defRPr>
+    </a:lvl3pPr>
+    <a:lvl4pPr marL="1371600" algn="l" defTabSz="914400" rtl="0" eaLnBrk="1" latinLnBrk="0" hangingPunct="1">
+      <a:defRPr sz="1200" kern="1200">
+        <a:solidFill>
+          <a:schemeClr val="tx1"/>
+        </a:solidFill>
+        <a:latin typeface="+mn-lt"/>
+        <a:ea typeface="+mn-ea"/>
+        <a:cs typeface="+mn-cs"/>
+      </a:defRPr>
+    </a:lvl4pPr>
+    <a:lvl5pPr marL="1828800" algn="l" defTabSz="914400" rtl="0" eaLnBrk="1" latinLnBrk="0" hangingPunct="1">
+      <a:defRPr sz="1200" kern="1200">
+        <a:solidFill>
+          <a:schemeClr val="tx1"/>
+        </a:solidFill>
+        <a:latin typeface="+mn-lt"/>
+        <a:ea typeface="+mn-ea"/>
+        <a:cs typeface="+mn-cs"/>
+      </a:defRPr>
+    </a:lvl5pPr>
+    <a:lvl6pPr marL="2286000" algn="l" defTabSz="914400" rtl="0" eaLnBrk="1" latinLnBrk="0" hangingPunct="1">
+      <a:defRPr sz="1200" kern="1200">
+        <a:solidFill>
+          <a:schemeClr val="tx1"/>
+        </a:solidFill>
+        <a:latin typeface="+mn-lt"/>
+        <a:ea typeface="+mn-ea"/>
+        <a:cs typeface="+mn-cs"/>
+      </a:defRPr>
+    </a:lvl6pPr>
+    <a:lvl7pPr marL="2743200" algn="l" defTabSz="914400" rtl="0" eaLnBrk="1" latinLnBrk="0" hangingPunct="1">
+      <a:defRPr sz="1200" kern="1200">
+        <a:solidFill>
+          <a:schemeClr val="tx1"/>
+        </a:solidFill>
+        <a:latin typeface="+mn-lt"/>
+        <a:ea typeface="+mn-ea"/>
+        <a:cs typeface="+mn-cs"/>
+      </a:defRPr>
+    </a:lvl7pPr>
+    <a:lvl8pPr marL="3200400" algn="l" defTabSz="914400" rtl="0" eaLnBrk="1" latinLnBrk="0" hangingPunct="1">
+      <a:defRPr sz="1200" kern="1200">
+        <a:solidFill>
+          <a:schemeClr val="tx1"/>
+        </a:solidFill>
+        <a:latin typeface="+mn-lt"/>
+        <a:ea typeface="+mn-ea"/>
+        <a:cs typeface="+mn-cs"/>
+      </a:defRPr>
+    </a:lvl8pPr>
+    <a:lvl9pPr marL="3657600" algn="l" defTabSz="914400" rtl="0" eaLnBrk="1" latinLnBrk="0" hangingPunct="1">
+      <a:defRPr sz="1200" kern="1200">
+        <a:solidFill>
+          <a:schemeClr val="tx1"/>
+        </a:solidFill>
+        <a:latin typeface="+mn-lt"/>
+        <a:ea typeface="+mn-ea"/>
+        <a:cs typeface="+mn-cs"/>
+      </a:defRPr>
+    </a:lvl9pPr>
+  </p:notesStyle>
+</p:notesMaster>
+</file>
+
+<file path=ppt/notesSlides/notesSlide1.xml><?xml version="1.0" encoding="utf-8"?>
+<p:notes xmlns:a="http://schemas.openxmlformats.org/drawingml/2006/main" xmlns:r="http://schemas.openxmlformats.org/officeDocument/2006/relationships" xmlns:p="http://schemas.openxmlformats.org/presentationml/2006/main">
+  <p:cSld>
+    <p:spTree>
+      <p:nvGrpSpPr>
+        <p:cNvPr id="1" name=""/>
+        <p:cNvGrpSpPr/>
+        <p:nvPr/>
+      </p:nvGrpSpPr>
+      <p:grpSpPr>
+        <a:xfrm>
+          <a:off x="0" y="0"/>
+          <a:ext cx="0" cy="0"/>
+          <a:chOff x="0" y="0"/>
+          <a:chExt cx="0" cy="0"/>
+        </a:xfrm>
+      </p:grpSpPr>
+      <p:sp>
+        <p:nvSpPr>
+          <p:cNvPr id="2" name="Slide Image Placeholder 1"/>
+          <p:cNvSpPr>
+            <a:spLocks noGrp="1" noRot="1" noChangeAspect="1"/>
+          </p:cNvSpPr>
+          <p:nvPr>
+            <p:ph type="sldImg"/>
+          </p:nvPr>
+        </p:nvSpPr>
+        <p:spPr/>
+      </p:sp>
+      <p:sp>
+        <p:nvSpPr>
+          <p:cNvPr id="3" name="Notes Placeholder 2"/>
+          <p:cNvSpPr>
+            <a:spLocks noGrp="1"/>
+          </p:cNvSpPr>
+          <p:nvPr>
+            <p:ph type="body" idx="1"/>
+          </p:nvPr>
+        </p:nvSpPr>
+        <p:spPr/>
+        <p:txBody>
+          <a:bodyPr>
+            <a:normAutofit/>
+          </a:bodyPr>
+          <a:lstStyle/>
+          <a:p>
+            <a:r>
+              <a:rPr lang="en-US" dirty="0" smtClean="0"/>
+              <a:t>Explain the screenshot</a:t>
+            </a:r>
+            <a:r>
+              <a:rPr lang="en-US" baseline="0" dirty="0" smtClean="0"/>
+              <a:t> and briefly describe </a:t>
+            </a:r>
+            <a:r>
+              <a:rPr lang="en-US" baseline="0" smtClean="0"/>
+              <a:t>the layout of the GUI</a:t>
+            </a:r>
+            <a:endParaRPr lang="en-US"/>
+          </a:p>
+        </p:txBody>
+      </p:sp>
+      <p:sp>
+        <p:nvSpPr>
+          <p:cNvPr id="4" name="Slide Number Placeholder 3"/>
+          <p:cNvSpPr>
+            <a:spLocks noGrp="1"/>
+          </p:cNvSpPr>
+          <p:nvPr>
+            <p:ph type="sldNum" sz="quarter" idx="10"/>
+          </p:nvPr>
+        </p:nvSpPr>
+        <p:spPr/>
+        <p:txBody>
+          <a:bodyPr/>
+          <a:lstStyle/>
+          <a:p>
+            <a:fld id="{9431258F-3015-4216-AF57-F283CBD0DFF5}" type="slidenum">
+              <a:rPr lang="en-US" smtClean="0"/>
+              <a:t>3</a:t>
+            </a:fld>
+            <a:endParaRPr lang="en-US"/>
+          </a:p>
+        </p:txBody>
+      </p:sp>
+    </p:spTree>
+  </p:cSld>
+  <p:clrMapOvr>
+    <a:masterClrMapping/>
+  </p:clrMapOvr>
+</p:notes>
+</file>
+
 <file path=ppt/slideLayouts/slideLayout1.xml><?xml version="1.0" encoding="utf-8"?>
-<p:sldLayout xmlns:a="http://schemas.openxmlformats.org/drawingml/2006/main" xmlns:r="http://schemas.openxmlformats.org/officeDocument/2006/relationships" xmlns:p="http://schemas.openxmlformats.org/presentationml/2006/main" type="title" preserve="1">
+<p:sldLayout xmlns:a="http://schemas.openxmlformats.org/drawingml/2006/main" xmlns:r="http://schemas.openxmlformats.org/officeDocument/2006/relationships" xmlns:p="http://schemas.openxmlformats.org/presentationml/2006/main" showMasterSp="0" type="title" preserve="1">
   <p:cSld name="Title Slide">
     <p:spTree>
       <p:nvGrpSpPr>
@@ -126,35 +573,132 @@
       </p:grpSpPr>
       <p:sp>
         <p:nvSpPr>
-          <p:cNvPr id="2" name="Title 1"/>
-          <p:cNvSpPr>
-            <a:spLocks noGrp="1"/>
-          </p:cNvSpPr>
-          <p:nvPr>
-            <p:ph type="ctrTitle"/>
-          </p:nvPr>
+          <p:cNvPr id="10" name="Right Triangle 9"/>
+          <p:cNvSpPr/>
+          <p:nvPr/>
         </p:nvSpPr>
         <p:spPr>
           <a:xfrm>
-            <a:off x="685800" y="2130425"/>
-            <a:ext cx="7772400" cy="1470025"/>
+            <a:off x="-2" y="4664147"/>
+            <a:ext cx="9151089" cy="0"/>
+          </a:xfrm>
+          <a:prstGeom prst="rtTriangle">
+            <a:avLst/>
+          </a:prstGeom>
+          <a:gradFill flip="none" rotWithShape="1">
+            <a:gsLst>
+              <a:gs pos="0">
+                <a:schemeClr val="accent1">
+                  <a:shade val="35000"/>
+                  <a:satMod val="170000"/>
+                  <a:alpha val="100000"/>
+                </a:schemeClr>
+              </a:gs>
+              <a:gs pos="55000">
+                <a:schemeClr val="accent1">
+                  <a:tint val="90000"/>
+                  <a:satMod val="150000"/>
+                  <a:alpha val="100000"/>
+                </a:schemeClr>
+              </a:gs>
+              <a:gs pos="100000">
+                <a:schemeClr val="accent1">
+                  <a:shade val="35000"/>
+                  <a:satMod val="170000"/>
+                  <a:alpha val="100000"/>
+                </a:schemeClr>
+              </a:gs>
+            </a:gsLst>
+            <a:lin ang="3000000" scaled="1"/>
+            <a:tileRect/>
+          </a:gradFill>
+          <a:ln w="12700" cap="rnd" cmpd="thickThin" algn="ctr">
+            <a:noFill/>
+            <a:prstDash val="solid"/>
+          </a:ln>
+          <a:effectLst/>
+        </p:spPr>
+        <p:style>
+          <a:lnRef idx="3">
+            <a:schemeClr val="lt1"/>
+          </a:lnRef>
+          <a:fillRef idx="1">
+            <a:schemeClr val="accent1"/>
+          </a:fillRef>
+          <a:effectRef idx="1">
+            <a:schemeClr val="accent1"/>
+          </a:effectRef>
+          <a:fontRef idx="minor">
+            <a:schemeClr val="lt1"/>
+          </a:fontRef>
+        </p:style>
+        <p:txBody>
+          <a:bodyPr anchor="ctr"/>
+          <a:lstStyle>
+            <a:extLst/>
+          </a:lstStyle>
+          <a:p>
+            <a:pPr algn="ctr" eaLnBrk="1" latinLnBrk="0" hangingPunct="1"/>
+            <a:endParaRPr kumimoji="0" lang="en-US"/>
+          </a:p>
+        </p:txBody>
+      </p:sp>
+      <p:sp>
+        <p:nvSpPr>
+          <p:cNvPr id="9" name="Title 8"/>
+          <p:cNvSpPr>
+            <a:spLocks noGrp="1"/>
+          </p:cNvSpPr>
+          <p:nvPr>
+            <p:ph type="ctrTitle"/>
+          </p:nvPr>
+        </p:nvSpPr>
+        <p:spPr>
+          <a:xfrm>
+            <a:off x="685800" y="1752601"/>
+            <a:ext cx="7772400" cy="1829761"/>
           </a:xfrm>
         </p:spPr>
         <p:txBody>
-          <a:bodyPr/>
-          <a:lstStyle/>
-          <a:p>
-            <a:r>
-              <a:rPr lang="en-US" smtClean="0"/>
+          <a:bodyPr vert="horz" anchor="b">
+            <a:normAutofit/>
+            <a:scene3d>
+              <a:camera prst="orthographicFront"/>
+              <a:lightRig rig="soft" dir="t"/>
+            </a:scene3d>
+            <a:sp3d prstMaterial="softEdge">
+              <a:bevelT w="25400" h="25400"/>
+            </a:sp3d>
+          </a:bodyPr>
+          <a:lstStyle>
+            <a:lvl1pPr algn="r">
+              <a:defRPr sz="4800" b="1">
+                <a:solidFill>
+                  <a:schemeClr val="tx2"/>
+                </a:solidFill>
+                <a:effectLst>
+                  <a:outerShdw blurRad="31750" dist="25400" dir="5400000" algn="tl" rotWithShape="0">
+                    <a:srgbClr val="000000">
+                      <a:alpha val="25000"/>
+                    </a:srgbClr>
+                  </a:outerShdw>
+                </a:effectLst>
+              </a:defRPr>
+            </a:lvl1pPr>
+            <a:extLst/>
+          </a:lstStyle>
+          <a:p>
+            <a:r>
+              <a:rPr kumimoji="0" lang="en-US" smtClean="0"/>
               <a:t>Click to edit Master title style</a:t>
             </a:r>
-            <a:endParaRPr lang="en-US"/>
-          </a:p>
-        </p:txBody>
-      </p:sp>
-      <p:sp>
-        <p:nvSpPr>
-          <p:cNvPr id="3" name="Subtitle 2"/>
+            <a:endParaRPr kumimoji="0" lang="en-US"/>
+          </a:p>
+        </p:txBody>
+      </p:sp>
+      <p:sp>
+        <p:nvSpPr>
+          <p:cNvPr id="17" name="Subtitle 16"/>
           <p:cNvSpPr>
             <a:spLocks noGrp="1"/>
           </p:cNvSpPr>
@@ -164,127 +708,474 @@
         </p:nvSpPr>
         <p:spPr>
           <a:xfrm>
-            <a:off x="1371600" y="3886200"/>
-            <a:ext cx="6400800" cy="1752600"/>
+            <a:off x="685800" y="3611607"/>
+            <a:ext cx="7772400" cy="1199704"/>
           </a:xfrm>
         </p:spPr>
         <p:txBody>
-          <a:bodyPr/>
-          <a:lstStyle>
-            <a:lvl1pPr marL="0" indent="0" algn="ctr">
+          <a:bodyPr lIns="45720" rIns="45720"/>
+          <a:lstStyle>
+            <a:lvl1pPr marL="0" marR="64008" indent="0" algn="r">
               <a:buNone/>
               <a:defRPr>
                 <a:solidFill>
-                  <a:schemeClr val="tx1">
-                    <a:tint val="75000"/>
-                  </a:schemeClr>
+                  <a:schemeClr val="tx2"/>
                 </a:solidFill>
               </a:defRPr>
             </a:lvl1pPr>
             <a:lvl2pPr marL="457200" indent="0" algn="ctr">
               <a:buNone/>
-              <a:defRPr>
-                <a:solidFill>
-                  <a:schemeClr val="tx1">
-                    <a:tint val="75000"/>
-                  </a:schemeClr>
-                </a:solidFill>
-              </a:defRPr>
             </a:lvl2pPr>
             <a:lvl3pPr marL="914400" indent="0" algn="ctr">
               <a:buNone/>
-              <a:defRPr>
-                <a:solidFill>
-                  <a:schemeClr val="tx1">
-                    <a:tint val="75000"/>
-                  </a:schemeClr>
-                </a:solidFill>
-              </a:defRPr>
             </a:lvl3pPr>
             <a:lvl4pPr marL="1371600" indent="0" algn="ctr">
               <a:buNone/>
-              <a:defRPr>
-                <a:solidFill>
-                  <a:schemeClr val="tx1">
-                    <a:tint val="75000"/>
-                  </a:schemeClr>
-                </a:solidFill>
-              </a:defRPr>
             </a:lvl4pPr>
             <a:lvl5pPr marL="1828800" indent="0" algn="ctr">
               <a:buNone/>
-              <a:defRPr>
-                <a:solidFill>
-                  <a:schemeClr val="tx1">
-                    <a:tint val="75000"/>
-                  </a:schemeClr>
-                </a:solidFill>
-              </a:defRPr>
             </a:lvl5pPr>
             <a:lvl6pPr marL="2286000" indent="0" algn="ctr">
               <a:buNone/>
-              <a:defRPr>
-                <a:solidFill>
-                  <a:schemeClr val="tx1">
-                    <a:tint val="75000"/>
-                  </a:schemeClr>
-                </a:solidFill>
-              </a:defRPr>
             </a:lvl6pPr>
             <a:lvl7pPr marL="2743200" indent="0" algn="ctr">
               <a:buNone/>
-              <a:defRPr>
-                <a:solidFill>
-                  <a:schemeClr val="tx1">
-                    <a:tint val="75000"/>
-                  </a:schemeClr>
-                </a:solidFill>
-              </a:defRPr>
             </a:lvl7pPr>
             <a:lvl8pPr marL="3200400" indent="0" algn="ctr">
               <a:buNone/>
-              <a:defRPr>
-                <a:solidFill>
-                  <a:schemeClr val="tx1">
-                    <a:tint val="75000"/>
-                  </a:schemeClr>
-                </a:solidFill>
-              </a:defRPr>
             </a:lvl8pPr>
             <a:lvl9pPr marL="3657600" indent="0" algn="ctr">
               <a:buNone/>
+            </a:lvl9pPr>
+            <a:extLst/>
+          </a:lstStyle>
+          <a:p>
+            <a:r>
+              <a:rPr kumimoji="0" lang="en-US" smtClean="0"/>
+              <a:t>Click to edit Master subtitle style</a:t>
+            </a:r>
+            <a:endParaRPr kumimoji="0" lang="en-US"/>
+          </a:p>
+        </p:txBody>
+      </p:sp>
+      <p:grpSp>
+        <p:nvGrpSpPr>
+          <p:cNvPr id="2" name="Group 1"/>
+          <p:cNvGrpSpPr/>
+          <p:nvPr/>
+        </p:nvGrpSpPr>
+        <p:grpSpPr>
+          <a:xfrm>
+            <a:off x="-3765" y="4953000"/>
+            <a:ext cx="9147765" cy="1912088"/>
+            <a:chOff x="-3765" y="4832896"/>
+            <a:chExt cx="9147765" cy="2032192"/>
+          </a:xfrm>
+        </p:grpSpPr>
+        <p:sp>
+          <p:nvSpPr>
+            <p:cNvPr id="7" name="Freeform 6"/>
+            <p:cNvSpPr>
+              <a:spLocks/>
+            </p:cNvSpPr>
+            <p:nvPr/>
+          </p:nvSpPr>
+          <p:spPr bwMode="auto">
+            <a:xfrm>
+              <a:off x="1687513" y="4832896"/>
+              <a:ext cx="7456487" cy="518816"/>
+            </a:xfrm>
+            <a:custGeom>
+              <a:avLst>
+                <a:gd name="A1" fmla="val 0"/>
+                <a:gd name="A2" fmla="val 0"/>
+                <a:gd name="A3" fmla="val 0"/>
+                <a:gd name="A4" fmla="val 0"/>
+                <a:gd name="A5" fmla="val 0"/>
+                <a:gd name="A6" fmla="val 0"/>
+                <a:gd name="A7" fmla="val 0"/>
+                <a:gd name="A8" fmla="val 0"/>
+              </a:avLst>
+              <a:gdLst/>
+              <a:ahLst/>
+              <a:cxnLst>
+                <a:cxn ang="0">
+                  <a:pos x="4697" y="0"/>
+                </a:cxn>
+                <a:cxn ang="0">
+                  <a:pos x="4697" y="367"/>
+                </a:cxn>
+                <a:cxn ang="0">
+                  <a:pos x="0" y="218"/>
+                </a:cxn>
+                <a:cxn ang="0">
+                  <a:pos x="4697" y="0"/>
+                </a:cxn>
+              </a:cxnLst>
+              <a:rect l="0" t="0" r="0" b="0"/>
+              <a:pathLst>
+                <a:path w="4697" h="367">
+                  <a:moveTo>
+                    <a:pt x="4697" y="0"/>
+                  </a:moveTo>
+                  <a:lnTo>
+                    <a:pt x="4697" y="367"/>
+                  </a:lnTo>
+                  <a:lnTo>
+                    <a:pt x="0" y="218"/>
+                  </a:lnTo>
+                  <a:lnTo>
+                    <a:pt x="4697" y="0"/>
+                  </a:lnTo>
+                  <a:close/>
+                </a:path>
+              </a:pathLst>
+            </a:custGeom>
+            <a:solidFill>
+              <a:schemeClr val="accent1">
+                <a:tint val="65000"/>
+                <a:satMod val="115000"/>
+                <a:alpha val="40000"/>
+              </a:schemeClr>
+            </a:solidFill>
+            <a:ln w="9525" cap="flat" cmpd="sng" algn="ctr">
+              <a:noFill/>
+              <a:prstDash val="solid"/>
+              <a:round/>
+              <a:headEnd type="none" w="med" len="med"/>
+              <a:tailEnd type="none" w="med" len="med"/>
+            </a:ln>
+            <a:effectLst/>
+          </p:spPr>
+          <p:txBody>
+            <a:bodyPr vert="horz" wrap="square" lIns="91440" tIns="45720" rIns="91440" bIns="45720" anchor="t" compatLnSpc="1"/>
+            <a:lstStyle>
+              <a:extLst/>
+            </a:lstStyle>
+            <a:p>
+              <a:endParaRPr kumimoji="0" lang="en-US"/>
+            </a:p>
+          </p:txBody>
+        </p:sp>
+        <p:sp>
+          <p:nvSpPr>
+            <p:cNvPr id="8" name="Freeform 7"/>
+            <p:cNvSpPr>
+              <a:spLocks/>
+            </p:cNvSpPr>
+            <p:nvPr/>
+          </p:nvSpPr>
+          <p:spPr bwMode="auto">
+            <a:xfrm>
+              <a:off x="35443" y="5135526"/>
+              <a:ext cx="9108557" cy="838200"/>
+            </a:xfrm>
+            <a:custGeom>
+              <a:avLst>
+                <a:gd name="A1" fmla="val 0"/>
+                <a:gd name="A2" fmla="val 0"/>
+                <a:gd name="A3" fmla="val 0"/>
+                <a:gd name="A4" fmla="val 0"/>
+                <a:gd name="A5" fmla="val 0"/>
+                <a:gd name="A6" fmla="val 0"/>
+                <a:gd name="A7" fmla="val 0"/>
+                <a:gd name="A8" fmla="val 0"/>
+              </a:avLst>
+              <a:gdLst/>
+              <a:ahLst/>
+              <a:cxnLst>
+                <a:cxn ang="0">
+                  <a:pos x="0" y="0"/>
+                </a:cxn>
+                <a:cxn ang="0">
+                  <a:pos x="5760" y="0"/>
+                </a:cxn>
+                <a:cxn ang="0">
+                  <a:pos x="5760" y="528"/>
+                </a:cxn>
+                <a:cxn ang="0">
+                  <a:pos x="48" y="0"/>
+                </a:cxn>
+              </a:cxnLst>
+              <a:rect l="0" t="0" r="0" b="0"/>
+              <a:pathLst>
+                <a:path w="5760" h="528">
+                  <a:moveTo>
+                    <a:pt x="0" y="0"/>
+                  </a:moveTo>
+                  <a:lnTo>
+                    <a:pt x="5760" y="0"/>
+                  </a:lnTo>
+                  <a:lnTo>
+                    <a:pt x="5760" y="528"/>
+                  </a:lnTo>
+                  <a:lnTo>
+                    <a:pt x="48" y="0"/>
+                  </a:lnTo>
+                </a:path>
+              </a:pathLst>
+            </a:custGeom>
+            <a:solidFill>
+              <a:srgbClr val="000000">
+                <a:alpha val="100000"/>
+              </a:srgbClr>
+            </a:solidFill>
+            <a:ln w="9525" cap="flat" cmpd="sng" algn="ctr">
+              <a:noFill/>
+              <a:prstDash val="solid"/>
+              <a:round/>
+              <a:headEnd type="none" w="med" len="med"/>
+              <a:tailEnd type="none" w="med" len="med"/>
+            </a:ln>
+            <a:effectLst/>
+          </p:spPr>
+          <p:txBody>
+            <a:bodyPr vert="horz" wrap="square" lIns="91440" tIns="45720" rIns="91440" bIns="45720" anchor="t" compatLnSpc="1"/>
+            <a:lstStyle>
+              <a:extLst/>
+            </a:lstStyle>
+            <a:p>
+              <a:endParaRPr kumimoji="0" lang="en-US"/>
+            </a:p>
+          </p:txBody>
+        </p:sp>
+        <p:sp>
+          <p:nvSpPr>
+            <p:cNvPr id="11" name="Freeform 10"/>
+            <p:cNvSpPr>
+              <a:spLocks/>
+            </p:cNvSpPr>
+            <p:nvPr/>
+          </p:nvSpPr>
+          <p:spPr bwMode="auto">
+            <a:xfrm>
+              <a:off x="0" y="4883888"/>
+              <a:ext cx="9144000" cy="1981200"/>
+            </a:xfrm>
+            <a:custGeom>
+              <a:avLst>
+                <a:gd name="A1" fmla="val 0"/>
+                <a:gd name="A2" fmla="val 0"/>
+                <a:gd name="A3" fmla="val 0"/>
+                <a:gd name="A4" fmla="val 0"/>
+                <a:gd name="A5" fmla="val 0"/>
+                <a:gd name="A6" fmla="val 0"/>
+                <a:gd name="A7" fmla="val 0"/>
+                <a:gd name="A8" fmla="val 0"/>
+              </a:avLst>
+              <a:gdLst/>
+              <a:ahLst/>
+              <a:cxnLst>
+                <a:cxn ang="0">
+                  <a:pos x="0" y="0"/>
+                </a:cxn>
+                <a:cxn ang="0">
+                  <a:pos x="0" y="1248"/>
+                </a:cxn>
+                <a:cxn ang="0">
+                  <a:pos x="5760" y="1248"/>
+                </a:cxn>
+                <a:cxn ang="0">
+                  <a:pos x="5760" y="528"/>
+                </a:cxn>
+                <a:cxn ang="0">
+                  <a:pos x="0" y="0"/>
+                </a:cxn>
+              </a:cxnLst>
+              <a:rect l="0" t="0" r="0" b="0"/>
+              <a:pathLst>
+                <a:path w="5760" h="1248">
+                  <a:moveTo>
+                    <a:pt x="0" y="0"/>
+                  </a:moveTo>
+                  <a:lnTo>
+                    <a:pt x="0" y="1248"/>
+                  </a:lnTo>
+                  <a:lnTo>
+                    <a:pt x="5760" y="1248"/>
+                  </a:lnTo>
+                  <a:lnTo>
+                    <a:pt x="5760" y="528"/>
+                  </a:lnTo>
+                  <a:lnTo>
+                    <a:pt x="0" y="0"/>
+                  </a:lnTo>
+                  <a:close/>
+                </a:path>
+              </a:pathLst>
+            </a:custGeom>
+            <a:blipFill>
+              <a:blip r:embed="rId2" cstate="print">
+                <a:alphaModFix amt="50000"/>
+              </a:blip>
+              <a:tile tx="0" ty="0" sx="50000" sy="50000" flip="none" algn="t"/>
+            </a:blipFill>
+            <a:ln w="12700" cap="rnd" cmpd="thickThin" algn="ctr">
+              <a:noFill/>
+              <a:prstDash val="solid"/>
+            </a:ln>
+            <a:effectLst>
+              <a:fillOverlay blend="mult">
+                <a:gradFill flip="none" rotWithShape="1">
+                  <a:gsLst>
+                    <a:gs pos="0">
+                      <a:schemeClr val="accent1">
+                        <a:shade val="20000"/>
+                        <a:satMod val="176000"/>
+                        <a:alpha val="100000"/>
+                      </a:schemeClr>
+                    </a:gs>
+                    <a:gs pos="18000">
+                      <a:schemeClr val="accent1">
+                        <a:shade val="48000"/>
+                        <a:satMod val="153000"/>
+                        <a:alpha val="100000"/>
+                      </a:schemeClr>
+                    </a:gs>
+                    <a:gs pos="43000">
+                      <a:schemeClr val="accent1">
+                        <a:tint val="86000"/>
+                        <a:satMod val="149000"/>
+                        <a:alpha val="100000"/>
+                      </a:schemeClr>
+                    </a:gs>
+                    <a:gs pos="45000">
+                      <a:schemeClr val="accent1">
+                        <a:tint val="85000"/>
+                        <a:satMod val="150000"/>
+                        <a:alpha val="100000"/>
+                      </a:schemeClr>
+                    </a:gs>
+                    <a:gs pos="50000">
+                      <a:schemeClr val="accent1">
+                        <a:tint val="86000"/>
+                        <a:satMod val="149000"/>
+                        <a:alpha val="100000"/>
+                      </a:schemeClr>
+                    </a:gs>
+                    <a:gs pos="79000">
+                      <a:schemeClr val="accent1">
+                        <a:shade val="53000"/>
+                        <a:satMod val="150000"/>
+                        <a:alpha val="100000"/>
+                      </a:schemeClr>
+                    </a:gs>
+                    <a:gs pos="100000">
+                      <a:schemeClr val="accent1">
+                        <a:shade val="25000"/>
+                        <a:satMod val="170000"/>
+                        <a:alpha val="100000"/>
+                      </a:schemeClr>
+                    </a:gs>
+                  </a:gsLst>
+                  <a:lin ang="450000" scaled="1"/>
+                  <a:tileRect/>
+                </a:gradFill>
+              </a:fillOverlay>
+            </a:effectLst>
+          </p:spPr>
+          <p:style>
+            <a:lnRef idx="3">
+              <a:schemeClr val="lt1"/>
+            </a:lnRef>
+            <a:fillRef idx="1">
+              <a:schemeClr val="accent1"/>
+            </a:fillRef>
+            <a:effectRef idx="1">
+              <a:schemeClr val="accent1"/>
+            </a:effectRef>
+            <a:fontRef idx="minor">
+              <a:schemeClr val="lt1"/>
+            </a:fontRef>
+          </p:style>
+          <p:txBody>
+            <a:bodyPr vert="horz" wrap="square" lIns="91440" tIns="45720" rIns="91440" bIns="45720" anchor="ctr" compatLnSpc="1"/>
+            <a:lstStyle>
+              <a:extLst/>
+            </a:lstStyle>
+            <a:p>
+              <a:pPr algn="ctr" eaLnBrk="1" latinLnBrk="0" hangingPunct="1"/>
+              <a:endParaRPr kumimoji="0" lang="en-US"/>
+            </a:p>
+          </p:txBody>
+        </p:sp>
+        <p:cxnSp>
+          <p:nvCxnSpPr>
+            <p:cNvPr id="12" name="Straight Connector 11"/>
+            <p:cNvCxnSpPr/>
+            <p:nvPr/>
+          </p:nvCxnSpPr>
+          <p:spPr>
+            <a:xfrm>
+              <a:off x="-3765" y="4880373"/>
+              <a:ext cx="9147765" cy="839943"/>
+            </a:xfrm>
+            <a:prstGeom prst="line">
+              <a:avLst/>
+            </a:prstGeom>
+            <a:noFill/>
+            <a:ln w="12065" cap="flat" cmpd="sng" algn="ctr">
+              <a:gradFill>
+                <a:gsLst>
+                  <a:gs pos="45000">
+                    <a:schemeClr val="accent1">
+                      <a:tint val="70000"/>
+                      <a:satMod val="110000"/>
+                    </a:schemeClr>
+                  </a:gs>
+                  <a:gs pos="15000">
+                    <a:schemeClr val="accent1">
+                      <a:shade val="40000"/>
+                      <a:satMod val="110000"/>
+                    </a:schemeClr>
+                  </a:gs>
+                </a:gsLst>
+                <a:lin ang="5400000" scaled="1"/>
+              </a:gradFill>
+              <a:prstDash val="solid"/>
+              <a:miter lim="800000"/>
+            </a:ln>
+            <a:effectLst/>
+          </p:spPr>
+          <p:style>
+            <a:lnRef idx="2">
+              <a:schemeClr val="accent1"/>
+            </a:lnRef>
+            <a:fillRef idx="0">
+              <a:schemeClr val="accent1"/>
+            </a:fillRef>
+            <a:effectRef idx="1">
+              <a:schemeClr val="accent1"/>
+            </a:effectRef>
+            <a:fontRef idx="minor">
+              <a:schemeClr val="tx1"/>
+            </a:fontRef>
+          </p:style>
+        </p:cxnSp>
+      </p:grpSp>
+      <p:sp>
+        <p:nvSpPr>
+          <p:cNvPr id="30" name="Date Placeholder 29"/>
+          <p:cNvSpPr>
+            <a:spLocks noGrp="1"/>
+          </p:cNvSpPr>
+          <p:nvPr>
+            <p:ph type="dt" sz="half" idx="10"/>
+          </p:nvPr>
+        </p:nvSpPr>
+        <p:spPr/>
+        <p:txBody>
+          <a:bodyPr/>
+          <a:lstStyle>
+            <a:lvl1pPr>
               <a:defRPr>
                 <a:solidFill>
-                  <a:schemeClr val="tx1">
-                    <a:tint val="75000"/>
-                  </a:schemeClr>
+                  <a:srgbClr val="FFFFFF"/>
                 </a:solidFill>
               </a:defRPr>
-            </a:lvl9pPr>
-          </a:lstStyle>
-          <a:p>
-            <a:r>
-              <a:rPr lang="en-US" smtClean="0"/>
-              <a:t>Click to edit Master subtitle style</a:t>
-            </a:r>
-            <a:endParaRPr lang="en-US"/>
-          </a:p>
-        </p:txBody>
-      </p:sp>
-      <p:sp>
-        <p:nvSpPr>
-          <p:cNvPr id="4" name="Date Placeholder 3"/>
-          <p:cNvSpPr>
-            <a:spLocks noGrp="1"/>
-          </p:cNvSpPr>
-          <p:nvPr>
-            <p:ph type="dt" sz="half" idx="10"/>
-          </p:nvPr>
-        </p:nvSpPr>
-        <p:spPr/>
-        <p:txBody>
-          <a:bodyPr/>
-          <a:lstStyle/>
+            </a:lvl1pPr>
+            <a:extLst/>
+          </a:lstStyle>
           <a:p>
             <a:fld id="{1D8BD707-D9CF-40AE-B4C6-C98DA3205C09}" type="datetimeFigureOut">
               <a:rPr lang="en-US" smtClean="0"/>
@@ -297,7 +1188,7 @@
       </p:sp>
       <p:sp>
         <p:nvSpPr>
-          <p:cNvPr id="5" name="Footer Placeholder 4"/>
+          <p:cNvPr id="19" name="Footer Placeholder 18"/>
           <p:cNvSpPr>
             <a:spLocks noGrp="1"/>
           </p:cNvSpPr>
@@ -308,7 +1199,18 @@
         <p:spPr/>
         <p:txBody>
           <a:bodyPr/>
-          <a:lstStyle/>
+          <a:lstStyle>
+            <a:lvl1pPr>
+              <a:defRPr>
+                <a:solidFill>
+                  <a:schemeClr val="accent1">
+                    <a:tint val="20000"/>
+                  </a:schemeClr>
+                </a:solidFill>
+              </a:defRPr>
+            </a:lvl1pPr>
+            <a:extLst/>
+          </a:lstStyle>
           <a:p>
             <a:endParaRPr lang="en-US"/>
           </a:p>
@@ -316,7 +1218,7 @@
       </p:sp>
       <p:sp>
         <p:nvSpPr>
-          <p:cNvPr id="6" name="Slide Number Placeholder 5"/>
+          <p:cNvPr id="27" name="Slide Number Placeholder 26"/>
           <p:cNvSpPr>
             <a:spLocks noGrp="1"/>
           </p:cNvSpPr>
@@ -327,7 +1229,16 @@
         <p:spPr/>
         <p:txBody>
           <a:bodyPr/>
-          <a:lstStyle/>
+          <a:lstStyle>
+            <a:lvl1pPr>
+              <a:defRPr>
+                <a:solidFill>
+                  <a:srgbClr val="FFFFFF"/>
+                </a:solidFill>
+              </a:defRPr>
+            </a:lvl1pPr>
+            <a:extLst/>
+          </a:lstStyle>
           <a:p>
             <a:fld id="{B6F15528-21DE-4FAA-801E-634DDDAF4B2B}" type="slidenum">
               <a:rPr lang="en-US" smtClean="0"/>
@@ -376,13 +1287,15 @@
         <p:spPr/>
         <p:txBody>
           <a:bodyPr/>
-          <a:lstStyle/>
-          <a:p>
-            <a:r>
-              <a:rPr lang="en-US" smtClean="0"/>
+          <a:lstStyle>
+            <a:extLst/>
+          </a:lstStyle>
+          <a:p>
+            <a:r>
+              <a:rPr kumimoji="0" lang="en-US" smtClean="0"/>
               <a:t>Click to edit Master title style</a:t>
             </a:r>
-            <a:endParaRPr lang="en-US"/>
+            <a:endParaRPr kumimoji="0" lang="en-US"/>
           </a:p>
         </p:txBody>
       </p:sp>
@@ -396,62 +1309,71 @@
             <p:ph type="body" orient="vert" idx="1"/>
           </p:nvPr>
         </p:nvSpPr>
+        <p:spPr>
+          <a:xfrm>
+            <a:off x="457200" y="1481329"/>
+            <a:ext cx="8229600" cy="4386071"/>
+          </a:xfrm>
+        </p:spPr>
+        <p:txBody>
+          <a:bodyPr vert="eaVert"/>
+          <a:lstStyle>
+            <a:extLst/>
+          </a:lstStyle>
+          <a:p>
+            <a:pPr lvl="0" eaLnBrk="1" latinLnBrk="0" hangingPunct="1"/>
+            <a:r>
+              <a:rPr lang="en-US" smtClean="0"/>
+              <a:t>Click to edit Master text styles</a:t>
+            </a:r>
+          </a:p>
+          <a:p>
+            <a:pPr lvl="1" eaLnBrk="1" latinLnBrk="0" hangingPunct="1"/>
+            <a:r>
+              <a:rPr lang="en-US" smtClean="0"/>
+              <a:t>Second level</a:t>
+            </a:r>
+          </a:p>
+          <a:p>
+            <a:pPr lvl="2" eaLnBrk="1" latinLnBrk="0" hangingPunct="1"/>
+            <a:r>
+              <a:rPr lang="en-US" smtClean="0"/>
+              <a:t>Third level</a:t>
+            </a:r>
+          </a:p>
+          <a:p>
+            <a:pPr lvl="3" eaLnBrk="1" latinLnBrk="0" hangingPunct="1"/>
+            <a:r>
+              <a:rPr lang="en-US" smtClean="0"/>
+              <a:t>Fourth level</a:t>
+            </a:r>
+          </a:p>
+          <a:p>
+            <a:pPr lvl="4" eaLnBrk="1" latinLnBrk="0" hangingPunct="1"/>
+            <a:r>
+              <a:rPr lang="en-US" smtClean="0"/>
+              <a:t>Fifth level</a:t>
+            </a:r>
+            <a:endParaRPr kumimoji="0" lang="en-US"/>
+          </a:p>
+        </p:txBody>
+      </p:sp>
+      <p:sp>
+        <p:nvSpPr>
+          <p:cNvPr id="4" name="Date Placeholder 3"/>
+          <p:cNvSpPr>
+            <a:spLocks noGrp="1"/>
+          </p:cNvSpPr>
+          <p:nvPr>
+            <p:ph type="dt" sz="half" idx="10"/>
+          </p:nvPr>
+        </p:nvSpPr>
         <p:spPr/>
         <p:txBody>
-          <a:bodyPr vert="eaVert"/>
-          <a:lstStyle/>
-          <a:p>
-            <a:pPr lvl="0"/>
-            <a:r>
-              <a:rPr lang="en-US" smtClean="0"/>
-              <a:t>Click to edit Master text styles</a:t>
-            </a:r>
-          </a:p>
-          <a:p>
-            <a:pPr lvl="1"/>
-            <a:r>
-              <a:rPr lang="en-US" smtClean="0"/>
-              <a:t>Second level</a:t>
-            </a:r>
-          </a:p>
-          <a:p>
-            <a:pPr lvl="2"/>
-            <a:r>
-              <a:rPr lang="en-US" smtClean="0"/>
-              <a:t>Third level</a:t>
-            </a:r>
-          </a:p>
-          <a:p>
-            <a:pPr lvl="3"/>
-            <a:r>
-              <a:rPr lang="en-US" smtClean="0"/>
-              <a:t>Fourth level</a:t>
-            </a:r>
-          </a:p>
-          <a:p>
-            <a:pPr lvl="4"/>
-            <a:r>
-              <a:rPr lang="en-US" smtClean="0"/>
-              <a:t>Fifth level</a:t>
-            </a:r>
-            <a:endParaRPr lang="en-US"/>
-          </a:p>
-        </p:txBody>
-      </p:sp>
-      <p:sp>
-        <p:nvSpPr>
-          <p:cNvPr id="4" name="Date Placeholder 3"/>
-          <p:cNvSpPr>
-            <a:spLocks noGrp="1"/>
-          </p:cNvSpPr>
-          <p:nvPr>
-            <p:ph type="dt" sz="half" idx="10"/>
-          </p:nvPr>
-        </p:nvSpPr>
-        <p:spPr/>
-        <p:txBody>
           <a:bodyPr/>
-          <a:lstStyle/>
+          <a:lstStyle>
+            <a:extLst/>
+          </a:lstStyle>
           <a:p>
             <a:fld id="{1D8BD707-D9CF-40AE-B4C6-C98DA3205C09}" type="datetimeFigureOut">
               <a:rPr lang="en-US" smtClean="0"/>
@@ -475,7 +1397,9 @@
         <p:spPr/>
         <p:txBody>
           <a:bodyPr/>
-          <a:lstStyle/>
+          <a:lstStyle>
+            <a:extLst/>
+          </a:lstStyle>
           <a:p>
             <a:endParaRPr lang="en-US"/>
           </a:p>
@@ -494,7 +1418,9 @@
         <p:spPr/>
         <p:txBody>
           <a:bodyPr/>
-          <a:lstStyle/>
+          <a:lstStyle>
+            <a:extLst/>
+          </a:lstStyle>
           <a:p>
             <a:fld id="{B6F15528-21DE-4FAA-801E-634DDDAF4B2B}" type="slidenum">
               <a:rPr lang="en-US" smtClean="0"/>
@@ -542,19 +1468,21 @@
         </p:nvSpPr>
         <p:spPr>
           <a:xfrm>
-            <a:off x="6629400" y="274638"/>
-            <a:ext cx="2057400" cy="5851525"/>
+            <a:off x="6844013" y="274640"/>
+            <a:ext cx="1777470" cy="5592761"/>
           </a:xfrm>
         </p:spPr>
         <p:txBody>
           <a:bodyPr vert="eaVert"/>
-          <a:lstStyle/>
-          <a:p>
-            <a:r>
-              <a:rPr lang="en-US" smtClean="0"/>
+          <a:lstStyle>
+            <a:extLst/>
+          </a:lstStyle>
+          <a:p>
+            <a:r>
+              <a:rPr kumimoji="0" lang="en-US" smtClean="0"/>
               <a:t>Click to edit Master title style</a:t>
             </a:r>
-            <a:endParaRPr lang="en-US"/>
+            <a:endParaRPr kumimoji="0" lang="en-US"/>
           </a:p>
         </p:txBody>
       </p:sp>
@@ -570,48 +1498,50 @@
         </p:nvSpPr>
         <p:spPr>
           <a:xfrm>
-            <a:off x="457200" y="274638"/>
-            <a:ext cx="6019800" cy="5851525"/>
+            <a:off x="457200" y="274641"/>
+            <a:ext cx="6324600" cy="5592760"/>
           </a:xfrm>
         </p:spPr>
         <p:txBody>
           <a:bodyPr vert="eaVert"/>
-          <a:lstStyle/>
-          <a:p>
-            <a:pPr lvl="0"/>
+          <a:lstStyle>
+            <a:extLst/>
+          </a:lstStyle>
+          <a:p>
+            <a:pPr lvl="0" eaLnBrk="1" latinLnBrk="0" hangingPunct="1"/>
             <a:r>
               <a:rPr lang="en-US" smtClean="0"/>
               <a:t>Click to edit Master text styles</a:t>
             </a:r>
           </a:p>
           <a:p>
-            <a:pPr lvl="1"/>
+            <a:pPr lvl="1" eaLnBrk="1" latinLnBrk="0" hangingPunct="1"/>
             <a:r>
               <a:rPr lang="en-US" smtClean="0"/>
               <a:t>Second level</a:t>
             </a:r>
           </a:p>
           <a:p>
-            <a:pPr lvl="2"/>
+            <a:pPr lvl="2" eaLnBrk="1" latinLnBrk="0" hangingPunct="1"/>
             <a:r>
               <a:rPr lang="en-US" smtClean="0"/>
               <a:t>Third level</a:t>
             </a:r>
           </a:p>
           <a:p>
-            <a:pPr lvl="3"/>
+            <a:pPr lvl="3" eaLnBrk="1" latinLnBrk="0" hangingPunct="1"/>
             <a:r>
               <a:rPr lang="en-US" smtClean="0"/>
               <a:t>Fourth level</a:t>
             </a:r>
           </a:p>
           <a:p>
-            <a:pPr lvl="4"/>
+            <a:pPr lvl="4" eaLnBrk="1" latinLnBrk="0" hangingPunct="1"/>
             <a:r>
               <a:rPr lang="en-US" smtClean="0"/>
               <a:t>Fifth level</a:t>
             </a:r>
-            <a:endParaRPr lang="en-US"/>
+            <a:endParaRPr kumimoji="0" lang="en-US"/>
           </a:p>
         </p:txBody>
       </p:sp>
@@ -628,7 +1558,9 @@
         <p:spPr/>
         <p:txBody>
           <a:bodyPr/>
-          <a:lstStyle/>
+          <a:lstStyle>
+            <a:extLst/>
+          </a:lstStyle>
           <a:p>
             <a:fld id="{1D8BD707-D9CF-40AE-B4C6-C98DA3205C09}" type="datetimeFigureOut">
               <a:rPr lang="en-US" smtClean="0"/>
@@ -652,7 +1584,9 @@
         <p:spPr/>
         <p:txBody>
           <a:bodyPr/>
-          <a:lstStyle/>
+          <a:lstStyle>
+            <a:extLst/>
+          </a:lstStyle>
           <a:p>
             <a:endParaRPr lang="en-US"/>
           </a:p>
@@ -671,7 +1605,9 @@
         <p:spPr/>
         <p:txBody>
           <a:bodyPr/>
-          <a:lstStyle/>
+          <a:lstStyle>
+            <a:extLst/>
+          </a:lstStyle>
           <a:p>
             <a:fld id="{B6F15528-21DE-4FAA-801E-634DDDAF4B2B}" type="slidenum">
               <a:rPr lang="en-US" smtClean="0"/>
@@ -709,93 +1645,74 @@
       </p:grpSpPr>
       <p:sp>
         <p:nvSpPr>
-          <p:cNvPr id="2" name="Title 1"/>
-          <p:cNvSpPr>
-            <a:spLocks noGrp="1"/>
-          </p:cNvSpPr>
-          <p:nvPr>
-            <p:ph type="title"/>
+          <p:cNvPr id="3" name="Content Placeholder 2"/>
+          <p:cNvSpPr>
+            <a:spLocks noGrp="1"/>
+          </p:cNvSpPr>
+          <p:nvPr>
+            <p:ph idx="1"/>
           </p:nvPr>
         </p:nvSpPr>
         <p:spPr/>
         <p:txBody>
           <a:bodyPr/>
-          <a:lstStyle/>
-          <a:p>
-            <a:r>
-              <a:rPr lang="en-US" smtClean="0"/>
-              <a:t>Click to edit Master title style</a:t>
-            </a:r>
-            <a:endParaRPr lang="en-US"/>
-          </a:p>
-        </p:txBody>
-      </p:sp>
-      <p:sp>
-        <p:nvSpPr>
-          <p:cNvPr id="3" name="Content Placeholder 2"/>
-          <p:cNvSpPr>
-            <a:spLocks noGrp="1"/>
-          </p:cNvSpPr>
-          <p:nvPr>
-            <p:ph idx="1"/>
+          <a:lstStyle>
+            <a:extLst/>
+          </a:lstStyle>
+          <a:p>
+            <a:pPr lvl="0" eaLnBrk="1" latinLnBrk="0" hangingPunct="1"/>
+            <a:r>
+              <a:rPr lang="en-US" smtClean="0"/>
+              <a:t>Click to edit Master text styles</a:t>
+            </a:r>
+          </a:p>
+          <a:p>
+            <a:pPr lvl="1" eaLnBrk="1" latinLnBrk="0" hangingPunct="1"/>
+            <a:r>
+              <a:rPr lang="en-US" smtClean="0"/>
+              <a:t>Second level</a:t>
+            </a:r>
+          </a:p>
+          <a:p>
+            <a:pPr lvl="2" eaLnBrk="1" latinLnBrk="0" hangingPunct="1"/>
+            <a:r>
+              <a:rPr lang="en-US" smtClean="0"/>
+              <a:t>Third level</a:t>
+            </a:r>
+          </a:p>
+          <a:p>
+            <a:pPr lvl="3" eaLnBrk="1" latinLnBrk="0" hangingPunct="1"/>
+            <a:r>
+              <a:rPr lang="en-US" smtClean="0"/>
+              <a:t>Fourth level</a:t>
+            </a:r>
+          </a:p>
+          <a:p>
+            <a:pPr lvl="4" eaLnBrk="1" latinLnBrk="0" hangingPunct="1"/>
+            <a:r>
+              <a:rPr lang="en-US" smtClean="0"/>
+              <a:t>Fifth level</a:t>
+            </a:r>
+            <a:endParaRPr kumimoji="0" lang="en-US"/>
+          </a:p>
+        </p:txBody>
+      </p:sp>
+      <p:sp>
+        <p:nvSpPr>
+          <p:cNvPr id="4" name="Date Placeholder 3"/>
+          <p:cNvSpPr>
+            <a:spLocks noGrp="1"/>
+          </p:cNvSpPr>
+          <p:nvPr>
+            <p:ph type="dt" sz="half" idx="10"/>
           </p:nvPr>
         </p:nvSpPr>
         <p:spPr/>
         <p:txBody>
           <a:bodyPr/>
-          <a:lstStyle/>
-          <a:p>
-            <a:pPr lvl="0"/>
-            <a:r>
-              <a:rPr lang="en-US" smtClean="0"/>
-              <a:t>Click to edit Master text styles</a:t>
-            </a:r>
-          </a:p>
-          <a:p>
-            <a:pPr lvl="1"/>
-            <a:r>
-              <a:rPr lang="en-US" smtClean="0"/>
-              <a:t>Second level</a:t>
-            </a:r>
-          </a:p>
-          <a:p>
-            <a:pPr lvl="2"/>
-            <a:r>
-              <a:rPr lang="en-US" smtClean="0"/>
-              <a:t>Third level</a:t>
-            </a:r>
-          </a:p>
-          <a:p>
-            <a:pPr lvl="3"/>
-            <a:r>
-              <a:rPr lang="en-US" smtClean="0"/>
-              <a:t>Fourth level</a:t>
-            </a:r>
-          </a:p>
-          <a:p>
-            <a:pPr lvl="4"/>
-            <a:r>
-              <a:rPr lang="en-US" smtClean="0"/>
-              <a:t>Fifth level</a:t>
-            </a:r>
-            <a:endParaRPr lang="en-US"/>
-          </a:p>
-        </p:txBody>
-      </p:sp>
-      <p:sp>
-        <p:nvSpPr>
-          <p:cNvPr id="4" name="Date Placeholder 3"/>
-          <p:cNvSpPr>
-            <a:spLocks noGrp="1"/>
-          </p:cNvSpPr>
-          <p:nvPr>
-            <p:ph type="dt" sz="half" idx="10"/>
-          </p:nvPr>
-        </p:nvSpPr>
-        <p:spPr/>
-        <p:txBody>
-          <a:bodyPr/>
-          <a:lstStyle/>
+          <a:lstStyle>
+            <a:extLst/>
+          </a:lstStyle>
           <a:p>
             <a:fld id="{1D8BD707-D9CF-40AE-B4C6-C98DA3205C09}" type="datetimeFigureOut">
               <a:rPr lang="en-US" smtClean="0"/>
@@ -819,7 +1736,9 @@
         <p:spPr/>
         <p:txBody>
           <a:bodyPr/>
-          <a:lstStyle/>
+          <a:lstStyle>
+            <a:extLst/>
+          </a:lstStyle>
           <a:p>
             <a:endParaRPr lang="en-US"/>
           </a:p>
@@ -838,7 +1757,9 @@
         <p:spPr/>
         <p:txBody>
           <a:bodyPr/>
-          <a:lstStyle/>
+          <a:lstStyle>
+            <a:extLst/>
+          </a:lstStyle>
           <a:p>
             <a:fld id="{B6F15528-21DE-4FAA-801E-634DDDAF4B2B}" type="slidenum">
               <a:rPr lang="en-US" smtClean="0"/>
@@ -846,6 +1767,31 @@
               <a:t>‹#›</a:t>
             </a:fld>
             <a:endParaRPr lang="en-US"/>
+          </a:p>
+        </p:txBody>
+      </p:sp>
+      <p:sp>
+        <p:nvSpPr>
+          <p:cNvPr id="7" name="Title 6"/>
+          <p:cNvSpPr>
+            <a:spLocks noGrp="1"/>
+          </p:cNvSpPr>
+          <p:nvPr>
+            <p:ph type="title"/>
+          </p:nvPr>
+        </p:nvSpPr>
+        <p:spPr/>
+        <p:txBody>
+          <a:bodyPr rtlCol="0"/>
+          <a:lstStyle>
+            <a:extLst/>
+          </a:lstStyle>
+          <a:p>
+            <a:r>
+              <a:rPr kumimoji="0" lang="en-US" smtClean="0"/>
+              <a:t>Click to edit Master title style</a:t>
+            </a:r>
+            <a:endParaRPr kumimoji="0" lang="en-US"/>
           </a:p>
         </p:txBody>
       </p:sp>
@@ -860,6 +1806,11 @@
 <file path=ppt/slideLayouts/slideLayout3.xml><?xml version="1.0" encoding="utf-8"?>
 <p:sldLayout xmlns:a="http://schemas.openxmlformats.org/drawingml/2006/main" xmlns:r="http://schemas.openxmlformats.org/officeDocument/2006/relationships" xmlns:p="http://schemas.openxmlformats.org/presentationml/2006/main" type="secHead" preserve="1">
   <p:cSld name="Section Header">
+    <p:bg>
+      <p:bgRef idx="1002">
+        <a:schemeClr val="bg1"/>
+      </p:bgRef>
+    </p:bg>
     <p:spTree>
       <p:nvGrpSpPr>
         <p:cNvPr id="1" name=""/>
@@ -886,23 +1837,42 @@
         </p:nvSpPr>
         <p:spPr>
           <a:xfrm>
-            <a:off x="722313" y="4406900"/>
-            <a:ext cx="7772400" cy="1362075"/>
+            <a:off x="722376" y="1059712"/>
+            <a:ext cx="7772400" cy="1828800"/>
           </a:xfrm>
         </p:spPr>
         <p:txBody>
-          <a:bodyPr anchor="t"/>
-          <a:lstStyle>
-            <a:lvl1pPr algn="l">
-              <a:defRPr sz="4000" b="1" cap="all"/>
+          <a:bodyPr vert="horz" anchor="b">
+            <a:normAutofit/>
+            <a:scene3d>
+              <a:camera prst="orthographicFront"/>
+              <a:lightRig rig="soft" dir="t"/>
+            </a:scene3d>
+            <a:sp3d prstMaterial="softEdge">
+              <a:bevelT w="25400" h="25400"/>
+            </a:sp3d>
+          </a:bodyPr>
+          <a:lstStyle>
+            <a:lvl1pPr algn="r">
+              <a:buNone/>
+              <a:defRPr sz="4800" b="1" cap="none" baseline="0">
+                <a:effectLst>
+                  <a:outerShdw blurRad="31750" dist="25400" dir="5400000" algn="tl" rotWithShape="0">
+                    <a:srgbClr val="000000">
+                      <a:alpha val="25000"/>
+                    </a:srgbClr>
+                  </a:outerShdw>
+                </a:effectLst>
+              </a:defRPr>
             </a:lvl1pPr>
-          </a:lstStyle>
-          <a:p>
-            <a:r>
-              <a:rPr lang="en-US" smtClean="0"/>
+            <a:extLst/>
+          </a:lstStyle>
+          <a:p>
+            <a:r>
+              <a:rPr kumimoji="0" lang="en-US" smtClean="0"/>
               <a:t>Click to edit Master title style</a:t>
             </a:r>
-            <a:endParaRPr lang="en-US"/>
+            <a:endParaRPr kumimoji="0" lang="en-US"/>
           </a:p>
         </p:txBody>
       </p:sp>
@@ -918,24 +1888,22 @@
         </p:nvSpPr>
         <p:spPr>
           <a:xfrm>
-            <a:off x="722313" y="2906713"/>
-            <a:ext cx="7772400" cy="1500187"/>
+            <a:off x="3922713" y="2931712"/>
+            <a:ext cx="4572000" cy="1454888"/>
           </a:xfrm>
         </p:spPr>
         <p:txBody>
-          <a:bodyPr anchor="b"/>
-          <a:lstStyle>
-            <a:lvl1pPr marL="0" indent="0">
+          <a:bodyPr lIns="91440" rIns="91440" anchor="t"/>
+          <a:lstStyle>
+            <a:lvl1pPr marL="0" indent="0" algn="l">
               <a:buNone/>
-              <a:defRPr sz="2000">
+              <a:defRPr sz="2300">
                 <a:solidFill>
-                  <a:schemeClr val="tx1">
-                    <a:tint val="75000"/>
-                  </a:schemeClr>
+                  <a:schemeClr val="tx1"/>
                 </a:solidFill>
               </a:defRPr>
             </a:lvl1pPr>
-            <a:lvl2pPr marL="457200" indent="0">
+            <a:lvl2pPr>
               <a:buNone/>
               <a:defRPr sz="1800">
                 <a:solidFill>
@@ -945,7 +1913,7 @@
                 </a:solidFill>
               </a:defRPr>
             </a:lvl2pPr>
-            <a:lvl3pPr marL="914400" indent="0">
+            <a:lvl3pPr>
               <a:buNone/>
               <a:defRPr sz="1600">
                 <a:solidFill>
@@ -955,7 +1923,7 @@
                 </a:solidFill>
               </a:defRPr>
             </a:lvl3pPr>
-            <a:lvl4pPr marL="1371600" indent="0">
+            <a:lvl4pPr>
               <a:buNone/>
               <a:defRPr sz="1400">
                 <a:solidFill>
@@ -965,7 +1933,7 @@
                 </a:solidFill>
               </a:defRPr>
             </a:lvl4pPr>
-            <a:lvl5pPr marL="1828800" indent="0">
+            <a:lvl5pPr>
               <a:buNone/>
               <a:defRPr sz="1400">
                 <a:solidFill>
@@ -975,51 +1943,12 @@
                 </a:solidFill>
               </a:defRPr>
             </a:lvl5pPr>
-            <a:lvl6pPr marL="2286000" indent="0">
-              <a:buNone/>
-              <a:defRPr sz="1400">
-                <a:solidFill>
-                  <a:schemeClr val="tx1">
-                    <a:tint val="75000"/>
-                  </a:schemeClr>
-                </a:solidFill>
-              </a:defRPr>
-            </a:lvl6pPr>
-            <a:lvl7pPr marL="2743200" indent="0">
-              <a:buNone/>
-              <a:defRPr sz="1400">
-                <a:solidFill>
-                  <a:schemeClr val="tx1">
-                    <a:tint val="75000"/>
-                  </a:schemeClr>
-                </a:solidFill>
-              </a:defRPr>
-            </a:lvl7pPr>
-            <a:lvl8pPr marL="3200400" indent="0">
-              <a:buNone/>
-              <a:defRPr sz="1400">
-                <a:solidFill>
-                  <a:schemeClr val="tx1">
-                    <a:tint val="75000"/>
-                  </a:schemeClr>
-                </a:solidFill>
-              </a:defRPr>
-            </a:lvl8pPr>
-            <a:lvl9pPr marL="3657600" indent="0">
-              <a:buNone/>
-              <a:defRPr sz="1400">
-                <a:solidFill>
-                  <a:schemeClr val="tx1">
-                    <a:tint val="75000"/>
-                  </a:schemeClr>
-                </a:solidFill>
-              </a:defRPr>
-            </a:lvl9pPr>
-          </a:lstStyle>
-          <a:p>
-            <a:pPr lvl="0"/>
-            <a:r>
-              <a:rPr lang="en-US" smtClean="0"/>
+            <a:extLst/>
+          </a:lstStyle>
+          <a:p>
+            <a:pPr lvl="0" eaLnBrk="1" latinLnBrk="0" hangingPunct="1"/>
+            <a:r>
+              <a:rPr kumimoji="0" lang="en-US" smtClean="0"/>
               <a:t>Click to edit Master text styles</a:t>
             </a:r>
           </a:p>
@@ -1038,7 +1967,9 @@
         <p:spPr/>
         <p:txBody>
           <a:bodyPr/>
-          <a:lstStyle/>
+          <a:lstStyle>
+            <a:extLst/>
+          </a:lstStyle>
           <a:p>
             <a:fld id="{1D8BD707-D9CF-40AE-B4C6-C98DA3205C09}" type="datetimeFigureOut">
               <a:rPr lang="en-US" smtClean="0"/>
@@ -1062,7 +1993,9 @@
         <p:spPr/>
         <p:txBody>
           <a:bodyPr/>
-          <a:lstStyle/>
+          <a:lstStyle>
+            <a:extLst/>
+          </a:lstStyle>
           <a:p>
             <a:endParaRPr lang="en-US"/>
           </a:p>
@@ -1081,7 +2014,9 @@
         <p:spPr/>
         <p:txBody>
           <a:bodyPr/>
-          <a:lstStyle/>
+          <a:lstStyle>
+            <a:extLst/>
+          </a:lstStyle>
           <a:p>
             <a:fld id="{B6F15528-21DE-4FAA-801E-634DDDAF4B2B}" type="slidenum">
               <a:rPr lang="en-US" smtClean="0"/>
@@ -1092,10 +2027,170 @@
           </a:p>
         </p:txBody>
       </p:sp>
+      <p:sp>
+        <p:nvSpPr>
+          <p:cNvPr id="7" name="Chevron 6"/>
+          <p:cNvSpPr/>
+          <p:nvPr/>
+        </p:nvSpPr>
+        <p:spPr>
+          <a:xfrm>
+            <a:off x="3636680" y="3005472"/>
+            <a:ext cx="182880" cy="228600"/>
+          </a:xfrm>
+          <a:prstGeom prst="chevron">
+            <a:avLst>
+              <a:gd name="adj" fmla="val 50000"/>
+            </a:avLst>
+          </a:prstGeom>
+          <a:gradFill flip="none" rotWithShape="1">
+            <a:gsLst>
+              <a:gs pos="0">
+                <a:schemeClr val="accent1">
+                  <a:shade val="60000"/>
+                  <a:satMod val="125000"/>
+                </a:schemeClr>
+              </a:gs>
+              <a:gs pos="72000">
+                <a:schemeClr val="accent1">
+                  <a:tint val="90000"/>
+                  <a:satMod val="138000"/>
+                </a:schemeClr>
+              </a:gs>
+              <a:gs pos="100000">
+                <a:schemeClr val="accent1">
+                  <a:tint val="76000"/>
+                  <a:satMod val="136000"/>
+                </a:schemeClr>
+              </a:gs>
+            </a:gsLst>
+            <a:lin ang="16200000" scaled="0"/>
+          </a:gradFill>
+          <a:ln w="3175" cap="rnd" cmpd="sng" algn="ctr">
+            <a:solidFill>
+              <a:schemeClr val="accent1">
+                <a:shade val="50000"/>
+              </a:schemeClr>
+            </a:solidFill>
+            <a:prstDash val="solid"/>
+          </a:ln>
+          <a:effectLst>
+            <a:outerShdw blurRad="50800" dist="25400" dir="5400000">
+              <a:srgbClr val="000000">
+                <a:alpha val="46000"/>
+              </a:srgbClr>
+            </a:outerShdw>
+          </a:effectLst>
+        </p:spPr>
+        <p:style>
+          <a:lnRef idx="1">
+            <a:schemeClr val="accent1"/>
+          </a:lnRef>
+          <a:fillRef idx="3">
+            <a:schemeClr val="accent1"/>
+          </a:fillRef>
+          <a:effectRef idx="2">
+            <a:schemeClr val="accent1"/>
+          </a:effectRef>
+          <a:fontRef idx="minor">
+            <a:schemeClr val="lt1"/>
+          </a:fontRef>
+        </p:style>
+        <p:txBody>
+          <a:bodyPr anchor="ctr"/>
+          <a:lstStyle>
+            <a:extLst/>
+          </a:lstStyle>
+          <a:p>
+            <a:pPr algn="l" eaLnBrk="1" latinLnBrk="0" hangingPunct="1"/>
+            <a:endParaRPr kumimoji="0" lang="en-US"/>
+          </a:p>
+        </p:txBody>
+      </p:sp>
+      <p:sp>
+        <p:nvSpPr>
+          <p:cNvPr id="8" name="Chevron 7"/>
+          <p:cNvSpPr/>
+          <p:nvPr/>
+        </p:nvSpPr>
+        <p:spPr>
+          <a:xfrm>
+            <a:off x="3450264" y="3005472"/>
+            <a:ext cx="182880" cy="228600"/>
+          </a:xfrm>
+          <a:prstGeom prst="chevron">
+            <a:avLst>
+              <a:gd name="adj" fmla="val 50000"/>
+            </a:avLst>
+          </a:prstGeom>
+          <a:gradFill flip="none" rotWithShape="1">
+            <a:gsLst>
+              <a:gs pos="0">
+                <a:schemeClr val="accent1">
+                  <a:shade val="60000"/>
+                  <a:satMod val="125000"/>
+                </a:schemeClr>
+              </a:gs>
+              <a:gs pos="72000">
+                <a:schemeClr val="accent1">
+                  <a:tint val="90000"/>
+                  <a:satMod val="138000"/>
+                </a:schemeClr>
+              </a:gs>
+              <a:gs pos="100000">
+                <a:schemeClr val="accent1">
+                  <a:tint val="76000"/>
+                  <a:satMod val="136000"/>
+                </a:schemeClr>
+              </a:gs>
+            </a:gsLst>
+            <a:lin ang="16200000" scaled="0"/>
+          </a:gradFill>
+          <a:ln w="3175" cap="rnd" cmpd="sng" algn="ctr">
+            <a:solidFill>
+              <a:schemeClr val="accent1">
+                <a:shade val="50000"/>
+              </a:schemeClr>
+            </a:solidFill>
+            <a:prstDash val="solid"/>
+          </a:ln>
+          <a:effectLst>
+            <a:outerShdw blurRad="50800" dist="25400" dir="5400000">
+              <a:srgbClr val="000000">
+                <a:alpha val="46000"/>
+              </a:srgbClr>
+            </a:outerShdw>
+          </a:effectLst>
+        </p:spPr>
+        <p:style>
+          <a:lnRef idx="1">
+            <a:schemeClr val="accent1"/>
+          </a:lnRef>
+          <a:fillRef idx="3">
+            <a:schemeClr val="accent1"/>
+          </a:fillRef>
+          <a:effectRef idx="2">
+            <a:schemeClr val="accent1"/>
+          </a:effectRef>
+          <a:fontRef idx="minor">
+            <a:schemeClr val="lt1"/>
+          </a:fontRef>
+        </p:style>
+        <p:txBody>
+          <a:bodyPr anchor="ctr"/>
+          <a:lstStyle>
+            <a:extLst/>
+          </a:lstStyle>
+          <a:p>
+            <a:pPr algn="l" eaLnBrk="1" latinLnBrk="0" hangingPunct="1"/>
+            <a:endParaRPr kumimoji="0" lang="en-US"/>
+          </a:p>
+        </p:txBody>
+      </p:sp>
     </p:spTree>
   </p:cSld>
   <p:clrMapOvr>
-    <a:masterClrMapping/>
+    <a:overrideClrMapping bg1="dk1" tx1="lt1" bg2="dk2" tx2="lt2" accent1="accent1" accent2="accent2" accent3="accent3" accent4="accent4" accent5="accent5" accent6="accent6" hlink="hlink" folHlink="folHlink"/>
   </p:clrMapOvr>
 </p:sldLayout>
 </file>
@@ -1103,6 +2198,11 @@
 <file path=ppt/slideLayouts/slideLayout4.xml><?xml version="1.0" encoding="utf-8"?>
 <p:sldLayout xmlns:a="http://schemas.openxmlformats.org/drawingml/2006/main" xmlns:r="http://schemas.openxmlformats.org/officeDocument/2006/relationships" xmlns:p="http://schemas.openxmlformats.org/presentationml/2006/main" type="twoObj" preserve="1">
   <p:cSld name="Two Content">
+    <p:bg>
+      <p:bgRef idx="1002">
+        <a:schemeClr val="bg1"/>
+      </p:bgRef>
+    </p:bg>
     <p:spTree>
       <p:nvGrpSpPr>
         <p:cNvPr id="1" name=""/>
@@ -1119,29 +2219,6 @@
       </p:grpSpPr>
       <p:sp>
         <p:nvSpPr>
-          <p:cNvPr id="2" name="Title 1"/>
-          <p:cNvSpPr>
-            <a:spLocks noGrp="1"/>
-          </p:cNvSpPr>
-          <p:nvPr>
-            <p:ph type="title"/>
-          </p:nvPr>
-        </p:nvSpPr>
-        <p:spPr/>
-        <p:txBody>
-          <a:bodyPr/>
-          <a:lstStyle/>
-          <a:p>
-            <a:r>
-              <a:rPr lang="en-US" smtClean="0"/>
-              <a:t>Click to edit Master title style</a:t>
-            </a:r>
-            <a:endParaRPr lang="en-US"/>
-          </a:p>
-        </p:txBody>
-      </p:sp>
-      <p:sp>
-        <p:nvSpPr>
           <p:cNvPr id="3" name="Content Placeholder 2"/>
           <p:cNvSpPr>
             <a:spLocks noGrp="1"/>
@@ -1152,7 +2229,7 @@
         </p:nvSpPr>
         <p:spPr>
           <a:xfrm>
-            <a:off x="457200" y="1600200"/>
+            <a:off x="457200" y="1481328"/>
             <a:ext cx="4038600" cy="4525963"/>
           </a:xfrm>
         </p:spPr>
@@ -1174,54 +2251,43 @@
             <a:lvl5pPr>
               <a:defRPr sz="1800"/>
             </a:lvl5pPr>
-            <a:lvl6pPr>
-              <a:defRPr sz="1800"/>
-            </a:lvl6pPr>
-            <a:lvl7pPr>
-              <a:defRPr sz="1800"/>
-            </a:lvl7pPr>
-            <a:lvl8pPr>
-              <a:defRPr sz="1800"/>
-            </a:lvl8pPr>
-            <a:lvl9pPr>
-              <a:defRPr sz="1800"/>
-            </a:lvl9pPr>
-          </a:lstStyle>
-          <a:p>
-            <a:pPr lvl="0"/>
+            <a:extLst/>
+          </a:lstStyle>
+          <a:p>
+            <a:pPr lvl="0" eaLnBrk="1" latinLnBrk="0" hangingPunct="1"/>
             <a:r>
               <a:rPr lang="en-US" smtClean="0"/>
               <a:t>Click to edit Master text styles</a:t>
             </a:r>
           </a:p>
           <a:p>
-            <a:pPr lvl="1"/>
+            <a:pPr lvl="1" eaLnBrk="1" latinLnBrk="0" hangingPunct="1"/>
             <a:r>
               <a:rPr lang="en-US" smtClean="0"/>
               <a:t>Second level</a:t>
             </a:r>
           </a:p>
           <a:p>
-            <a:pPr lvl="2"/>
+            <a:pPr lvl="2" eaLnBrk="1" latinLnBrk="0" hangingPunct="1"/>
             <a:r>
               <a:rPr lang="en-US" smtClean="0"/>
               <a:t>Third level</a:t>
             </a:r>
           </a:p>
           <a:p>
-            <a:pPr lvl="3"/>
+            <a:pPr lvl="3" eaLnBrk="1" latinLnBrk="0" hangingPunct="1"/>
             <a:r>
               <a:rPr lang="en-US" smtClean="0"/>
               <a:t>Fourth level</a:t>
             </a:r>
           </a:p>
           <a:p>
-            <a:pPr lvl="4"/>
+            <a:pPr lvl="4" eaLnBrk="1" latinLnBrk="0" hangingPunct="1"/>
             <a:r>
               <a:rPr lang="en-US" smtClean="0"/>
               <a:t>Fifth level</a:t>
             </a:r>
-            <a:endParaRPr lang="en-US"/>
+            <a:endParaRPr kumimoji="0" lang="en-US"/>
           </a:p>
         </p:txBody>
       </p:sp>
@@ -1237,7 +2303,7 @@
         </p:nvSpPr>
         <p:spPr>
           <a:xfrm>
-            <a:off x="4648200" y="1600200"/>
+            <a:off x="4648200" y="1481328"/>
             <a:ext cx="4038600" cy="4525963"/>
           </a:xfrm>
         </p:spPr>
@@ -1259,54 +2325,43 @@
             <a:lvl5pPr>
               <a:defRPr sz="1800"/>
             </a:lvl5pPr>
-            <a:lvl6pPr>
-              <a:defRPr sz="1800"/>
-            </a:lvl6pPr>
-            <a:lvl7pPr>
-              <a:defRPr sz="1800"/>
-            </a:lvl7pPr>
-            <a:lvl8pPr>
-              <a:defRPr sz="1800"/>
-            </a:lvl8pPr>
-            <a:lvl9pPr>
-              <a:defRPr sz="1800"/>
-            </a:lvl9pPr>
-          </a:lstStyle>
-          <a:p>
-            <a:pPr lvl="0"/>
+            <a:extLst/>
+          </a:lstStyle>
+          <a:p>
+            <a:pPr lvl="0" eaLnBrk="1" latinLnBrk="0" hangingPunct="1"/>
             <a:r>
               <a:rPr lang="en-US" smtClean="0"/>
               <a:t>Click to edit Master text styles</a:t>
             </a:r>
           </a:p>
           <a:p>
-            <a:pPr lvl="1"/>
+            <a:pPr lvl="1" eaLnBrk="1" latinLnBrk="0" hangingPunct="1"/>
             <a:r>
               <a:rPr lang="en-US" smtClean="0"/>
               <a:t>Second level</a:t>
             </a:r>
           </a:p>
           <a:p>
-            <a:pPr lvl="2"/>
+            <a:pPr lvl="2" eaLnBrk="1" latinLnBrk="0" hangingPunct="1"/>
             <a:r>
               <a:rPr lang="en-US" smtClean="0"/>
               <a:t>Third level</a:t>
             </a:r>
           </a:p>
           <a:p>
-            <a:pPr lvl="3"/>
+            <a:pPr lvl="3" eaLnBrk="1" latinLnBrk="0" hangingPunct="1"/>
             <a:r>
               <a:rPr lang="en-US" smtClean="0"/>
               <a:t>Fourth level</a:t>
             </a:r>
           </a:p>
           <a:p>
-            <a:pPr lvl="4"/>
+            <a:pPr lvl="4" eaLnBrk="1" latinLnBrk="0" hangingPunct="1"/>
             <a:r>
               <a:rPr lang="en-US" smtClean="0"/>
               <a:t>Fifth level</a:t>
             </a:r>
-            <a:endParaRPr lang="en-US"/>
+            <a:endParaRPr kumimoji="0" lang="en-US"/>
           </a:p>
         </p:txBody>
       </p:sp>
@@ -1323,7 +2378,9 @@
         <p:spPr/>
         <p:txBody>
           <a:bodyPr/>
-          <a:lstStyle/>
+          <a:lstStyle>
+            <a:extLst/>
+          </a:lstStyle>
           <a:p>
             <a:fld id="{1D8BD707-D9CF-40AE-B4C6-C98DA3205C09}" type="datetimeFigureOut">
               <a:rPr lang="en-US" smtClean="0"/>
@@ -1347,7 +2404,9 @@
         <p:spPr/>
         <p:txBody>
           <a:bodyPr/>
-          <a:lstStyle/>
+          <a:lstStyle>
+            <a:extLst/>
+          </a:lstStyle>
           <a:p>
             <a:endParaRPr lang="en-US"/>
           </a:p>
@@ -1366,7 +2425,9 @@
         <p:spPr/>
         <p:txBody>
           <a:bodyPr/>
-          <a:lstStyle/>
+          <a:lstStyle>
+            <a:extLst/>
+          </a:lstStyle>
           <a:p>
             <a:fld id="{B6F15528-21DE-4FAA-801E-634DDDAF4B2B}" type="slidenum">
               <a:rPr lang="en-US" smtClean="0"/>
@@ -1377,17 +2438,47 @@
           </a:p>
         </p:txBody>
       </p:sp>
+      <p:sp>
+        <p:nvSpPr>
+          <p:cNvPr id="8" name="Title 7"/>
+          <p:cNvSpPr>
+            <a:spLocks noGrp="1"/>
+          </p:cNvSpPr>
+          <p:nvPr>
+            <p:ph type="title"/>
+          </p:nvPr>
+        </p:nvSpPr>
+        <p:spPr/>
+        <p:txBody>
+          <a:bodyPr rtlCol="0"/>
+          <a:lstStyle>
+            <a:extLst/>
+          </a:lstStyle>
+          <a:p>
+            <a:r>
+              <a:rPr kumimoji="0" lang="en-US" smtClean="0"/>
+              <a:t>Click to edit Master title style</a:t>
+            </a:r>
+            <a:endParaRPr kumimoji="0" lang="en-US"/>
+          </a:p>
+        </p:txBody>
+      </p:sp>
     </p:spTree>
   </p:cSld>
   <p:clrMapOvr>
-    <a:masterClrMapping/>
+    <a:overrideClrMapping bg1="dk1" tx1="lt1" bg2="dk2" tx2="lt2" accent1="accent1" accent2="accent2" accent3="accent3" accent4="accent4" accent5="accent5" accent6="accent6" hlink="hlink" folHlink="folHlink"/>
   </p:clrMapOvr>
 </p:sldLayout>
 </file>
 
 <file path=ppt/slideLayouts/slideLayout5.xml><?xml version="1.0" encoding="utf-8"?>
-<p:sldLayout xmlns:a="http://schemas.openxmlformats.org/drawingml/2006/main" xmlns:r="http://schemas.openxmlformats.org/officeDocument/2006/relationships" xmlns:p="http://schemas.openxmlformats.org/presentationml/2006/main" type="twoTxTwoObj" preserve="1">
+<p:sldLayout xmlns:a="http://schemas.openxmlformats.org/drawingml/2006/main" xmlns:r="http://schemas.openxmlformats.org/officeDocument/2006/relationships" xmlns:p="http://schemas.openxmlformats.org/presentationml/2006/main" showMasterSp="0" type="twoTxTwoObj" preserve="1">
   <p:cSld name="Comparison">
+    <p:bg>
+      <p:bgRef idx="1003">
+        <a:schemeClr val="bg1"/>
+      </p:bgRef>
+    </p:bg>
     <p:spTree>
       <p:nvGrpSpPr>
         <p:cNvPr id="1" name=""/>
@@ -1412,20 +2503,26 @@
             <p:ph type="title"/>
           </p:nvPr>
         </p:nvSpPr>
-        <p:spPr/>
-        <p:txBody>
-          <a:bodyPr/>
+        <p:spPr>
+          <a:xfrm>
+            <a:off x="457200" y="273050"/>
+            <a:ext cx="8229600" cy="1143000"/>
+          </a:xfrm>
+        </p:spPr>
+        <p:txBody>
+          <a:bodyPr anchor="ctr"/>
           <a:lstStyle>
             <a:lvl1pPr>
               <a:defRPr/>
             </a:lvl1pPr>
-          </a:lstStyle>
-          <a:p>
-            <a:r>
-              <a:rPr lang="en-US" smtClean="0"/>
+            <a:extLst/>
+          </a:lstStyle>
+          <a:p>
+            <a:r>
+              <a:rPr kumimoji="0" lang="en-US" smtClean="0"/>
               <a:t>Click to edit Master title style</a:t>
             </a:r>
-            <a:endParaRPr lang="en-US"/>
+            <a:endParaRPr kumimoji="0" lang="en-US"/>
           </a:p>
         </p:txBody>
       </p:sp>
@@ -1441,54 +2538,115 @@
         </p:nvSpPr>
         <p:spPr>
           <a:xfrm>
-            <a:off x="457200" y="1535113"/>
-            <a:ext cx="4040188" cy="639762"/>
+            <a:off x="457200" y="5410200"/>
+            <a:ext cx="4040188" cy="762000"/>
           </a:xfrm>
+          <a:solidFill>
+            <a:schemeClr val="accent1"/>
+          </a:solidFill>
+          <a:ln w="9652">
+            <a:solidFill>
+              <a:schemeClr val="accent1"/>
+            </a:solidFill>
+            <a:miter lim="800000"/>
+          </a:ln>
         </p:spPr>
         <p:txBody>
-          <a:bodyPr anchor="b"/>
+          <a:bodyPr lIns="182880" anchor="ctr"/>
           <a:lstStyle>
             <a:lvl1pPr marL="0" indent="0">
               <a:buNone/>
-              <a:defRPr sz="2400" b="1"/>
+              <a:defRPr sz="2400" b="0">
+                <a:solidFill>
+                  <a:schemeClr val="bg1"/>
+                </a:solidFill>
+              </a:defRPr>
             </a:lvl1pPr>
-            <a:lvl2pPr marL="457200" indent="0">
+            <a:lvl2pPr>
               <a:buNone/>
               <a:defRPr sz="2000" b="1"/>
             </a:lvl2pPr>
-            <a:lvl3pPr marL="914400" indent="0">
+            <a:lvl3pPr>
               <a:buNone/>
               <a:defRPr sz="1800" b="1"/>
             </a:lvl3pPr>
-            <a:lvl4pPr marL="1371600" indent="0">
+            <a:lvl4pPr>
               <a:buNone/>
               <a:defRPr sz="1600" b="1"/>
             </a:lvl4pPr>
-            <a:lvl5pPr marL="1828800" indent="0">
+            <a:lvl5pPr>
               <a:buNone/>
               <a:defRPr sz="1600" b="1"/>
             </a:lvl5pPr>
-            <a:lvl6pPr marL="2286000" indent="0">
+            <a:extLst/>
+          </a:lstStyle>
+          <a:p>
+            <a:pPr lvl="0" eaLnBrk="1" latinLnBrk="0" hangingPunct="1"/>
+            <a:r>
+              <a:rPr kumimoji="0" lang="en-US" smtClean="0"/>
+              <a:t>Click to edit Master text styles</a:t>
+            </a:r>
+          </a:p>
+        </p:txBody>
+      </p:sp>
+      <p:sp>
+        <p:nvSpPr>
+          <p:cNvPr id="4" name="Text Placeholder 3"/>
+          <p:cNvSpPr>
+            <a:spLocks noGrp="1"/>
+          </p:cNvSpPr>
+          <p:nvPr>
+            <p:ph type="body" sz="half" idx="3"/>
+          </p:nvPr>
+        </p:nvSpPr>
+        <p:spPr>
+          <a:xfrm>
+            <a:off x="4645026" y="5410200"/>
+            <a:ext cx="4041775" cy="762000"/>
+          </a:xfrm>
+          <a:solidFill>
+            <a:schemeClr val="accent1"/>
+          </a:solidFill>
+          <a:ln w="9652">
+            <a:solidFill>
+              <a:schemeClr val="accent1"/>
+            </a:solidFill>
+            <a:miter lim="800000"/>
+          </a:ln>
+        </p:spPr>
+        <p:txBody>
+          <a:bodyPr lIns="182880" anchor="ctr"/>
+          <a:lstStyle>
+            <a:lvl1pPr marL="0" indent="0">
+              <a:buNone/>
+              <a:defRPr sz="2400" b="0">
+                <a:solidFill>
+                  <a:schemeClr val="bg1"/>
+                </a:solidFill>
+              </a:defRPr>
+            </a:lvl1pPr>
+            <a:lvl2pPr>
+              <a:buNone/>
+              <a:defRPr sz="2000" b="1"/>
+            </a:lvl2pPr>
+            <a:lvl3pPr>
+              <a:buNone/>
+              <a:defRPr sz="1800" b="1"/>
+            </a:lvl3pPr>
+            <a:lvl4pPr>
               <a:buNone/>
               <a:defRPr sz="1600" b="1"/>
-            </a:lvl6pPr>
-            <a:lvl7pPr marL="2743200" indent="0">
+            </a:lvl4pPr>
+            <a:lvl5pPr>
               <a:buNone/>
               <a:defRPr sz="1600" b="1"/>
-            </a:lvl7pPr>
-            <a:lvl8pPr marL="3200400" indent="0">
-              <a:buNone/>
-              <a:defRPr sz="1600" b="1"/>
-            </a:lvl8pPr>
-            <a:lvl9pPr marL="3657600" indent="0">
-              <a:buNone/>
-              <a:defRPr sz="1600" b="1"/>
-            </a:lvl9pPr>
-          </a:lstStyle>
-          <a:p>
-            <a:pPr lvl="0"/>
-            <a:r>
-              <a:rPr lang="en-US" smtClean="0"/>
+            </a:lvl5pPr>
+            <a:extLst/>
+          </a:lstStyle>
+          <a:p>
+            <a:pPr lvl="0" eaLnBrk="1" latinLnBrk="0" hangingPunct="1"/>
+            <a:r>
+              <a:rPr kumimoji="0" lang="en-US" smtClean="0"/>
               <a:t>Click to edit Master text styles</a:t>
             </a:r>
           </a:p>
@@ -1496,19 +2654,24 @@
       </p:sp>
       <p:sp>
         <p:nvSpPr>
-          <p:cNvPr id="4" name="Content Placeholder 3"/>
-          <p:cNvSpPr>
-            <a:spLocks noGrp="1"/>
-          </p:cNvSpPr>
-          <p:nvPr>
-            <p:ph sz="half" idx="2"/>
+          <p:cNvPr id="5" name="Content Placeholder 4"/>
+          <p:cNvSpPr>
+            <a:spLocks noGrp="1"/>
+          </p:cNvSpPr>
+          <p:nvPr>
+            <p:ph sz="quarter" idx="2"/>
           </p:nvPr>
         </p:nvSpPr>
         <p:spPr>
           <a:xfrm>
-            <a:off x="457200" y="2174875"/>
-            <a:ext cx="4040188" cy="3951288"/>
+            <a:off x="457200" y="1444294"/>
+            <a:ext cx="4040188" cy="3941763"/>
           </a:xfrm>
+          <a:ln>
+            <a:noFill/>
+            <a:prstDash val="sysDash"/>
+            <a:miter lim="800000"/>
+          </a:ln>
         </p:spPr>
         <p:txBody>
           <a:bodyPr/>
@@ -1528,142 +2691,74 @@
             <a:lvl5pPr>
               <a:defRPr sz="1600"/>
             </a:lvl5pPr>
-            <a:lvl6pPr>
-              <a:defRPr sz="1600"/>
-            </a:lvl6pPr>
-            <a:lvl7pPr>
-              <a:defRPr sz="1600"/>
-            </a:lvl7pPr>
-            <a:lvl8pPr>
-              <a:defRPr sz="1600"/>
-            </a:lvl8pPr>
-            <a:lvl9pPr>
-              <a:defRPr sz="1600"/>
-            </a:lvl9pPr>
-          </a:lstStyle>
-          <a:p>
-            <a:pPr lvl="0"/>
+            <a:extLst/>
+          </a:lstStyle>
+          <a:p>
+            <a:pPr lvl="0" eaLnBrk="1" latinLnBrk="0" hangingPunct="1"/>
             <a:r>
               <a:rPr lang="en-US" smtClean="0"/>
               <a:t>Click to edit Master text styles</a:t>
             </a:r>
           </a:p>
           <a:p>
-            <a:pPr lvl="1"/>
+            <a:pPr lvl="1" eaLnBrk="1" latinLnBrk="0" hangingPunct="1"/>
             <a:r>
               <a:rPr lang="en-US" smtClean="0"/>
               <a:t>Second level</a:t>
             </a:r>
           </a:p>
           <a:p>
-            <a:pPr lvl="2"/>
+            <a:pPr lvl="2" eaLnBrk="1" latinLnBrk="0" hangingPunct="1"/>
             <a:r>
               <a:rPr lang="en-US" smtClean="0"/>
               <a:t>Third level</a:t>
             </a:r>
           </a:p>
           <a:p>
-            <a:pPr lvl="3"/>
+            <a:pPr lvl="3" eaLnBrk="1" latinLnBrk="0" hangingPunct="1"/>
             <a:r>
               <a:rPr lang="en-US" smtClean="0"/>
               <a:t>Fourth level</a:t>
             </a:r>
           </a:p>
           <a:p>
-            <a:pPr lvl="4"/>
+            <a:pPr lvl="4" eaLnBrk="1" latinLnBrk="0" hangingPunct="1"/>
             <a:r>
               <a:rPr lang="en-US" smtClean="0"/>
               <a:t>Fifth level</a:t>
             </a:r>
-            <a:endParaRPr lang="en-US"/>
-          </a:p>
-        </p:txBody>
-      </p:sp>
-      <p:sp>
-        <p:nvSpPr>
-          <p:cNvPr id="5" name="Text Placeholder 4"/>
-          <p:cNvSpPr>
-            <a:spLocks noGrp="1"/>
-          </p:cNvSpPr>
-          <p:nvPr>
-            <p:ph type="body" sz="quarter" idx="3"/>
+            <a:endParaRPr kumimoji="0" lang="en-US"/>
+          </a:p>
+        </p:txBody>
+      </p:sp>
+      <p:sp>
+        <p:nvSpPr>
+          <p:cNvPr id="6" name="Content Placeholder 5"/>
+          <p:cNvSpPr>
+            <a:spLocks noGrp="1"/>
+          </p:cNvSpPr>
+          <p:nvPr>
+            <p:ph sz="quarter" idx="4"/>
           </p:nvPr>
         </p:nvSpPr>
         <p:spPr>
           <a:xfrm>
-            <a:off x="4645025" y="1535113"/>
-            <a:ext cx="4041775" cy="639762"/>
+            <a:off x="4645025" y="1444294"/>
+            <a:ext cx="4041775" cy="3941763"/>
           </a:xfrm>
+          <a:ln>
+            <a:noFill/>
+            <a:prstDash val="sysDash"/>
+            <a:miter lim="800000"/>
+          </a:ln>
         </p:spPr>
         <p:txBody>
-          <a:bodyPr anchor="b"/>
-          <a:lstStyle>
-            <a:lvl1pPr marL="0" indent="0">
-              <a:buNone/>
-              <a:defRPr sz="2400" b="1"/>
-            </a:lvl1pPr>
-            <a:lvl2pPr marL="457200" indent="0">
-              <a:buNone/>
-              <a:defRPr sz="2000" b="1"/>
-            </a:lvl2pPr>
-            <a:lvl3pPr marL="914400" indent="0">
-              <a:buNone/>
-              <a:defRPr sz="1800" b="1"/>
-            </a:lvl3pPr>
-            <a:lvl4pPr marL="1371600" indent="0">
-              <a:buNone/>
-              <a:defRPr sz="1600" b="1"/>
-            </a:lvl4pPr>
-            <a:lvl5pPr marL="1828800" indent="0">
-              <a:buNone/>
-              <a:defRPr sz="1600" b="1"/>
-            </a:lvl5pPr>
-            <a:lvl6pPr marL="2286000" indent="0">
-              <a:buNone/>
-              <a:defRPr sz="1600" b="1"/>
-            </a:lvl6pPr>
-            <a:lvl7pPr marL="2743200" indent="0">
-              <a:buNone/>
-              <a:defRPr sz="1600" b="1"/>
-            </a:lvl7pPr>
-            <a:lvl8pPr marL="3200400" indent="0">
-              <a:buNone/>
-              <a:defRPr sz="1600" b="1"/>
-            </a:lvl8pPr>
-            <a:lvl9pPr marL="3657600" indent="0">
-              <a:buNone/>
-              <a:defRPr sz="1600" b="1"/>
-            </a:lvl9pPr>
-          </a:lstStyle>
-          <a:p>
-            <a:pPr lvl="0"/>
-            <a:r>
-              <a:rPr lang="en-US" smtClean="0"/>
-              <a:t>Click to edit Master text styles</a:t>
-            </a:r>
-          </a:p>
-        </p:txBody>
-      </p:sp>
-      <p:sp>
-        <p:nvSpPr>
-          <p:cNvPr id="6" name="Content Placeholder 5"/>
-          <p:cNvSpPr>
-            <a:spLocks noGrp="1"/>
-          </p:cNvSpPr>
-          <p:nvPr>
-            <p:ph sz="quarter" idx="4"/>
-          </p:nvPr>
-        </p:nvSpPr>
-        <p:spPr>
-          <a:xfrm>
-            <a:off x="4645025" y="2174875"/>
-            <a:ext cx="4041775" cy="3951288"/>
-          </a:xfrm>
-        </p:spPr>
-        <p:txBody>
           <a:bodyPr/>
           <a:lstStyle>
             <a:lvl1pPr>
+              <a:spcBef>
+                <a:spcPts val="0"/>
+              </a:spcBef>
               <a:defRPr sz="2400"/>
             </a:lvl1pPr>
             <a:lvl2pPr>
@@ -1678,54 +2773,43 @@
             <a:lvl5pPr>
               <a:defRPr sz="1600"/>
             </a:lvl5pPr>
-            <a:lvl6pPr>
-              <a:defRPr sz="1600"/>
-            </a:lvl6pPr>
-            <a:lvl7pPr>
-              <a:defRPr sz="1600"/>
-            </a:lvl7pPr>
-            <a:lvl8pPr>
-              <a:defRPr sz="1600"/>
-            </a:lvl8pPr>
-            <a:lvl9pPr>
-              <a:defRPr sz="1600"/>
-            </a:lvl9pPr>
-          </a:lstStyle>
-          <a:p>
-            <a:pPr lvl="0"/>
+            <a:extLst/>
+          </a:lstStyle>
+          <a:p>
+            <a:pPr lvl="0" eaLnBrk="1" latinLnBrk="0" hangingPunct="1"/>
             <a:r>
               <a:rPr lang="en-US" smtClean="0"/>
               <a:t>Click to edit Master text styles</a:t>
             </a:r>
           </a:p>
           <a:p>
-            <a:pPr lvl="1"/>
+            <a:pPr lvl="1" eaLnBrk="1" latinLnBrk="0" hangingPunct="1"/>
             <a:r>
               <a:rPr lang="en-US" smtClean="0"/>
               <a:t>Second level</a:t>
             </a:r>
           </a:p>
           <a:p>
-            <a:pPr lvl="2"/>
+            <a:pPr lvl="2" eaLnBrk="1" latinLnBrk="0" hangingPunct="1"/>
             <a:r>
               <a:rPr lang="en-US" smtClean="0"/>
               <a:t>Third level</a:t>
             </a:r>
           </a:p>
           <a:p>
-            <a:pPr lvl="3"/>
+            <a:pPr lvl="3" eaLnBrk="1" latinLnBrk="0" hangingPunct="1"/>
             <a:r>
               <a:rPr lang="en-US" smtClean="0"/>
               <a:t>Fourth level</a:t>
             </a:r>
           </a:p>
           <a:p>
-            <a:pPr lvl="4"/>
+            <a:pPr lvl="4" eaLnBrk="1" latinLnBrk="0" hangingPunct="1"/>
             <a:r>
               <a:rPr lang="en-US" smtClean="0"/>
               <a:t>Fifth level</a:t>
             </a:r>
-            <a:endParaRPr lang="en-US"/>
+            <a:endParaRPr kumimoji="0" lang="en-US"/>
           </a:p>
         </p:txBody>
       </p:sp>
@@ -1742,7 +2826,9 @@
         <p:spPr/>
         <p:txBody>
           <a:bodyPr/>
-          <a:lstStyle/>
+          <a:lstStyle>
+            <a:extLst/>
+          </a:lstStyle>
           <a:p>
             <a:fld id="{1D8BD707-D9CF-40AE-B4C6-C98DA3205C09}" type="datetimeFigureOut">
               <a:rPr lang="en-US" smtClean="0"/>
@@ -1766,7 +2852,9 @@
         <p:spPr/>
         <p:txBody>
           <a:bodyPr/>
-          <a:lstStyle/>
+          <a:lstStyle>
+            <a:extLst/>
+          </a:lstStyle>
           <a:p>
             <a:endParaRPr lang="en-US"/>
           </a:p>
@@ -1785,7 +2873,9 @@
         <p:spPr/>
         <p:txBody>
           <a:bodyPr/>
-          <a:lstStyle/>
+          <a:lstStyle>
+            <a:extLst/>
+          </a:lstStyle>
           <a:p>
             <a:fld id="{B6F15528-21DE-4FAA-801E-634DDDAF4B2B}" type="slidenum">
               <a:rPr lang="en-US" smtClean="0"/>
@@ -1799,7 +2889,7 @@
     </p:spTree>
   </p:cSld>
   <p:clrMapOvr>
-    <a:masterClrMapping/>
+    <a:overrideClrMapping bg1="lt1" tx1="dk1" bg2="lt2" tx2="dk2" accent1="accent1" accent2="accent2" accent3="accent3" accent4="accent4" accent5="accent5" accent6="accent6" hlink="hlink" folHlink="folHlink"/>
   </p:clrMapOvr>
 </p:sldLayout>
 </file>
@@ -1807,6 +2897,11 @@
 <file path=ppt/slideLayouts/slideLayout6.xml><?xml version="1.0" encoding="utf-8"?>
 <p:sldLayout xmlns:a="http://schemas.openxmlformats.org/drawingml/2006/main" xmlns:r="http://schemas.openxmlformats.org/officeDocument/2006/relationships" xmlns:p="http://schemas.openxmlformats.org/presentationml/2006/main" type="titleOnly" preserve="1">
   <p:cSld name="Title Only">
+    <p:bg>
+      <p:bgRef idx="1002">
+        <a:schemeClr val="bg1"/>
+      </p:bgRef>
+    </p:bg>
     <p:spTree>
       <p:nvGrpSpPr>
         <p:cNvPr id="1" name=""/>
@@ -1823,41 +2918,20 @@
       </p:grpSpPr>
       <p:sp>
         <p:nvSpPr>
-          <p:cNvPr id="2" name="Title 1"/>
-          <p:cNvSpPr>
-            <a:spLocks noGrp="1"/>
-          </p:cNvSpPr>
-          <p:nvPr>
-            <p:ph type="title"/>
+          <p:cNvPr id="3" name="Date Placeholder 2"/>
+          <p:cNvSpPr>
+            <a:spLocks noGrp="1"/>
+          </p:cNvSpPr>
+          <p:nvPr>
+            <p:ph type="dt" sz="half" idx="10"/>
           </p:nvPr>
         </p:nvSpPr>
         <p:spPr/>
         <p:txBody>
           <a:bodyPr/>
-          <a:lstStyle/>
-          <a:p>
-            <a:r>
-              <a:rPr lang="en-US" smtClean="0"/>
-              <a:t>Click to edit Master title style</a:t>
-            </a:r>
-            <a:endParaRPr lang="en-US"/>
-          </a:p>
-        </p:txBody>
-      </p:sp>
-      <p:sp>
-        <p:nvSpPr>
-          <p:cNvPr id="3" name="Date Placeholder 2"/>
-          <p:cNvSpPr>
-            <a:spLocks noGrp="1"/>
-          </p:cNvSpPr>
-          <p:nvPr>
-            <p:ph type="dt" sz="half" idx="10"/>
-          </p:nvPr>
-        </p:nvSpPr>
-        <p:spPr/>
-        <p:txBody>
-          <a:bodyPr/>
-          <a:lstStyle/>
+          <a:lstStyle>
+            <a:extLst/>
+          </a:lstStyle>
           <a:p>
             <a:fld id="{1D8BD707-D9CF-40AE-B4C6-C98DA3205C09}" type="datetimeFigureOut">
               <a:rPr lang="en-US" smtClean="0"/>
@@ -1881,7 +2955,9 @@
         <p:spPr/>
         <p:txBody>
           <a:bodyPr/>
-          <a:lstStyle/>
+          <a:lstStyle>
+            <a:extLst/>
+          </a:lstStyle>
           <a:p>
             <a:endParaRPr lang="en-US"/>
           </a:p>
@@ -1900,7 +2976,9 @@
         <p:spPr/>
         <p:txBody>
           <a:bodyPr/>
-          <a:lstStyle/>
+          <a:lstStyle>
+            <a:extLst/>
+          </a:lstStyle>
           <a:p>
             <a:fld id="{B6F15528-21DE-4FAA-801E-634DDDAF4B2B}" type="slidenum">
               <a:rPr lang="en-US" smtClean="0"/>
@@ -1911,10 +2989,35 @@
           </a:p>
         </p:txBody>
       </p:sp>
+      <p:sp>
+        <p:nvSpPr>
+          <p:cNvPr id="6" name="Title 5"/>
+          <p:cNvSpPr>
+            <a:spLocks noGrp="1"/>
+          </p:cNvSpPr>
+          <p:nvPr>
+            <p:ph type="title"/>
+          </p:nvPr>
+        </p:nvSpPr>
+        <p:spPr/>
+        <p:txBody>
+          <a:bodyPr rtlCol="0"/>
+          <a:lstStyle>
+            <a:extLst/>
+          </a:lstStyle>
+          <a:p>
+            <a:r>
+              <a:rPr kumimoji="0" lang="en-US" smtClean="0"/>
+              <a:t>Click to edit Master title style</a:t>
+            </a:r>
+            <a:endParaRPr kumimoji="0" lang="en-US"/>
+          </a:p>
+        </p:txBody>
+      </p:sp>
     </p:spTree>
   </p:cSld>
   <p:clrMapOvr>
-    <a:masterClrMapping/>
+    <a:overrideClrMapping bg1="dk1" tx1="lt1" bg2="dk2" tx2="lt2" accent1="accent1" accent2="accent2" accent3="accent3" accent4="accent4" accent5="accent5" accent6="accent6" hlink="hlink" folHlink="folHlink"/>
   </p:clrMapOvr>
 </p:sldLayout>
 </file>
@@ -1949,7 +3052,9 @@
         <p:spPr/>
         <p:txBody>
           <a:bodyPr/>
-          <a:lstStyle/>
+          <a:lstStyle>
+            <a:extLst/>
+          </a:lstStyle>
           <a:p>
             <a:fld id="{1D8BD707-D9CF-40AE-B4C6-C98DA3205C09}" type="datetimeFigureOut">
               <a:rPr lang="en-US" smtClean="0"/>
@@ -1973,7 +3078,9 @@
         <p:spPr/>
         <p:txBody>
           <a:bodyPr/>
-          <a:lstStyle/>
+          <a:lstStyle>
+            <a:extLst/>
+          </a:lstStyle>
           <a:p>
             <a:endParaRPr lang="en-US"/>
           </a:p>
@@ -1992,7 +3099,9 @@
         <p:spPr/>
         <p:txBody>
           <a:bodyPr/>
-          <a:lstStyle/>
+          <a:lstStyle>
+            <a:extLst/>
+          </a:lstStyle>
           <a:p>
             <a:fld id="{B6F15528-21DE-4FAA-801E-634DDDAF4B2B}" type="slidenum">
               <a:rPr lang="en-US" smtClean="0"/>
@@ -2012,8 +3121,13 @@
 </file>
 
 <file path=ppt/slideLayouts/slideLayout8.xml><?xml version="1.0" encoding="utf-8"?>
-<p:sldLayout xmlns:a="http://schemas.openxmlformats.org/drawingml/2006/main" xmlns:r="http://schemas.openxmlformats.org/officeDocument/2006/relationships" xmlns:p="http://schemas.openxmlformats.org/presentationml/2006/main" type="objTx" preserve="1">
+<p:sldLayout xmlns:a="http://schemas.openxmlformats.org/drawingml/2006/main" xmlns:r="http://schemas.openxmlformats.org/officeDocument/2006/relationships" xmlns:p="http://schemas.openxmlformats.org/presentationml/2006/main" showMasterSp="0" type="objTx" preserve="1">
   <p:cSld name="Content with Caption">
+    <p:bg>
+      <p:bgRef idx="1003">
+        <a:schemeClr val="bg1"/>
+      </p:bgRef>
+    </p:bg>
     <p:spTree>
       <p:nvGrpSpPr>
         <p:cNvPr id="1" name=""/>
@@ -2040,40 +3154,102 @@
         </p:nvSpPr>
         <p:spPr>
           <a:xfrm>
-            <a:off x="457200" y="273050"/>
-            <a:ext cx="3008313" cy="1162050"/>
+            <a:off x="914400" y="4876800"/>
+            <a:ext cx="7481776" cy="457200"/>
           </a:xfrm>
         </p:spPr>
         <p:txBody>
-          <a:bodyPr anchor="b"/>
-          <a:lstStyle>
-            <a:lvl1pPr algn="l">
-              <a:defRPr sz="2000" b="1"/>
+          <a:bodyPr vert="horz" anchor="t">
+            <a:noAutofit/>
+            <a:sp3d prstMaterial="softEdge">
+              <a:bevelT w="0" h="0"/>
+            </a:sp3d>
+          </a:bodyPr>
+          <a:lstStyle>
+            <a:lvl1pPr algn="r">
+              <a:buNone/>
+              <a:defRPr sz="2500" b="0">
+                <a:solidFill>
+                  <a:schemeClr val="accent1"/>
+                </a:solidFill>
+                <a:effectLst/>
+              </a:defRPr>
             </a:lvl1pPr>
-          </a:lstStyle>
-          <a:p>
-            <a:r>
-              <a:rPr lang="en-US" smtClean="0"/>
+            <a:extLst/>
+          </a:lstStyle>
+          <a:p>
+            <a:r>
+              <a:rPr kumimoji="0" lang="en-US" smtClean="0"/>
               <a:t>Click to edit Master title style</a:t>
             </a:r>
-            <a:endParaRPr lang="en-US"/>
-          </a:p>
-        </p:txBody>
-      </p:sp>
-      <p:sp>
-        <p:nvSpPr>
-          <p:cNvPr id="3" name="Content Placeholder 2"/>
-          <p:cNvSpPr>
-            <a:spLocks noGrp="1"/>
-          </p:cNvSpPr>
-          <p:nvPr>
-            <p:ph idx="1"/>
+            <a:endParaRPr kumimoji="0" lang="en-US"/>
+          </a:p>
+        </p:txBody>
+      </p:sp>
+      <p:sp>
+        <p:nvSpPr>
+          <p:cNvPr id="3" name="Text Placeholder 2"/>
+          <p:cNvSpPr>
+            <a:spLocks noGrp="1"/>
+          </p:cNvSpPr>
+          <p:nvPr>
+            <p:ph type="body" idx="2"/>
           </p:nvPr>
         </p:nvSpPr>
         <p:spPr>
           <a:xfrm>
-            <a:off x="3575050" y="273050"/>
-            <a:ext cx="5111750" cy="5853113"/>
+            <a:off x="4419600" y="5355102"/>
+            <a:ext cx="3974592" cy="914400"/>
+          </a:xfrm>
+        </p:spPr>
+        <p:txBody>
+          <a:bodyPr/>
+          <a:lstStyle>
+            <a:lvl1pPr marL="0" indent="0" algn="r">
+              <a:buNone/>
+              <a:defRPr sz="1600"/>
+            </a:lvl1pPr>
+            <a:lvl2pPr>
+              <a:buNone/>
+              <a:defRPr sz="1200"/>
+            </a:lvl2pPr>
+            <a:lvl3pPr>
+              <a:buNone/>
+              <a:defRPr sz="1000"/>
+            </a:lvl3pPr>
+            <a:lvl4pPr>
+              <a:buNone/>
+              <a:defRPr sz="900"/>
+            </a:lvl4pPr>
+            <a:lvl5pPr>
+              <a:buNone/>
+              <a:defRPr sz="900"/>
+            </a:lvl5pPr>
+            <a:extLst/>
+          </a:lstStyle>
+          <a:p>
+            <a:pPr lvl="0" eaLnBrk="1" latinLnBrk="0" hangingPunct="1"/>
+            <a:r>
+              <a:rPr kumimoji="0" lang="en-US" smtClean="0"/>
+              <a:t>Click to edit Master text styles</a:t>
+            </a:r>
+          </a:p>
+        </p:txBody>
+      </p:sp>
+      <p:sp>
+        <p:nvSpPr>
+          <p:cNvPr id="4" name="Content Placeholder 3"/>
+          <p:cNvSpPr>
+            <a:spLocks noGrp="1"/>
+          </p:cNvSpPr>
+          <p:nvPr>
+            <p:ph sz="half" idx="1"/>
+          </p:nvPr>
+        </p:nvSpPr>
+        <p:spPr>
+          <a:xfrm>
+            <a:off x="914400" y="274320"/>
+            <a:ext cx="7479792" cy="4572000"/>
           </a:xfrm>
         </p:spPr>
         <p:txBody>
@@ -2094,136 +3270,67 @@
             <a:lvl5pPr>
               <a:defRPr sz="2000"/>
             </a:lvl5pPr>
-            <a:lvl6pPr>
-              <a:defRPr sz="2000"/>
-            </a:lvl6pPr>
-            <a:lvl7pPr>
-              <a:defRPr sz="2000"/>
-            </a:lvl7pPr>
-            <a:lvl8pPr>
-              <a:defRPr sz="2000"/>
-            </a:lvl8pPr>
-            <a:lvl9pPr>
-              <a:defRPr sz="2000"/>
-            </a:lvl9pPr>
-          </a:lstStyle>
-          <a:p>
-            <a:pPr lvl="0"/>
+            <a:extLst/>
+          </a:lstStyle>
+          <a:p>
+            <a:pPr lvl="0" eaLnBrk="1" latinLnBrk="0" hangingPunct="1"/>
             <a:r>
               <a:rPr lang="en-US" smtClean="0"/>
               <a:t>Click to edit Master text styles</a:t>
             </a:r>
           </a:p>
           <a:p>
-            <a:pPr lvl="1"/>
+            <a:pPr lvl="1" eaLnBrk="1" latinLnBrk="0" hangingPunct="1"/>
             <a:r>
               <a:rPr lang="en-US" smtClean="0"/>
               <a:t>Second level</a:t>
             </a:r>
           </a:p>
           <a:p>
-            <a:pPr lvl="2"/>
+            <a:pPr lvl="2" eaLnBrk="1" latinLnBrk="0" hangingPunct="1"/>
             <a:r>
               <a:rPr lang="en-US" smtClean="0"/>
               <a:t>Third level</a:t>
             </a:r>
           </a:p>
           <a:p>
-            <a:pPr lvl="3"/>
+            <a:pPr lvl="3" eaLnBrk="1" latinLnBrk="0" hangingPunct="1"/>
             <a:r>
               <a:rPr lang="en-US" smtClean="0"/>
               <a:t>Fourth level</a:t>
             </a:r>
           </a:p>
           <a:p>
-            <a:pPr lvl="4"/>
+            <a:pPr lvl="4" eaLnBrk="1" latinLnBrk="0" hangingPunct="1"/>
             <a:r>
               <a:rPr lang="en-US" smtClean="0"/>
               <a:t>Fifth level</a:t>
             </a:r>
-            <a:endParaRPr lang="en-US"/>
-          </a:p>
-        </p:txBody>
-      </p:sp>
-      <p:sp>
-        <p:nvSpPr>
-          <p:cNvPr id="4" name="Text Placeholder 3"/>
-          <p:cNvSpPr>
-            <a:spLocks noGrp="1"/>
-          </p:cNvSpPr>
-          <p:nvPr>
-            <p:ph type="body" sz="half" idx="2"/>
+            <a:endParaRPr kumimoji="0" lang="en-US"/>
+          </a:p>
+        </p:txBody>
+      </p:sp>
+      <p:sp>
+        <p:nvSpPr>
+          <p:cNvPr id="5" name="Date Placeholder 4"/>
+          <p:cNvSpPr>
+            <a:spLocks noGrp="1"/>
+          </p:cNvSpPr>
+          <p:nvPr>
+            <p:ph type="dt" sz="half" idx="10"/>
           </p:nvPr>
         </p:nvSpPr>
         <p:spPr>
           <a:xfrm>
-            <a:off x="457200" y="1435100"/>
-            <a:ext cx="3008313" cy="4691063"/>
+            <a:off x="6727032" y="6407944"/>
+            <a:ext cx="1920240" cy="365760"/>
           </a:xfrm>
         </p:spPr>
         <p:txBody>
           <a:bodyPr/>
           <a:lstStyle>
-            <a:lvl1pPr marL="0" indent="0">
-              <a:buNone/>
-              <a:defRPr sz="1400"/>
-            </a:lvl1pPr>
-            <a:lvl2pPr marL="457200" indent="0">
-              <a:buNone/>
-              <a:defRPr sz="1200"/>
-            </a:lvl2pPr>
-            <a:lvl3pPr marL="914400" indent="0">
-              <a:buNone/>
-              <a:defRPr sz="1000"/>
-            </a:lvl3pPr>
-            <a:lvl4pPr marL="1371600" indent="0">
-              <a:buNone/>
-              <a:defRPr sz="900"/>
-            </a:lvl4pPr>
-            <a:lvl5pPr marL="1828800" indent="0">
-              <a:buNone/>
-              <a:defRPr sz="900"/>
-            </a:lvl5pPr>
-            <a:lvl6pPr marL="2286000" indent="0">
-              <a:buNone/>
-              <a:defRPr sz="900"/>
-            </a:lvl6pPr>
-            <a:lvl7pPr marL="2743200" indent="0">
-              <a:buNone/>
-              <a:defRPr sz="900"/>
-            </a:lvl7pPr>
-            <a:lvl8pPr marL="3200400" indent="0">
-              <a:buNone/>
-              <a:defRPr sz="900"/>
-            </a:lvl8pPr>
-            <a:lvl9pPr marL="3657600" indent="0">
-              <a:buNone/>
-              <a:defRPr sz="900"/>
-            </a:lvl9pPr>
-          </a:lstStyle>
-          <a:p>
-            <a:pPr lvl="0"/>
-            <a:r>
-              <a:rPr lang="en-US" smtClean="0"/>
-              <a:t>Click to edit Master text styles</a:t>
-            </a:r>
-          </a:p>
-        </p:txBody>
-      </p:sp>
-      <p:sp>
-        <p:nvSpPr>
-          <p:cNvPr id="5" name="Date Placeholder 4"/>
-          <p:cNvSpPr>
-            <a:spLocks noGrp="1"/>
-          </p:cNvSpPr>
-          <p:nvPr>
-            <p:ph type="dt" sz="half" idx="10"/>
-          </p:nvPr>
-        </p:nvSpPr>
-        <p:spPr/>
-        <p:txBody>
-          <a:bodyPr/>
-          <a:lstStyle/>
+            <a:extLst/>
+          </a:lstStyle>
           <a:p>
             <a:fld id="{1D8BD707-D9CF-40AE-B4C6-C98DA3205C09}" type="datetimeFigureOut">
               <a:rPr lang="en-US" smtClean="0"/>
@@ -2247,7 +3354,9 @@
         <p:spPr/>
         <p:txBody>
           <a:bodyPr/>
-          <a:lstStyle/>
+          <a:lstStyle>
+            <a:extLst/>
+          </a:lstStyle>
           <a:p>
             <a:endParaRPr lang="en-US"/>
           </a:p>
@@ -2266,7 +3375,9 @@
         <p:spPr/>
         <p:txBody>
           <a:bodyPr/>
-          <a:lstStyle/>
+          <a:lstStyle>
+            <a:extLst/>
+          </a:lstStyle>
           <a:p>
             <a:fld id="{B6F15528-21DE-4FAA-801E-634DDDAF4B2B}" type="slidenum">
               <a:rPr lang="en-US" smtClean="0"/>
@@ -2280,14 +3391,19 @@
     </p:spTree>
   </p:cSld>
   <p:clrMapOvr>
-    <a:masterClrMapping/>
+    <a:overrideClrMapping bg1="lt1" tx1="dk1" bg2="lt2" tx2="dk2" accent1="accent1" accent2="accent2" accent3="accent3" accent4="accent4" accent5="accent5" accent6="accent6" hlink="hlink" folHlink="folHlink"/>
   </p:clrMapOvr>
 </p:sldLayout>
 </file>
 
 <file path=ppt/slideLayouts/slideLayout9.xml><?xml version="1.0" encoding="utf-8"?>
-<p:sldLayout xmlns:a="http://schemas.openxmlformats.org/drawingml/2006/main" xmlns:r="http://schemas.openxmlformats.org/officeDocument/2006/relationships" xmlns:p="http://schemas.openxmlformats.org/presentationml/2006/main" type="picTx" preserve="1">
+<p:sldLayout xmlns:a="http://schemas.openxmlformats.org/drawingml/2006/main" xmlns:r="http://schemas.openxmlformats.org/officeDocument/2006/relationships" xmlns:p="http://schemas.openxmlformats.org/presentationml/2006/main" showMasterSp="0" type="picTx" preserve="1">
   <p:cSld name="Picture with Caption">
+    <p:bg>
+      <p:bgRef idx="1002">
+        <a:schemeClr val="bg1"/>
+      </p:bgRef>
+    </p:bg>
     <p:spTree>
       <p:nvGrpSpPr>
         <p:cNvPr id="1" name=""/>
@@ -2304,33 +3420,48 @@
       </p:grpSpPr>
       <p:sp>
         <p:nvSpPr>
-          <p:cNvPr id="2" name="Title 1"/>
-          <p:cNvSpPr>
-            <a:spLocks noGrp="1"/>
-          </p:cNvSpPr>
-          <p:nvPr>
-            <p:ph type="title"/>
+          <p:cNvPr id="4" name="Text Placeholder 3"/>
+          <p:cNvSpPr>
+            <a:spLocks noGrp="1"/>
+          </p:cNvSpPr>
+          <p:nvPr>
+            <p:ph type="body" sz="half" idx="2"/>
           </p:nvPr>
         </p:nvSpPr>
         <p:spPr>
           <a:xfrm>
-            <a:off x="1792288" y="4800600"/>
-            <a:ext cx="5486400" cy="566738"/>
+            <a:off x="1141232" y="5443402"/>
+            <a:ext cx="7162800" cy="648232"/>
           </a:xfrm>
+          <a:noFill/>
         </p:spPr>
         <p:txBody>
-          <a:bodyPr anchor="b"/>
-          <a:lstStyle>
-            <a:lvl1pPr algn="l">
-              <a:defRPr sz="2000" b="1"/>
+          <a:bodyPr lIns="91440" tIns="0" rIns="91440" anchor="t"/>
+          <a:lstStyle>
+            <a:lvl1pPr marL="0" marR="18288" indent="0" algn="r">
+              <a:buNone/>
+              <a:defRPr sz="1400"/>
             </a:lvl1pPr>
-          </a:lstStyle>
-          <a:p>
-            <a:r>
-              <a:rPr lang="en-US" smtClean="0"/>
-              <a:t>Click to edit Master title style</a:t>
-            </a:r>
-            <a:endParaRPr lang="en-US"/>
+            <a:lvl2pPr>
+              <a:defRPr sz="1200"/>
+            </a:lvl2pPr>
+            <a:lvl3pPr>
+              <a:defRPr sz="1000"/>
+            </a:lvl3pPr>
+            <a:lvl4pPr>
+              <a:defRPr sz="900"/>
+            </a:lvl4pPr>
+            <a:lvl5pPr>
+              <a:defRPr sz="900"/>
+            </a:lvl5pPr>
+            <a:extLst/>
+          </a:lstStyle>
+          <a:p>
+            <a:pPr lvl="0" eaLnBrk="1" latinLnBrk="0" hangingPunct="1"/>
+            <a:r>
+              <a:rPr kumimoji="0" lang="en-US" smtClean="0"/>
+              <a:t>Click to edit Master text styles</a:t>
+            </a:r>
           </a:p>
         </p:txBody>
       </p:sp>
@@ -2346,9 +3477,25 @@
         </p:nvSpPr>
         <p:spPr>
           <a:xfrm>
-            <a:off x="1792288" y="612775"/>
-            <a:ext cx="5486400" cy="4114800"/>
+            <a:off x="228600" y="189968"/>
+            <a:ext cx="8686800" cy="4389120"/>
           </a:xfrm>
+          <a:prstGeom prst="rect">
+            <a:avLst/>
+          </a:prstGeom>
+          <a:solidFill>
+            <a:schemeClr val="bg2"/>
+          </a:solidFill>
+          <a:ln>
+            <a:solidFill>
+              <a:schemeClr val="bg1"/>
+            </a:solidFill>
+          </a:ln>
+          <a:effectLst>
+            <a:innerShdw blurRad="95250">
+              <a:srgbClr val="000000"/>
+            </a:innerShdw>
+          </a:effectLst>
         </p:spPr>
         <p:txBody>
           <a:bodyPr/>
@@ -2357,123 +3504,40 @@
               <a:buNone/>
               <a:defRPr sz="3200"/>
             </a:lvl1pPr>
-            <a:lvl2pPr marL="457200" indent="0">
-              <a:buNone/>
-              <a:defRPr sz="2800"/>
-            </a:lvl2pPr>
-            <a:lvl3pPr marL="914400" indent="0">
-              <a:buNone/>
-              <a:defRPr sz="2400"/>
-            </a:lvl3pPr>
-            <a:lvl4pPr marL="1371600" indent="0">
-              <a:buNone/>
-              <a:defRPr sz="2000"/>
-            </a:lvl4pPr>
-            <a:lvl5pPr marL="1828800" indent="0">
-              <a:buNone/>
-              <a:defRPr sz="2000"/>
-            </a:lvl5pPr>
-            <a:lvl6pPr marL="2286000" indent="0">
-              <a:buNone/>
-              <a:defRPr sz="2000"/>
-            </a:lvl6pPr>
-            <a:lvl7pPr marL="2743200" indent="0">
-              <a:buNone/>
-              <a:defRPr sz="2000"/>
-            </a:lvl7pPr>
-            <a:lvl8pPr marL="3200400" indent="0">
-              <a:buNone/>
-              <a:defRPr sz="2000"/>
-            </a:lvl8pPr>
-            <a:lvl9pPr marL="3657600" indent="0">
-              <a:buNone/>
-              <a:defRPr sz="2000"/>
-            </a:lvl9pPr>
-          </a:lstStyle>
-          <a:p>
-            <a:endParaRPr lang="en-US"/>
-          </a:p>
-        </p:txBody>
-      </p:sp>
-      <p:sp>
-        <p:nvSpPr>
-          <p:cNvPr id="4" name="Text Placeholder 3"/>
-          <p:cNvSpPr>
-            <a:spLocks noGrp="1"/>
-          </p:cNvSpPr>
-          <p:nvPr>
-            <p:ph type="body" sz="half" idx="2"/>
-          </p:nvPr>
-        </p:nvSpPr>
-        <p:spPr>
-          <a:xfrm>
-            <a:off x="1792288" y="5367338"/>
-            <a:ext cx="5486400" cy="804862"/>
-          </a:xfrm>
-        </p:spPr>
+            <a:extLst/>
+          </a:lstStyle>
+          <a:p>
+            <a:r>
+              <a:rPr kumimoji="0" lang="en-US" smtClean="0"/>
+              <a:t>Click icon to add picture</a:t>
+            </a:r>
+            <a:endParaRPr kumimoji="0" lang="en-US" dirty="0"/>
+          </a:p>
+        </p:txBody>
+      </p:sp>
+      <p:sp>
+        <p:nvSpPr>
+          <p:cNvPr id="5" name="Date Placeholder 4"/>
+          <p:cNvSpPr>
+            <a:spLocks noGrp="1"/>
+          </p:cNvSpPr>
+          <p:nvPr>
+            <p:ph type="dt" sz="half" idx="10"/>
+          </p:nvPr>
+        </p:nvSpPr>
+        <p:spPr/>
         <p:txBody>
           <a:bodyPr/>
           <a:lstStyle>
-            <a:lvl1pPr marL="0" indent="0">
-              <a:buNone/>
-              <a:defRPr sz="1400"/>
+            <a:lvl1pPr>
+              <a:defRPr>
+                <a:solidFill>
+                  <a:schemeClr val="tx1"/>
+                </a:solidFill>
+              </a:defRPr>
             </a:lvl1pPr>
-            <a:lvl2pPr marL="457200" indent="0">
-              <a:buNone/>
-              <a:defRPr sz="1200"/>
-            </a:lvl2pPr>
-            <a:lvl3pPr marL="914400" indent="0">
-              <a:buNone/>
-              <a:defRPr sz="1000"/>
-            </a:lvl3pPr>
-            <a:lvl4pPr marL="1371600" indent="0">
-              <a:buNone/>
-              <a:defRPr sz="900"/>
-            </a:lvl4pPr>
-            <a:lvl5pPr marL="1828800" indent="0">
-              <a:buNone/>
-              <a:defRPr sz="900"/>
-            </a:lvl5pPr>
-            <a:lvl6pPr marL="2286000" indent="0">
-              <a:buNone/>
-              <a:defRPr sz="900"/>
-            </a:lvl6pPr>
-            <a:lvl7pPr marL="2743200" indent="0">
-              <a:buNone/>
-              <a:defRPr sz="900"/>
-            </a:lvl7pPr>
-            <a:lvl8pPr marL="3200400" indent="0">
-              <a:buNone/>
-              <a:defRPr sz="900"/>
-            </a:lvl8pPr>
-            <a:lvl9pPr marL="3657600" indent="0">
-              <a:buNone/>
-              <a:defRPr sz="900"/>
-            </a:lvl9pPr>
-          </a:lstStyle>
-          <a:p>
-            <a:pPr lvl="0"/>
-            <a:r>
-              <a:rPr lang="en-US" smtClean="0"/>
-              <a:t>Click to edit Master text styles</a:t>
-            </a:r>
-          </a:p>
-        </p:txBody>
-      </p:sp>
-      <p:sp>
-        <p:nvSpPr>
-          <p:cNvPr id="5" name="Date Placeholder 4"/>
-          <p:cNvSpPr>
-            <a:spLocks noGrp="1"/>
-          </p:cNvSpPr>
-          <p:nvPr>
-            <p:ph type="dt" sz="half" idx="10"/>
-          </p:nvPr>
-        </p:nvSpPr>
-        <p:spPr/>
-        <p:txBody>
-          <a:bodyPr/>
-          <a:lstStyle/>
+            <a:extLst/>
+          </a:lstStyle>
           <a:p>
             <a:fld id="{1D8BD707-D9CF-40AE-B4C6-C98DA3205C09}" type="datetimeFigureOut">
               <a:rPr lang="en-US" smtClean="0"/>
@@ -2494,29 +3558,52 @@
             <p:ph type="ftr" sz="quarter" idx="11"/>
           </p:nvPr>
         </p:nvSpPr>
+        <p:spPr>
+          <a:xfrm>
+            <a:off x="4380072" y="6407944"/>
+            <a:ext cx="2350681" cy="365125"/>
+          </a:xfrm>
+        </p:spPr>
+        <p:txBody>
+          <a:bodyPr/>
+          <a:lstStyle>
+            <a:lvl1pPr>
+              <a:defRPr>
+                <a:solidFill>
+                  <a:schemeClr val="tx1"/>
+                </a:solidFill>
+              </a:defRPr>
+            </a:lvl1pPr>
+            <a:extLst/>
+          </a:lstStyle>
+          <a:p>
+            <a:endParaRPr lang="en-US"/>
+          </a:p>
+        </p:txBody>
+      </p:sp>
+      <p:sp>
+        <p:nvSpPr>
+          <p:cNvPr id="7" name="Slide Number Placeholder 6"/>
+          <p:cNvSpPr>
+            <a:spLocks noGrp="1"/>
+          </p:cNvSpPr>
+          <p:nvPr>
+            <p:ph type="sldNum" sz="quarter" idx="12"/>
+          </p:nvPr>
+        </p:nvSpPr>
         <p:spPr/>
         <p:txBody>
           <a:bodyPr/>
-          <a:lstStyle/>
-          <a:p>
-            <a:endParaRPr lang="en-US"/>
-          </a:p>
-        </p:txBody>
-      </p:sp>
-      <p:sp>
-        <p:nvSpPr>
-          <p:cNvPr id="7" name="Slide Number Placeholder 6"/>
-          <p:cNvSpPr>
-            <a:spLocks noGrp="1"/>
-          </p:cNvSpPr>
-          <p:nvPr>
-            <p:ph type="sldNum" sz="quarter" idx="12"/>
-          </p:nvPr>
-        </p:nvSpPr>
-        <p:spPr/>
-        <p:txBody>
-          <a:bodyPr/>
-          <a:lstStyle/>
+          <a:lstStyle>
+            <a:lvl1pPr>
+              <a:defRPr>
+                <a:solidFill>
+                  <a:schemeClr val="tx1"/>
+                </a:solidFill>
+              </a:defRPr>
+            </a:lvl1pPr>
+            <a:extLst/>
+          </a:lstStyle>
           <a:p>
             <a:fld id="{B6F15528-21DE-4FAA-801E-634DDDAF4B2B}" type="slidenum">
               <a:rPr lang="en-US" smtClean="0"/>
@@ -2527,10 +3614,548 @@
           </a:p>
         </p:txBody>
       </p:sp>
+      <p:sp>
+        <p:nvSpPr>
+          <p:cNvPr id="2" name="Title 1"/>
+          <p:cNvSpPr>
+            <a:spLocks noGrp="1"/>
+          </p:cNvSpPr>
+          <p:nvPr>
+            <p:ph type="title"/>
+          </p:nvPr>
+        </p:nvSpPr>
+        <p:spPr>
+          <a:xfrm>
+            <a:off x="228600" y="4865122"/>
+            <a:ext cx="8075432" cy="562672"/>
+          </a:xfrm>
+          <a:noFill/>
+        </p:spPr>
+        <p:txBody>
+          <a:bodyPr anchor="t">
+            <a:sp3d prstMaterial="softEdge"/>
+          </a:bodyPr>
+          <a:lstStyle>
+            <a:lvl1pPr marR="0" algn="r">
+              <a:buNone/>
+              <a:defRPr sz="3000" b="0">
+                <a:solidFill>
+                  <a:schemeClr val="accent1"/>
+                </a:solidFill>
+                <a:effectLst>
+                  <a:outerShdw blurRad="50800" dist="25000" dir="5400000" algn="t" rotWithShape="0">
+                    <a:prstClr val="black">
+                      <a:alpha val="45000"/>
+                    </a:prstClr>
+                  </a:outerShdw>
+                </a:effectLst>
+              </a:defRPr>
+            </a:lvl1pPr>
+            <a:extLst/>
+          </a:lstStyle>
+          <a:p>
+            <a:r>
+              <a:rPr kumimoji="0" lang="en-US" smtClean="0"/>
+              <a:t>Click to edit Master title style</a:t>
+            </a:r>
+            <a:endParaRPr kumimoji="0" lang="en-US"/>
+          </a:p>
+        </p:txBody>
+      </p:sp>
+      <p:sp>
+        <p:nvSpPr>
+          <p:cNvPr id="8" name="Freeform 7"/>
+          <p:cNvSpPr>
+            <a:spLocks/>
+          </p:cNvSpPr>
+          <p:nvPr/>
+        </p:nvSpPr>
+        <p:spPr bwMode="auto">
+          <a:xfrm>
+            <a:off x="499273" y="5944936"/>
+            <a:ext cx="4940624" cy="921076"/>
+          </a:xfrm>
+          <a:custGeom>
+            <a:avLst>
+              <a:gd name="A1" fmla="val 0"/>
+              <a:gd name="A2" fmla="val 0"/>
+              <a:gd name="A3" fmla="val 0"/>
+              <a:gd name="A4" fmla="val 0"/>
+              <a:gd name="A5" fmla="val 0"/>
+              <a:gd name="A6" fmla="val 0"/>
+              <a:gd name="A7" fmla="val 0"/>
+              <a:gd name="A8" fmla="val 0"/>
+            </a:avLst>
+            <a:gdLst/>
+            <a:ahLst/>
+            <a:cxnLst>
+              <a:cxn ang="0">
+                <a:pos x="0" y="0"/>
+              </a:cxn>
+              <a:cxn ang="0">
+                <a:pos x="5760" y="0"/>
+              </a:cxn>
+              <a:cxn ang="0">
+                <a:pos x="5760" y="528"/>
+              </a:cxn>
+              <a:cxn ang="0">
+                <a:pos x="48" y="0"/>
+              </a:cxn>
+            </a:cxnLst>
+            <a:rect l="0" t="0" r="0" b="0"/>
+            <a:pathLst>
+              <a:path w="7485" h="337">
+                <a:moveTo>
+                  <a:pt x="0" y="2"/>
+                </a:moveTo>
+                <a:lnTo>
+                  <a:pt x="7485" y="337"/>
+                </a:lnTo>
+                <a:lnTo>
+                  <a:pt x="5558" y="337"/>
+                </a:lnTo>
+                <a:lnTo>
+                  <a:pt x="1" y="0"/>
+                </a:lnTo>
+              </a:path>
+            </a:pathLst>
+          </a:custGeom>
+          <a:solidFill>
+            <a:schemeClr val="accent1">
+              <a:tint val="65000"/>
+              <a:satMod val="115000"/>
+              <a:alpha val="40000"/>
+            </a:schemeClr>
+          </a:solidFill>
+          <a:ln w="9525" cap="flat" cmpd="sng" algn="ctr">
+            <a:noFill/>
+            <a:prstDash val="solid"/>
+            <a:round/>
+            <a:headEnd type="none" w="med" len="med"/>
+            <a:tailEnd type="none" w="med" len="med"/>
+          </a:ln>
+          <a:effectLst/>
+        </p:spPr>
+        <p:txBody>
+          <a:bodyPr vert="horz" wrap="square" lIns="91440" tIns="45720" rIns="91440" bIns="45720" anchor="t" compatLnSpc="1"/>
+          <a:lstStyle>
+            <a:extLst/>
+          </a:lstStyle>
+          <a:p>
+            <a:endParaRPr kumimoji="0" lang="en-US"/>
+          </a:p>
+        </p:txBody>
+      </p:sp>
+      <p:sp>
+        <p:nvSpPr>
+          <p:cNvPr id="9" name="Freeform 8"/>
+          <p:cNvSpPr>
+            <a:spLocks/>
+          </p:cNvSpPr>
+          <p:nvPr/>
+        </p:nvSpPr>
+        <p:spPr bwMode="auto">
+          <a:xfrm>
+            <a:off x="485717" y="5939011"/>
+            <a:ext cx="3690451" cy="933450"/>
+          </a:xfrm>
+          <a:custGeom>
+            <a:avLst>
+              <a:gd name="A1" fmla="val 0"/>
+              <a:gd name="A2" fmla="val 0"/>
+              <a:gd name="A3" fmla="val 0"/>
+              <a:gd name="A4" fmla="val 0"/>
+              <a:gd name="A5" fmla="val 0"/>
+              <a:gd name="A6" fmla="val 0"/>
+              <a:gd name="A7" fmla="val 0"/>
+              <a:gd name="A8" fmla="val 0"/>
+            </a:avLst>
+            <a:gdLst/>
+            <a:ahLst/>
+            <a:cxnLst>
+              <a:cxn ang="0">
+                <a:pos x="0" y="0"/>
+              </a:cxn>
+              <a:cxn ang="0">
+                <a:pos x="5760" y="0"/>
+              </a:cxn>
+              <a:cxn ang="0">
+                <a:pos x="5760" y="528"/>
+              </a:cxn>
+              <a:cxn ang="0">
+                <a:pos x="48" y="0"/>
+              </a:cxn>
+            </a:cxnLst>
+            <a:rect l="0" t="0" r="0" b="0"/>
+            <a:pathLst>
+              <a:path w="5591" h="588">
+                <a:moveTo>
+                  <a:pt x="0" y="0"/>
+                </a:moveTo>
+                <a:lnTo>
+                  <a:pt x="5591" y="585"/>
+                </a:lnTo>
+                <a:lnTo>
+                  <a:pt x="4415" y="588"/>
+                </a:lnTo>
+                <a:lnTo>
+                  <a:pt x="12" y="4"/>
+                </a:lnTo>
+              </a:path>
+            </a:pathLst>
+          </a:custGeom>
+          <a:solidFill>
+            <a:srgbClr val="000000">
+              <a:alpha val="100000"/>
+            </a:srgbClr>
+          </a:solidFill>
+          <a:ln w="9525" cap="flat" cmpd="sng" algn="ctr">
+            <a:noFill/>
+            <a:prstDash val="solid"/>
+            <a:round/>
+            <a:headEnd type="none" w="med" len="med"/>
+            <a:tailEnd type="none" w="med" len="med"/>
+          </a:ln>
+          <a:effectLst/>
+        </p:spPr>
+        <p:txBody>
+          <a:bodyPr vert="horz" wrap="square" lIns="91440" tIns="45720" rIns="91440" bIns="45720" anchor="t" compatLnSpc="1"/>
+          <a:lstStyle>
+            <a:extLst/>
+          </a:lstStyle>
+          <a:p>
+            <a:endParaRPr kumimoji="0" lang="en-US"/>
+          </a:p>
+        </p:txBody>
+      </p:sp>
+      <p:sp>
+        <p:nvSpPr>
+          <p:cNvPr id="10" name="Right Triangle 9"/>
+          <p:cNvSpPr>
+            <a:spLocks/>
+          </p:cNvSpPr>
+          <p:nvPr/>
+        </p:nvSpPr>
+        <p:spPr bwMode="auto">
+          <a:xfrm>
+            <a:off x="-6042" y="5791253"/>
+            <a:ext cx="3402314" cy="1080868"/>
+          </a:xfrm>
+          <a:prstGeom prst="rtTriangle">
+            <a:avLst/>
+          </a:prstGeom>
+          <a:blipFill>
+            <a:blip r:embed="rId2" cstate="print">
+              <a:alphaModFix amt="50000"/>
+            </a:blip>
+            <a:tile tx="0" ty="0" sx="50000" sy="50000" flip="none" algn="t"/>
+          </a:blipFill>
+          <a:ln w="12700" cap="rnd" cmpd="thickThin" algn="ctr">
+            <a:noFill/>
+            <a:prstDash val="solid"/>
+          </a:ln>
+          <a:effectLst>
+            <a:fillOverlay blend="mult">
+              <a:gradFill flip="none" rotWithShape="1">
+                <a:gsLst>
+                  <a:gs pos="0">
+                    <a:schemeClr val="accent1">
+                      <a:shade val="20000"/>
+                      <a:satMod val="176000"/>
+                      <a:alpha val="100000"/>
+                    </a:schemeClr>
+                  </a:gs>
+                  <a:gs pos="18000">
+                    <a:schemeClr val="accent1">
+                      <a:shade val="48000"/>
+                      <a:satMod val="153000"/>
+                      <a:alpha val="100000"/>
+                    </a:schemeClr>
+                  </a:gs>
+                  <a:gs pos="43000">
+                    <a:schemeClr val="accent1">
+                      <a:tint val="86000"/>
+                      <a:satMod val="149000"/>
+                      <a:alpha val="100000"/>
+                    </a:schemeClr>
+                  </a:gs>
+                  <a:gs pos="45000">
+                    <a:schemeClr val="accent1">
+                      <a:tint val="85000"/>
+                      <a:satMod val="150000"/>
+                      <a:alpha val="100000"/>
+                    </a:schemeClr>
+                  </a:gs>
+                  <a:gs pos="50000">
+                    <a:schemeClr val="accent1">
+                      <a:tint val="86000"/>
+                      <a:satMod val="149000"/>
+                      <a:alpha val="100000"/>
+                    </a:schemeClr>
+                  </a:gs>
+                  <a:gs pos="79000">
+                    <a:schemeClr val="accent1">
+                      <a:shade val="53000"/>
+                      <a:satMod val="150000"/>
+                      <a:alpha val="100000"/>
+                    </a:schemeClr>
+                  </a:gs>
+                  <a:gs pos="100000">
+                    <a:schemeClr val="accent1">
+                      <a:shade val="25000"/>
+                      <a:satMod val="170000"/>
+                      <a:alpha val="100000"/>
+                    </a:schemeClr>
+                  </a:gs>
+                </a:gsLst>
+                <a:lin ang="450000" scaled="1"/>
+                <a:tileRect/>
+              </a:gradFill>
+            </a:fillOverlay>
+          </a:effectLst>
+        </p:spPr>
+        <p:style>
+          <a:lnRef idx="3">
+            <a:schemeClr val="lt1"/>
+          </a:lnRef>
+          <a:fillRef idx="1">
+            <a:schemeClr val="accent1"/>
+          </a:fillRef>
+          <a:effectRef idx="1">
+            <a:schemeClr val="accent1"/>
+          </a:effectRef>
+          <a:fontRef idx="minor">
+            <a:schemeClr val="lt1"/>
+          </a:fontRef>
+        </p:style>
+        <p:txBody>
+          <a:bodyPr vert="horz" wrap="square" lIns="91440" tIns="45720" rIns="91440" bIns="45720" anchor="ctr" compatLnSpc="1"/>
+          <a:lstStyle>
+            <a:extLst/>
+          </a:lstStyle>
+          <a:p>
+            <a:pPr algn="ctr" eaLnBrk="1" latinLnBrk="0" hangingPunct="1"/>
+            <a:endParaRPr kumimoji="0" lang="en-US"/>
+          </a:p>
+        </p:txBody>
+      </p:sp>
+      <p:cxnSp>
+        <p:nvCxnSpPr>
+          <p:cNvPr id="11" name="Straight Connector 10"/>
+          <p:cNvCxnSpPr/>
+          <p:nvPr/>
+        </p:nvCxnSpPr>
+        <p:spPr>
+          <a:xfrm>
+            <a:off x="-9237" y="5787738"/>
+            <a:ext cx="3405509" cy="1084383"/>
+          </a:xfrm>
+          <a:prstGeom prst="line">
+            <a:avLst/>
+          </a:prstGeom>
+          <a:noFill/>
+          <a:ln w="12065" cap="flat" cmpd="sng" algn="ctr">
+            <a:gradFill>
+              <a:gsLst>
+                <a:gs pos="45000">
+                  <a:schemeClr val="accent1">
+                    <a:tint val="70000"/>
+                    <a:satMod val="110000"/>
+                  </a:schemeClr>
+                </a:gs>
+                <a:gs pos="15000">
+                  <a:schemeClr val="accent1">
+                    <a:shade val="40000"/>
+                    <a:satMod val="110000"/>
+                  </a:schemeClr>
+                </a:gs>
+              </a:gsLst>
+              <a:lin ang="5400000" scaled="1"/>
+            </a:gradFill>
+            <a:prstDash val="solid"/>
+            <a:miter lim="800000"/>
+          </a:ln>
+          <a:effectLst/>
+        </p:spPr>
+        <p:style>
+          <a:lnRef idx="2">
+            <a:schemeClr val="accent1"/>
+          </a:lnRef>
+          <a:fillRef idx="0">
+            <a:schemeClr val="accent1"/>
+          </a:fillRef>
+          <a:effectRef idx="1">
+            <a:schemeClr val="accent1"/>
+          </a:effectRef>
+          <a:fontRef idx="minor">
+            <a:schemeClr val="tx1"/>
+          </a:fontRef>
+        </p:style>
+      </p:cxnSp>
+      <p:sp>
+        <p:nvSpPr>
+          <p:cNvPr id="12" name="Chevron 11"/>
+          <p:cNvSpPr/>
+          <p:nvPr/>
+        </p:nvSpPr>
+        <p:spPr>
+          <a:xfrm>
+            <a:off x="8664112" y="4988440"/>
+            <a:ext cx="182880" cy="228600"/>
+          </a:xfrm>
+          <a:prstGeom prst="chevron">
+            <a:avLst>
+              <a:gd name="adj" fmla="val 50000"/>
+            </a:avLst>
+          </a:prstGeom>
+          <a:gradFill flip="none" rotWithShape="1">
+            <a:gsLst>
+              <a:gs pos="0">
+                <a:schemeClr val="accent1">
+                  <a:shade val="60000"/>
+                  <a:satMod val="125000"/>
+                </a:schemeClr>
+              </a:gs>
+              <a:gs pos="72000">
+                <a:schemeClr val="accent1">
+                  <a:tint val="90000"/>
+                  <a:satMod val="138000"/>
+                </a:schemeClr>
+              </a:gs>
+              <a:gs pos="100000">
+                <a:schemeClr val="accent1">
+                  <a:tint val="76000"/>
+                  <a:satMod val="136000"/>
+                </a:schemeClr>
+              </a:gs>
+            </a:gsLst>
+            <a:lin ang="16200000" scaled="0"/>
+          </a:gradFill>
+          <a:ln w="3175" cap="rnd" cmpd="sng" algn="ctr">
+            <a:solidFill>
+              <a:schemeClr val="accent1">
+                <a:shade val="50000"/>
+              </a:schemeClr>
+            </a:solidFill>
+            <a:prstDash val="solid"/>
+          </a:ln>
+          <a:effectLst>
+            <a:outerShdw blurRad="50800" dist="25400" dir="5400000">
+              <a:srgbClr val="000000">
+                <a:alpha val="46000"/>
+              </a:srgbClr>
+            </a:outerShdw>
+          </a:effectLst>
+        </p:spPr>
+        <p:style>
+          <a:lnRef idx="1">
+            <a:schemeClr val="accent1"/>
+          </a:lnRef>
+          <a:fillRef idx="3">
+            <a:schemeClr val="accent1"/>
+          </a:fillRef>
+          <a:effectRef idx="2">
+            <a:schemeClr val="accent1"/>
+          </a:effectRef>
+          <a:fontRef idx="minor">
+            <a:schemeClr val="lt1"/>
+          </a:fontRef>
+        </p:style>
+        <p:txBody>
+          <a:bodyPr anchor="ctr"/>
+          <a:lstStyle>
+            <a:extLst/>
+          </a:lstStyle>
+          <a:p>
+            <a:pPr algn="l" eaLnBrk="1" latinLnBrk="0" hangingPunct="1"/>
+            <a:endParaRPr kumimoji="0" lang="en-US"/>
+          </a:p>
+        </p:txBody>
+      </p:sp>
+      <p:sp>
+        <p:nvSpPr>
+          <p:cNvPr id="13" name="Chevron 12"/>
+          <p:cNvSpPr/>
+          <p:nvPr/>
+        </p:nvSpPr>
+        <p:spPr>
+          <a:xfrm>
+            <a:off x="8477696" y="4988440"/>
+            <a:ext cx="182880" cy="228600"/>
+          </a:xfrm>
+          <a:prstGeom prst="chevron">
+            <a:avLst>
+              <a:gd name="adj" fmla="val 50000"/>
+            </a:avLst>
+          </a:prstGeom>
+          <a:gradFill flip="none" rotWithShape="1">
+            <a:gsLst>
+              <a:gs pos="0">
+                <a:schemeClr val="accent1">
+                  <a:shade val="60000"/>
+                  <a:satMod val="125000"/>
+                </a:schemeClr>
+              </a:gs>
+              <a:gs pos="72000">
+                <a:schemeClr val="accent1">
+                  <a:tint val="90000"/>
+                  <a:satMod val="138000"/>
+                </a:schemeClr>
+              </a:gs>
+              <a:gs pos="100000">
+                <a:schemeClr val="accent1">
+                  <a:tint val="76000"/>
+                  <a:satMod val="136000"/>
+                </a:schemeClr>
+              </a:gs>
+            </a:gsLst>
+            <a:lin ang="16200000" scaled="0"/>
+          </a:gradFill>
+          <a:ln w="3175" cap="rnd" cmpd="sng" algn="ctr">
+            <a:solidFill>
+              <a:schemeClr val="accent1">
+                <a:shade val="50000"/>
+              </a:schemeClr>
+            </a:solidFill>
+            <a:prstDash val="solid"/>
+          </a:ln>
+          <a:effectLst>
+            <a:outerShdw blurRad="50800" dist="25400" dir="5400000">
+              <a:srgbClr val="000000">
+                <a:alpha val="46000"/>
+              </a:srgbClr>
+            </a:outerShdw>
+          </a:effectLst>
+        </p:spPr>
+        <p:style>
+          <a:lnRef idx="1">
+            <a:schemeClr val="accent1"/>
+          </a:lnRef>
+          <a:fillRef idx="3">
+            <a:schemeClr val="accent1"/>
+          </a:fillRef>
+          <a:effectRef idx="2">
+            <a:schemeClr val="accent1"/>
+          </a:effectRef>
+          <a:fontRef idx="minor">
+            <a:schemeClr val="lt1"/>
+          </a:fontRef>
+        </p:style>
+        <p:txBody>
+          <a:bodyPr anchor="ctr"/>
+          <a:lstStyle>
+            <a:extLst/>
+          </a:lstStyle>
+          <a:p>
+            <a:pPr algn="l" eaLnBrk="1" latinLnBrk="0" hangingPunct="1"/>
+            <a:endParaRPr kumimoji="0" lang="en-US"/>
+          </a:p>
+        </p:txBody>
+      </p:sp>
     </p:spTree>
   </p:cSld>
   <p:clrMapOvr>
-    <a:masterClrMapping/>
+    <a:overrideClrMapping bg1="dk1" tx1="lt1" bg2="dk2" tx2="lt2" accent1="accent1" accent2="accent2" accent3="accent3" accent4="accent4" accent5="accent5" accent6="accent6" hlink="hlink" folHlink="folHlink"/>
   </p:clrMapOvr>
 </p:sldLayout>
 </file>
@@ -2559,7 +4184,337 @@
       </p:grpSpPr>
       <p:sp>
         <p:nvSpPr>
-          <p:cNvPr id="2" name="Title Placeholder 1"/>
+          <p:cNvPr id="13" name="Freeform 12"/>
+          <p:cNvSpPr>
+            <a:spLocks/>
+          </p:cNvSpPr>
+          <p:nvPr/>
+        </p:nvSpPr>
+        <p:spPr bwMode="auto">
+          <a:xfrm>
+            <a:off x="499273" y="5944936"/>
+            <a:ext cx="4940624" cy="921076"/>
+          </a:xfrm>
+          <a:custGeom>
+            <a:avLst>
+              <a:gd name="A1" fmla="val 0"/>
+              <a:gd name="A2" fmla="val 0"/>
+              <a:gd name="A3" fmla="val 0"/>
+              <a:gd name="A4" fmla="val 0"/>
+              <a:gd name="A5" fmla="val 0"/>
+              <a:gd name="A6" fmla="val 0"/>
+              <a:gd name="A7" fmla="val 0"/>
+              <a:gd name="A8" fmla="val 0"/>
+            </a:avLst>
+            <a:gdLst/>
+            <a:ahLst/>
+            <a:cxnLst>
+              <a:cxn ang="0">
+                <a:pos x="0" y="0"/>
+              </a:cxn>
+              <a:cxn ang="0">
+                <a:pos x="5760" y="0"/>
+              </a:cxn>
+              <a:cxn ang="0">
+                <a:pos x="5760" y="528"/>
+              </a:cxn>
+              <a:cxn ang="0">
+                <a:pos x="48" y="0"/>
+              </a:cxn>
+            </a:cxnLst>
+            <a:rect l="0" t="0" r="0" b="0"/>
+            <a:pathLst>
+              <a:path w="7485" h="337">
+                <a:moveTo>
+                  <a:pt x="0" y="2"/>
+                </a:moveTo>
+                <a:lnTo>
+                  <a:pt x="7485" y="337"/>
+                </a:lnTo>
+                <a:lnTo>
+                  <a:pt x="5558" y="337"/>
+                </a:lnTo>
+                <a:lnTo>
+                  <a:pt x="1" y="0"/>
+                </a:lnTo>
+              </a:path>
+            </a:pathLst>
+          </a:custGeom>
+          <a:solidFill>
+            <a:schemeClr val="accent1">
+              <a:tint val="65000"/>
+              <a:satMod val="115000"/>
+              <a:alpha val="40000"/>
+            </a:schemeClr>
+          </a:solidFill>
+          <a:ln w="9525" cap="flat" cmpd="sng" algn="ctr">
+            <a:noFill/>
+            <a:prstDash val="solid"/>
+            <a:round/>
+            <a:headEnd type="none" w="med" len="med"/>
+            <a:tailEnd type="none" w="med" len="med"/>
+          </a:ln>
+          <a:effectLst/>
+        </p:spPr>
+        <p:txBody>
+          <a:bodyPr vert="horz" wrap="square" lIns="91440" tIns="45720" rIns="91440" bIns="45720" anchor="t" compatLnSpc="1"/>
+          <a:lstStyle>
+            <a:extLst/>
+          </a:lstStyle>
+          <a:p>
+            <a:endParaRPr kumimoji="0" lang="en-US"/>
+          </a:p>
+        </p:txBody>
+      </p:sp>
+      <p:sp>
+        <p:nvSpPr>
+          <p:cNvPr id="12" name="Freeform 11"/>
+          <p:cNvSpPr>
+            <a:spLocks/>
+          </p:cNvSpPr>
+          <p:nvPr/>
+        </p:nvSpPr>
+        <p:spPr bwMode="auto">
+          <a:xfrm>
+            <a:off x="485717" y="5939011"/>
+            <a:ext cx="3690451" cy="933450"/>
+          </a:xfrm>
+          <a:custGeom>
+            <a:avLst>
+              <a:gd name="A1" fmla="val 0"/>
+              <a:gd name="A2" fmla="val 0"/>
+              <a:gd name="A3" fmla="val 0"/>
+              <a:gd name="A4" fmla="val 0"/>
+              <a:gd name="A5" fmla="val 0"/>
+              <a:gd name="A6" fmla="val 0"/>
+              <a:gd name="A7" fmla="val 0"/>
+              <a:gd name="A8" fmla="val 0"/>
+            </a:avLst>
+            <a:gdLst/>
+            <a:ahLst/>
+            <a:cxnLst>
+              <a:cxn ang="0">
+                <a:pos x="0" y="0"/>
+              </a:cxn>
+              <a:cxn ang="0">
+                <a:pos x="5760" y="0"/>
+              </a:cxn>
+              <a:cxn ang="0">
+                <a:pos x="5760" y="528"/>
+              </a:cxn>
+              <a:cxn ang="0">
+                <a:pos x="48" y="0"/>
+              </a:cxn>
+            </a:cxnLst>
+            <a:rect l="0" t="0" r="0" b="0"/>
+            <a:pathLst>
+              <a:path w="5591" h="588">
+                <a:moveTo>
+                  <a:pt x="0" y="0"/>
+                </a:moveTo>
+                <a:lnTo>
+                  <a:pt x="5591" y="585"/>
+                </a:lnTo>
+                <a:lnTo>
+                  <a:pt x="4415" y="588"/>
+                </a:lnTo>
+                <a:lnTo>
+                  <a:pt x="12" y="4"/>
+                </a:lnTo>
+              </a:path>
+            </a:pathLst>
+          </a:custGeom>
+          <a:solidFill>
+            <a:srgbClr val="000000">
+              <a:alpha val="100000"/>
+            </a:srgbClr>
+          </a:solidFill>
+          <a:ln w="9525" cap="flat" cmpd="sng" algn="ctr">
+            <a:noFill/>
+            <a:prstDash val="solid"/>
+            <a:round/>
+            <a:headEnd type="none" w="med" len="med"/>
+            <a:tailEnd type="none" w="med" len="med"/>
+          </a:ln>
+          <a:effectLst/>
+        </p:spPr>
+        <p:txBody>
+          <a:bodyPr vert="horz" wrap="square" lIns="91440" tIns="45720" rIns="91440" bIns="45720" anchor="t" compatLnSpc="1"/>
+          <a:lstStyle>
+            <a:extLst/>
+          </a:lstStyle>
+          <a:p>
+            <a:endParaRPr kumimoji="0" lang="en-US"/>
+          </a:p>
+        </p:txBody>
+      </p:sp>
+      <p:sp>
+        <p:nvSpPr>
+          <p:cNvPr id="14" name="Right Triangle 13"/>
+          <p:cNvSpPr>
+            <a:spLocks/>
+          </p:cNvSpPr>
+          <p:nvPr/>
+        </p:nvSpPr>
+        <p:spPr bwMode="auto">
+          <a:xfrm>
+            <a:off x="-6042" y="5791253"/>
+            <a:ext cx="3402314" cy="1080868"/>
+          </a:xfrm>
+          <a:prstGeom prst="rtTriangle">
+            <a:avLst/>
+          </a:prstGeom>
+          <a:blipFill>
+            <a:blip r:embed="rId13" cstate="print">
+              <a:alphaModFix amt="50000"/>
+            </a:blip>
+            <a:tile tx="0" ty="0" sx="50000" sy="50000" flip="none" algn="t"/>
+          </a:blipFill>
+          <a:ln w="12700" cap="rnd" cmpd="thickThin" algn="ctr">
+            <a:noFill/>
+            <a:prstDash val="solid"/>
+          </a:ln>
+          <a:effectLst>
+            <a:fillOverlay blend="mult">
+              <a:gradFill flip="none" rotWithShape="1">
+                <a:gsLst>
+                  <a:gs pos="0">
+                    <a:schemeClr val="accent1">
+                      <a:shade val="20000"/>
+                      <a:satMod val="176000"/>
+                      <a:alpha val="100000"/>
+                    </a:schemeClr>
+                  </a:gs>
+                  <a:gs pos="18000">
+                    <a:schemeClr val="accent1">
+                      <a:shade val="48000"/>
+                      <a:satMod val="153000"/>
+                      <a:alpha val="100000"/>
+                    </a:schemeClr>
+                  </a:gs>
+                  <a:gs pos="43000">
+                    <a:schemeClr val="accent1">
+                      <a:tint val="86000"/>
+                      <a:satMod val="149000"/>
+                      <a:alpha val="100000"/>
+                    </a:schemeClr>
+                  </a:gs>
+                  <a:gs pos="45000">
+                    <a:schemeClr val="accent1">
+                      <a:tint val="85000"/>
+                      <a:satMod val="150000"/>
+                      <a:alpha val="100000"/>
+                    </a:schemeClr>
+                  </a:gs>
+                  <a:gs pos="50000">
+                    <a:schemeClr val="accent1">
+                      <a:tint val="86000"/>
+                      <a:satMod val="149000"/>
+                      <a:alpha val="100000"/>
+                    </a:schemeClr>
+                  </a:gs>
+                  <a:gs pos="79000">
+                    <a:schemeClr val="accent1">
+                      <a:shade val="53000"/>
+                      <a:satMod val="150000"/>
+                      <a:alpha val="100000"/>
+                    </a:schemeClr>
+                  </a:gs>
+                  <a:gs pos="100000">
+                    <a:schemeClr val="accent1">
+                      <a:shade val="25000"/>
+                      <a:satMod val="170000"/>
+                      <a:alpha val="100000"/>
+                    </a:schemeClr>
+                  </a:gs>
+                </a:gsLst>
+                <a:lin ang="450000" scaled="1"/>
+                <a:tileRect/>
+              </a:gradFill>
+            </a:fillOverlay>
+          </a:effectLst>
+        </p:spPr>
+        <p:style>
+          <a:lnRef idx="3">
+            <a:schemeClr val="lt1"/>
+          </a:lnRef>
+          <a:fillRef idx="1">
+            <a:schemeClr val="accent1"/>
+          </a:fillRef>
+          <a:effectRef idx="1">
+            <a:schemeClr val="accent1"/>
+          </a:effectRef>
+          <a:fontRef idx="minor">
+            <a:schemeClr val="lt1"/>
+          </a:fontRef>
+        </p:style>
+        <p:txBody>
+          <a:bodyPr vert="horz" wrap="square" lIns="91440" tIns="45720" rIns="91440" bIns="45720" anchor="ctr" compatLnSpc="1"/>
+          <a:lstStyle>
+            <a:extLst/>
+          </a:lstStyle>
+          <a:p>
+            <a:pPr algn="ctr" eaLnBrk="1" latinLnBrk="0" hangingPunct="1"/>
+            <a:endParaRPr kumimoji="0" lang="en-US"/>
+          </a:p>
+        </p:txBody>
+      </p:sp>
+      <p:cxnSp>
+        <p:nvCxnSpPr>
+          <p:cNvPr id="15" name="Straight Connector 14"/>
+          <p:cNvCxnSpPr/>
+          <p:nvPr/>
+        </p:nvCxnSpPr>
+        <p:spPr>
+          <a:xfrm>
+            <a:off x="-9237" y="5787738"/>
+            <a:ext cx="3405509" cy="1084383"/>
+          </a:xfrm>
+          <a:prstGeom prst="line">
+            <a:avLst/>
+          </a:prstGeom>
+          <a:noFill/>
+          <a:ln w="12065" cap="flat" cmpd="sng" algn="ctr">
+            <a:gradFill>
+              <a:gsLst>
+                <a:gs pos="45000">
+                  <a:schemeClr val="accent1">
+                    <a:tint val="70000"/>
+                    <a:satMod val="110000"/>
+                  </a:schemeClr>
+                </a:gs>
+                <a:gs pos="15000">
+                  <a:schemeClr val="accent1">
+                    <a:shade val="40000"/>
+                    <a:satMod val="110000"/>
+                  </a:schemeClr>
+                </a:gs>
+              </a:gsLst>
+              <a:lin ang="5400000" scaled="1"/>
+            </a:gradFill>
+            <a:prstDash val="solid"/>
+            <a:miter lim="800000"/>
+          </a:ln>
+          <a:effectLst/>
+        </p:spPr>
+        <p:style>
+          <a:lnRef idx="2">
+            <a:schemeClr val="accent1"/>
+          </a:lnRef>
+          <a:fillRef idx="0">
+            <a:schemeClr val="accent1"/>
+          </a:fillRef>
+          <a:effectRef idx="1">
+            <a:schemeClr val="accent1"/>
+          </a:effectRef>
+          <a:fontRef idx="minor">
+            <a:schemeClr val="tx1"/>
+          </a:fontRef>
+        </p:style>
+      </p:cxnSp>
+      <p:sp>
+        <p:nvSpPr>
+          <p:cNvPr id="9" name="Title Placeholder 8"/>
           <p:cNvSpPr>
             <a:spLocks noGrp="1"/>
           </p:cNvSpPr>
@@ -2577,22 +4532,31 @@
           </a:prstGeom>
         </p:spPr>
         <p:txBody>
-          <a:bodyPr vert="horz" lIns="91440" tIns="45720" rIns="91440" bIns="45720" rtlCol="0" anchor="ctr">
+          <a:bodyPr vert="horz" anchor="ctr">
             <a:normAutofit/>
+            <a:scene3d>
+              <a:camera prst="orthographicFront"/>
+              <a:lightRig rig="soft" dir="t"/>
+            </a:scene3d>
+            <a:sp3d prstMaterial="softEdge">
+              <a:bevelT w="25400" h="25400"/>
+            </a:sp3d>
           </a:bodyPr>
-          <a:lstStyle/>
-          <a:p>
-            <a:r>
-              <a:rPr lang="en-US" smtClean="0"/>
+          <a:lstStyle>
+            <a:extLst/>
+          </a:lstStyle>
+          <a:p>
+            <a:r>
+              <a:rPr kumimoji="0" lang="en-US" smtClean="0"/>
               <a:t>Click to edit Master title style</a:t>
             </a:r>
-            <a:endParaRPr lang="en-US"/>
-          </a:p>
-        </p:txBody>
-      </p:sp>
-      <p:sp>
-        <p:nvSpPr>
-          <p:cNvPr id="3" name="Text Placeholder 2"/>
+            <a:endParaRPr kumimoji="0" lang="en-US"/>
+          </a:p>
+        </p:txBody>
+      </p:sp>
+      <p:sp>
+        <p:nvSpPr>
+          <p:cNvPr id="30" name="Text Placeholder 29"/>
           <p:cNvSpPr>
             <a:spLocks noGrp="1"/>
           </p:cNvSpPr>
@@ -2602,7 +4566,7 @@
         </p:nvSpPr>
         <p:spPr>
           <a:xfrm>
-            <a:off x="457200" y="1600200"/>
+            <a:off x="457200" y="1481328"/>
             <a:ext cx="8229600" cy="4525963"/>
           </a:xfrm>
           <a:prstGeom prst="rect">
@@ -2610,51 +4574,53 @@
           </a:prstGeom>
         </p:spPr>
         <p:txBody>
-          <a:bodyPr vert="horz" lIns="91440" tIns="45720" rIns="91440" bIns="45720" rtlCol="0">
+          <a:bodyPr vert="horz">
             <a:normAutofit/>
           </a:bodyPr>
-          <a:lstStyle/>
-          <a:p>
-            <a:pPr lvl="0"/>
-            <a:r>
-              <a:rPr lang="en-US" smtClean="0"/>
+          <a:lstStyle>
+            <a:extLst/>
+          </a:lstStyle>
+          <a:p>
+            <a:pPr lvl="0" eaLnBrk="1" latinLnBrk="0" hangingPunct="1"/>
+            <a:r>
+              <a:rPr kumimoji="0" lang="en-US" smtClean="0"/>
               <a:t>Click to edit Master text styles</a:t>
             </a:r>
           </a:p>
           <a:p>
-            <a:pPr lvl="1"/>
-            <a:r>
-              <a:rPr lang="en-US" smtClean="0"/>
+            <a:pPr lvl="1" eaLnBrk="1" latinLnBrk="0" hangingPunct="1"/>
+            <a:r>
+              <a:rPr kumimoji="0" lang="en-US" smtClean="0"/>
               <a:t>Second level</a:t>
             </a:r>
           </a:p>
           <a:p>
-            <a:pPr lvl="2"/>
-            <a:r>
-              <a:rPr lang="en-US" smtClean="0"/>
+            <a:pPr lvl="2" eaLnBrk="1" latinLnBrk="0" hangingPunct="1"/>
+            <a:r>
+              <a:rPr kumimoji="0" lang="en-US" smtClean="0"/>
               <a:t>Third level</a:t>
             </a:r>
           </a:p>
           <a:p>
-            <a:pPr lvl="3"/>
-            <a:r>
-              <a:rPr lang="en-US" smtClean="0"/>
+            <a:pPr lvl="3" eaLnBrk="1" latinLnBrk="0" hangingPunct="1"/>
+            <a:r>
+              <a:rPr kumimoji="0" lang="en-US" smtClean="0"/>
               <a:t>Fourth level</a:t>
             </a:r>
           </a:p>
           <a:p>
-            <a:pPr lvl="4"/>
-            <a:r>
-              <a:rPr lang="en-US" smtClean="0"/>
+            <a:pPr lvl="4" eaLnBrk="1" latinLnBrk="0" hangingPunct="1"/>
+            <a:r>
+              <a:rPr kumimoji="0" lang="en-US" smtClean="0"/>
               <a:t>Fifth level</a:t>
             </a:r>
-            <a:endParaRPr lang="en-US"/>
-          </a:p>
-        </p:txBody>
-      </p:sp>
-      <p:sp>
-        <p:nvSpPr>
-          <p:cNvPr id="4" name="Date Placeholder 3"/>
+            <a:endParaRPr kumimoji="0" lang="en-US"/>
+          </a:p>
+        </p:txBody>
+      </p:sp>
+      <p:sp>
+        <p:nvSpPr>
+          <p:cNvPr id="10" name="Date Placeholder 9"/>
           <p:cNvSpPr>
             <a:spLocks noGrp="1"/>
           </p:cNvSpPr>
@@ -2664,25 +4630,24 @@
         </p:nvSpPr>
         <p:spPr>
           <a:xfrm>
-            <a:off x="457200" y="6356350"/>
-            <a:ext cx="2133600" cy="365125"/>
+            <a:off x="6727032" y="6407944"/>
+            <a:ext cx="1920240" cy="365760"/>
           </a:xfrm>
           <a:prstGeom prst="rect">
             <a:avLst/>
           </a:prstGeom>
         </p:spPr>
         <p:txBody>
-          <a:bodyPr vert="horz" lIns="91440" tIns="45720" rIns="91440" bIns="45720" rtlCol="0" anchor="ctr"/>
-          <a:lstStyle>
-            <a:lvl1pPr algn="l">
-              <a:defRPr sz="1200">
+          <a:bodyPr vert="horz" anchor="b"/>
+          <a:lstStyle>
+            <a:lvl1pPr algn="l" eaLnBrk="1" latinLnBrk="0" hangingPunct="1">
+              <a:defRPr kumimoji="0" sz="1000">
                 <a:solidFill>
-                  <a:schemeClr val="tx1">
-                    <a:tint val="75000"/>
-                  </a:schemeClr>
+                  <a:schemeClr val="tx1"/>
                 </a:solidFill>
               </a:defRPr>
             </a:lvl1pPr>
+            <a:extLst/>
           </a:lstStyle>
           <a:p>
             <a:fld id="{1D8BD707-D9CF-40AE-B4C6-C98DA3205C09}" type="datetimeFigureOut">
@@ -2696,7 +4661,7 @@
       </p:sp>
       <p:sp>
         <p:nvSpPr>
-          <p:cNvPr id="5" name="Footer Placeholder 4"/>
+          <p:cNvPr id="22" name="Footer Placeholder 21"/>
           <p:cNvSpPr>
             <a:spLocks noGrp="1"/>
           </p:cNvSpPr>
@@ -2706,25 +4671,24 @@
         </p:nvSpPr>
         <p:spPr>
           <a:xfrm>
-            <a:off x="3124200" y="6356350"/>
-            <a:ext cx="2895600" cy="365125"/>
+            <a:off x="4380072" y="6407944"/>
+            <a:ext cx="2350681" cy="365125"/>
           </a:xfrm>
           <a:prstGeom prst="rect">
             <a:avLst/>
           </a:prstGeom>
         </p:spPr>
         <p:txBody>
-          <a:bodyPr vert="horz" lIns="91440" tIns="45720" rIns="91440" bIns="45720" rtlCol="0" anchor="ctr"/>
-          <a:lstStyle>
-            <a:lvl1pPr algn="ctr">
-              <a:defRPr sz="1200">
+          <a:bodyPr vert="horz" anchor="b"/>
+          <a:lstStyle>
+            <a:lvl1pPr algn="r" eaLnBrk="1" latinLnBrk="0" hangingPunct="1">
+              <a:defRPr kumimoji="0" sz="1000">
                 <a:solidFill>
-                  <a:schemeClr val="tx1">
-                    <a:tint val="75000"/>
-                  </a:schemeClr>
+                  <a:schemeClr val="tx1"/>
                 </a:solidFill>
               </a:defRPr>
             </a:lvl1pPr>
+            <a:extLst/>
           </a:lstStyle>
           <a:p>
             <a:endParaRPr lang="en-US"/>
@@ -2733,7 +4697,7 @@
       </p:sp>
       <p:sp>
         <p:nvSpPr>
-          <p:cNvPr id="6" name="Slide Number Placeholder 5"/>
+          <p:cNvPr id="18" name="Slide Number Placeholder 17"/>
           <p:cNvSpPr>
             <a:spLocks noGrp="1"/>
           </p:cNvSpPr>
@@ -2743,25 +4707,24 @@
         </p:nvSpPr>
         <p:spPr>
           <a:xfrm>
-            <a:off x="6553200" y="6356350"/>
-            <a:ext cx="2133600" cy="365125"/>
+            <a:off x="8647272" y="6407944"/>
+            <a:ext cx="365760" cy="365125"/>
           </a:xfrm>
           <a:prstGeom prst="rect">
             <a:avLst/>
           </a:prstGeom>
         </p:spPr>
         <p:txBody>
-          <a:bodyPr vert="horz" lIns="91440" tIns="45720" rIns="91440" bIns="45720" rtlCol="0" anchor="ctr"/>
-          <a:lstStyle>
-            <a:lvl1pPr algn="r">
-              <a:defRPr sz="1200">
+          <a:bodyPr vert="horz" anchor="b"/>
+          <a:lstStyle>
+            <a:lvl1pPr algn="r" eaLnBrk="1" latinLnBrk="0" hangingPunct="1">
+              <a:defRPr kumimoji="0" sz="1000" b="0">
                 <a:solidFill>
-                  <a:schemeClr val="tx1">
-                    <a:tint val="75000"/>
-                  </a:schemeClr>
+                  <a:schemeClr val="tx1"/>
                 </a:solidFill>
               </a:defRPr>
             </a:lvl1pPr>
+            <a:extLst/>
           </a:lstStyle>
           <a:p>
             <a:fld id="{B6F15528-21DE-4FAA-801E-634DDDAF4B2B}" type="slidenum">
@@ -2777,43 +4740,58 @@
   </p:cSld>
   <p:clrMap bg1="lt1" tx1="dk1" bg2="lt2" tx2="dk2" accent1="accent1" accent2="accent2" accent3="accent3" accent4="accent4" accent5="accent5" accent6="accent6" hlink="hlink" folHlink="folHlink"/>
   <p:sldLayoutIdLst>
-    <p:sldLayoutId id="2147483649" r:id="rId1"/>
-    <p:sldLayoutId id="2147483650" r:id="rId2"/>
-    <p:sldLayoutId id="2147483651" r:id="rId3"/>
-    <p:sldLayoutId id="2147483652" r:id="rId4"/>
-    <p:sldLayoutId id="2147483653" r:id="rId5"/>
-    <p:sldLayoutId id="2147483654" r:id="rId6"/>
-    <p:sldLayoutId id="2147483655" r:id="rId7"/>
-    <p:sldLayoutId id="2147483656" r:id="rId8"/>
-    <p:sldLayoutId id="2147483657" r:id="rId9"/>
-    <p:sldLayoutId id="2147483658" r:id="rId10"/>
-    <p:sldLayoutId id="2147483659" r:id="rId11"/>
+    <p:sldLayoutId id="2147483661" r:id="rId1"/>
+    <p:sldLayoutId id="2147483662" r:id="rId2"/>
+    <p:sldLayoutId id="2147483663" r:id="rId3"/>
+    <p:sldLayoutId id="2147483664" r:id="rId4"/>
+    <p:sldLayoutId id="2147483665" r:id="rId5"/>
+    <p:sldLayoutId id="2147483666" r:id="rId6"/>
+    <p:sldLayoutId id="2147483667" r:id="rId7"/>
+    <p:sldLayoutId id="2147483668" r:id="rId8"/>
+    <p:sldLayoutId id="2147483669" r:id="rId9"/>
+    <p:sldLayoutId id="2147483670" r:id="rId10"/>
+    <p:sldLayoutId id="2147483671" r:id="rId11"/>
   </p:sldLayoutIdLst>
   <p:txStyles>
     <p:titleStyle>
-      <a:lvl1pPr algn="ctr" defTabSz="914400" rtl="0" eaLnBrk="1" latinLnBrk="0" hangingPunct="1">
+      <a:lvl1pPr algn="l" rtl="0" eaLnBrk="1" latinLnBrk="0" hangingPunct="1">
         <a:spcBef>
           <a:spcPct val="0"/>
         </a:spcBef>
         <a:buNone/>
-        <a:defRPr sz="4400" kern="1200">
+        <a:defRPr kumimoji="0" sz="4100" b="1" kern="1200">
           <a:solidFill>
-            <a:schemeClr val="tx1"/>
+            <a:schemeClr val="tx2"/>
           </a:solidFill>
+          <a:effectLst>
+            <a:outerShdw blurRad="31750" dist="25400" dir="5400000" algn="tl" rotWithShape="0">
+              <a:srgbClr val="000000">
+                <a:alpha val="25000"/>
+              </a:srgbClr>
+            </a:outerShdw>
+          </a:effectLst>
           <a:latin typeface="+mj-lt"/>
           <a:ea typeface="+mj-ea"/>
           <a:cs typeface="+mj-cs"/>
         </a:defRPr>
       </a:lvl1pPr>
+      <a:extLst/>
     </p:titleStyle>
     <p:bodyStyle>
-      <a:lvl1pPr marL="342900" indent="-342900" algn="l" defTabSz="914400" rtl="0" eaLnBrk="1" latinLnBrk="0" hangingPunct="1">
+      <a:lvl1pPr marL="365760" indent="-256032" algn="l" rtl="0" eaLnBrk="1" latinLnBrk="0" hangingPunct="1">
         <a:spcBef>
-          <a:spcPct val="20000"/>
+          <a:spcPts val="400"/>
         </a:spcBef>
-        <a:buFont typeface="Arial" pitchFamily="34" charset="0"/>
-        <a:buChar char="•"/>
-        <a:defRPr sz="3200" kern="1200">
+        <a:spcAft>
+          <a:spcPts val="0"/>
+        </a:spcAft>
+        <a:buClr>
+          <a:schemeClr val="accent1"/>
+        </a:buClr>
+        <a:buSzPct val="68000"/>
+        <a:buFont typeface="Wingdings 3"/>
+        <a:buChar char=""/>
+        <a:defRPr kumimoji="0" sz="2700" kern="1200">
           <a:solidFill>
             <a:schemeClr val="tx1"/>
           </a:solidFill>
@@ -2822,13 +4800,16 @@
           <a:cs typeface="+mn-cs"/>
         </a:defRPr>
       </a:lvl1pPr>
-      <a:lvl2pPr marL="742950" indent="-285750" algn="l" defTabSz="914400" rtl="0" eaLnBrk="1" latinLnBrk="0" hangingPunct="1">
+      <a:lvl2pPr marL="621792" indent="-228600" algn="l" rtl="0" eaLnBrk="1" latinLnBrk="0" hangingPunct="1">
         <a:spcBef>
-          <a:spcPct val="20000"/>
+          <a:spcPts val="324"/>
         </a:spcBef>
-        <a:buFont typeface="Arial" pitchFamily="34" charset="0"/>
-        <a:buChar char="–"/>
-        <a:defRPr sz="2800" kern="1200">
+        <a:buClr>
+          <a:schemeClr val="accent1"/>
+        </a:buClr>
+        <a:buFont typeface="Verdana"/>
+        <a:buChar char="◦"/>
+        <a:defRPr kumimoji="0" sz="2300" kern="1200">
           <a:solidFill>
             <a:schemeClr val="tx1"/>
           </a:solidFill>
@@ -2837,13 +4818,17 @@
           <a:cs typeface="+mn-cs"/>
         </a:defRPr>
       </a:lvl2pPr>
-      <a:lvl3pPr marL="1143000" indent="-228600" algn="l" defTabSz="914400" rtl="0" eaLnBrk="1" latinLnBrk="0" hangingPunct="1">
+      <a:lvl3pPr marL="859536" indent="-228600" algn="l" rtl="0" eaLnBrk="1" latinLnBrk="0" hangingPunct="1">
         <a:spcBef>
-          <a:spcPct val="20000"/>
+          <a:spcPts val="350"/>
         </a:spcBef>
-        <a:buFont typeface="Arial" pitchFamily="34" charset="0"/>
-        <a:buChar char="•"/>
-        <a:defRPr sz="2400" kern="1200">
+        <a:buClr>
+          <a:schemeClr val="accent2"/>
+        </a:buClr>
+        <a:buSzPct val="100000"/>
+        <a:buFont typeface="Wingdings 2"/>
+        <a:buChar char=""/>
+        <a:defRPr kumimoji="0" sz="2100" kern="1200">
           <a:solidFill>
             <a:schemeClr val="tx1"/>
           </a:solidFill>
@@ -2852,13 +4837,16 @@
           <a:cs typeface="+mn-cs"/>
         </a:defRPr>
       </a:lvl3pPr>
-      <a:lvl4pPr marL="1600200" indent="-228600" algn="l" defTabSz="914400" rtl="0" eaLnBrk="1" latinLnBrk="0" hangingPunct="1">
+      <a:lvl4pPr marL="1143000" indent="-228600" algn="l" rtl="0" eaLnBrk="1" latinLnBrk="0" hangingPunct="1">
         <a:spcBef>
-          <a:spcPct val="20000"/>
+          <a:spcPts val="350"/>
         </a:spcBef>
-        <a:buFont typeface="Arial" pitchFamily="34" charset="0"/>
-        <a:buChar char="–"/>
-        <a:defRPr sz="2000" kern="1200">
+        <a:buClr>
+          <a:schemeClr val="accent2"/>
+        </a:buClr>
+        <a:buFont typeface="Wingdings 2"/>
+        <a:buChar char=""/>
+        <a:defRPr kumimoji="0" sz="1900" kern="1200">
           <a:solidFill>
             <a:schemeClr val="tx1"/>
           </a:solidFill>
@@ -2867,13 +4855,16 @@
           <a:cs typeface="+mn-cs"/>
         </a:defRPr>
       </a:lvl4pPr>
-      <a:lvl5pPr marL="2057400" indent="-228600" algn="l" defTabSz="914400" rtl="0" eaLnBrk="1" latinLnBrk="0" hangingPunct="1">
+      <a:lvl5pPr marL="1371600" indent="-228600" algn="l" rtl="0" eaLnBrk="1" latinLnBrk="0" hangingPunct="1">
         <a:spcBef>
-          <a:spcPct val="20000"/>
+          <a:spcPts val="350"/>
         </a:spcBef>
-        <a:buFont typeface="Arial" pitchFamily="34" charset="0"/>
-        <a:buChar char="»"/>
-        <a:defRPr sz="2000" kern="1200">
+        <a:buClr>
+          <a:schemeClr val="accent2"/>
+        </a:buClr>
+        <a:buFont typeface="Wingdings 2"/>
+        <a:buChar char=""/>
+        <a:defRPr kumimoji="0" sz="1800" kern="1200">
           <a:solidFill>
             <a:schemeClr val="tx1"/>
           </a:solidFill>
@@ -2882,13 +4873,16 @@
           <a:cs typeface="+mn-cs"/>
         </a:defRPr>
       </a:lvl5pPr>
-      <a:lvl6pPr marL="2514600" indent="-228600" algn="l" defTabSz="914400" rtl="0" eaLnBrk="1" latinLnBrk="0" hangingPunct="1">
+      <a:lvl6pPr marL="1600200" indent="-228600" algn="l" rtl="0" eaLnBrk="1" latinLnBrk="0" hangingPunct="1">
         <a:spcBef>
-          <a:spcPct val="20000"/>
+          <a:spcPts val="350"/>
         </a:spcBef>
-        <a:buFont typeface="Arial" pitchFamily="34" charset="0"/>
-        <a:buChar char="•"/>
-        <a:defRPr sz="2000" kern="1200">
+        <a:buClr>
+          <a:schemeClr val="accent3"/>
+        </a:buClr>
+        <a:buFont typeface="Wingdings 2"/>
+        <a:buChar char=""/>
+        <a:defRPr kumimoji="0" sz="1800" kern="1200">
           <a:solidFill>
             <a:schemeClr val="tx1"/>
           </a:solidFill>
@@ -2897,13 +4891,16 @@
           <a:cs typeface="+mn-cs"/>
         </a:defRPr>
       </a:lvl6pPr>
-      <a:lvl7pPr marL="2971800" indent="-228600" algn="l" defTabSz="914400" rtl="0" eaLnBrk="1" latinLnBrk="0" hangingPunct="1">
+      <a:lvl7pPr marL="1828800" indent="-228600" algn="l" rtl="0" eaLnBrk="1" latinLnBrk="0" hangingPunct="1">
         <a:spcBef>
-          <a:spcPct val="20000"/>
+          <a:spcPts val="350"/>
         </a:spcBef>
-        <a:buFont typeface="Arial" pitchFamily="34" charset="0"/>
-        <a:buChar char="•"/>
-        <a:defRPr sz="2000" kern="1200">
+        <a:buClr>
+          <a:schemeClr val="accent3"/>
+        </a:buClr>
+        <a:buFont typeface="Wingdings 2"/>
+        <a:buChar char=""/>
+        <a:defRPr kumimoji="0" sz="1600" kern="1200">
           <a:solidFill>
             <a:schemeClr val="tx1"/>
           </a:solidFill>
@@ -2912,13 +4909,16 @@
           <a:cs typeface="+mn-cs"/>
         </a:defRPr>
       </a:lvl7pPr>
-      <a:lvl8pPr marL="3429000" indent="-228600" algn="l" defTabSz="914400" rtl="0" eaLnBrk="1" latinLnBrk="0" hangingPunct="1">
+      <a:lvl8pPr marL="2057400" indent="-228600" algn="l" rtl="0" eaLnBrk="1" latinLnBrk="0" hangingPunct="1">
         <a:spcBef>
-          <a:spcPct val="20000"/>
+          <a:spcPts val="350"/>
         </a:spcBef>
-        <a:buFont typeface="Arial" pitchFamily="34" charset="0"/>
-        <a:buChar char="•"/>
-        <a:defRPr sz="2000" kern="1200">
+        <a:buClr>
+          <a:schemeClr val="accent3"/>
+        </a:buClr>
+        <a:buFont typeface="Wingdings 2"/>
+        <a:buChar char=""/>
+        <a:defRPr kumimoji="0" sz="1600" kern="1200">
           <a:solidFill>
             <a:schemeClr val="tx1"/>
           </a:solidFill>
@@ -2927,13 +4927,16 @@
           <a:cs typeface="+mn-cs"/>
         </a:defRPr>
       </a:lvl8pPr>
-      <a:lvl9pPr marL="3886200" indent="-228600" algn="l" defTabSz="914400" rtl="0" eaLnBrk="1" latinLnBrk="0" hangingPunct="1">
+      <a:lvl9pPr marL="2286000" indent="-228600" algn="l" rtl="0" eaLnBrk="1" latinLnBrk="0" hangingPunct="1">
         <a:spcBef>
-          <a:spcPct val="20000"/>
+          <a:spcPts val="350"/>
         </a:spcBef>
-        <a:buFont typeface="Arial" pitchFamily="34" charset="0"/>
-        <a:buChar char="•"/>
-        <a:defRPr sz="2000" kern="1200">
+        <a:buClr>
+          <a:schemeClr val="accent3"/>
+        </a:buClr>
+        <a:buFont typeface="Wingdings 2"/>
+        <a:buChar char=""/>
+        <a:defRPr kumimoji="0" sz="1600" kern="1200" baseline="0">
           <a:solidFill>
             <a:schemeClr val="tx1"/>
           </a:solidFill>
@@ -2942,13 +4945,11 @@
           <a:cs typeface="+mn-cs"/>
         </a:defRPr>
       </a:lvl9pPr>
+      <a:extLst/>
     </p:bodyStyle>
     <p:otherStyle>
-      <a:defPPr>
-        <a:defRPr lang="en-US"/>
-      </a:defPPr>
-      <a:lvl1pPr marL="0" algn="l" defTabSz="914400" rtl="0" eaLnBrk="1" latinLnBrk="0" hangingPunct="1">
-        <a:defRPr sz="1800" kern="1200">
+      <a:lvl1pPr marL="0" algn="l" rtl="0" eaLnBrk="1" latinLnBrk="0" hangingPunct="1">
+        <a:defRPr kumimoji="0" kern="1200">
           <a:solidFill>
             <a:schemeClr val="tx1"/>
           </a:solidFill>
@@ -2957,8 +4958,8 @@
           <a:cs typeface="+mn-cs"/>
         </a:defRPr>
       </a:lvl1pPr>
-      <a:lvl2pPr marL="457200" algn="l" defTabSz="914400" rtl="0" eaLnBrk="1" latinLnBrk="0" hangingPunct="1">
-        <a:defRPr sz="1800" kern="1200">
+      <a:lvl2pPr marL="457200" algn="l" rtl="0" eaLnBrk="1" latinLnBrk="0" hangingPunct="1">
+        <a:defRPr kumimoji="0" kern="1200">
           <a:solidFill>
             <a:schemeClr val="tx1"/>
           </a:solidFill>
@@ -2967,8 +4968,8 @@
           <a:cs typeface="+mn-cs"/>
         </a:defRPr>
       </a:lvl2pPr>
-      <a:lvl3pPr marL="914400" algn="l" defTabSz="914400" rtl="0" eaLnBrk="1" latinLnBrk="0" hangingPunct="1">
-        <a:defRPr sz="1800" kern="1200">
+      <a:lvl3pPr marL="914400" algn="l" rtl="0" eaLnBrk="1" latinLnBrk="0" hangingPunct="1">
+        <a:defRPr kumimoji="0" kern="1200">
           <a:solidFill>
             <a:schemeClr val="tx1"/>
           </a:solidFill>
@@ -2977,8 +4978,8 @@
           <a:cs typeface="+mn-cs"/>
         </a:defRPr>
       </a:lvl3pPr>
-      <a:lvl4pPr marL="1371600" algn="l" defTabSz="914400" rtl="0" eaLnBrk="1" latinLnBrk="0" hangingPunct="1">
-        <a:defRPr sz="1800" kern="1200">
+      <a:lvl4pPr marL="1371600" algn="l" rtl="0" eaLnBrk="1" latinLnBrk="0" hangingPunct="1">
+        <a:defRPr kumimoji="0" kern="1200">
           <a:solidFill>
             <a:schemeClr val="tx1"/>
           </a:solidFill>
@@ -2987,8 +4988,8 @@
           <a:cs typeface="+mn-cs"/>
         </a:defRPr>
       </a:lvl4pPr>
-      <a:lvl5pPr marL="1828800" algn="l" defTabSz="914400" rtl="0" eaLnBrk="1" latinLnBrk="0" hangingPunct="1">
-        <a:defRPr sz="1800" kern="1200">
+      <a:lvl5pPr marL="1828800" algn="l" rtl="0" eaLnBrk="1" latinLnBrk="0" hangingPunct="1">
+        <a:defRPr kumimoji="0" kern="1200">
           <a:solidFill>
             <a:schemeClr val="tx1"/>
           </a:solidFill>
@@ -2997,8 +4998,8 @@
           <a:cs typeface="+mn-cs"/>
         </a:defRPr>
       </a:lvl5pPr>
-      <a:lvl6pPr marL="2286000" algn="l" defTabSz="914400" rtl="0" eaLnBrk="1" latinLnBrk="0" hangingPunct="1">
-        <a:defRPr sz="1800" kern="1200">
+      <a:lvl6pPr marL="2286000" algn="l" rtl="0" eaLnBrk="1" latinLnBrk="0" hangingPunct="1">
+        <a:defRPr kumimoji="0" kern="1200">
           <a:solidFill>
             <a:schemeClr val="tx1"/>
           </a:solidFill>
@@ -3007,8 +5008,8 @@
           <a:cs typeface="+mn-cs"/>
         </a:defRPr>
       </a:lvl6pPr>
-      <a:lvl7pPr marL="2743200" algn="l" defTabSz="914400" rtl="0" eaLnBrk="1" latinLnBrk="0" hangingPunct="1">
-        <a:defRPr sz="1800" kern="1200">
+      <a:lvl7pPr marL="2743200" algn="l" rtl="0" eaLnBrk="1" latinLnBrk="0" hangingPunct="1">
+        <a:defRPr kumimoji="0" kern="1200">
           <a:solidFill>
             <a:schemeClr val="tx1"/>
           </a:solidFill>
@@ -3017,8 +5018,8 @@
           <a:cs typeface="+mn-cs"/>
         </a:defRPr>
       </a:lvl7pPr>
-      <a:lvl8pPr marL="3200400" algn="l" defTabSz="914400" rtl="0" eaLnBrk="1" latinLnBrk="0" hangingPunct="1">
-        <a:defRPr sz="1800" kern="1200">
+      <a:lvl8pPr marL="3200400" algn="l" rtl="0" eaLnBrk="1" latinLnBrk="0" hangingPunct="1">
+        <a:defRPr kumimoji="0" kern="1200">
           <a:solidFill>
             <a:schemeClr val="tx1"/>
           </a:solidFill>
@@ -3027,8 +5028,8 @@
           <a:cs typeface="+mn-cs"/>
         </a:defRPr>
       </a:lvl8pPr>
-      <a:lvl9pPr marL="3657600" algn="l" defTabSz="914400" rtl="0" eaLnBrk="1" latinLnBrk="0" hangingPunct="1">
-        <a:defRPr sz="1800" kern="1200">
+      <a:lvl9pPr marL="3657600" algn="l" rtl="0" eaLnBrk="1" latinLnBrk="0" hangingPunct="1">
+        <a:defRPr kumimoji="0" kern="1200">
           <a:solidFill>
             <a:schemeClr val="tx1"/>
           </a:solidFill>
@@ -3037,6 +5038,7 @@
           <a:cs typeface="+mn-cs"/>
         </a:defRPr>
       </a:lvl9pPr>
+      <a:extLst/>
     </p:otherStyle>
   </p:txStyles>
 </p:sldMaster>
@@ -3069,20 +5071,22 @@
             <p:ph type="ctrTitle"/>
           </p:nvPr>
         </p:nvSpPr>
-        <p:spPr/>
+        <p:spPr>
+          <a:xfrm>
+            <a:off x="685800" y="1447800"/>
+            <a:ext cx="7772400" cy="1829761"/>
+          </a:xfrm>
+        </p:spPr>
         <p:txBody>
           <a:bodyPr/>
           <a:lstStyle/>
           <a:p>
+            <a:pPr algn="ctr"/>
             <a:r>
               <a:rPr lang="en-US" dirty="0" smtClean="0"/>
-              <a:t>Sign </a:t>
-            </a:r>
-            <a:r>
-              <a:rPr lang="en-US" smtClean="0"/>
-              <a:t>Language Recognition</a:t>
-            </a:r>
-            <a:endParaRPr lang="en-US"/>
+              <a:t>Sign Language Recognition</a:t>
+            </a:r>
+            <a:endParaRPr lang="en-US" dirty="0"/>
           </a:p>
         </p:txBody>
       </p:sp>
@@ -3094,6 +5098,71 @@
           </p:cNvSpPr>
           <p:nvPr>
             <p:ph type="subTitle" idx="1"/>
+          </p:nvPr>
+        </p:nvSpPr>
+        <p:spPr/>
+        <p:txBody>
+          <a:bodyPr>
+            <a:normAutofit fontScale="92500" lnSpcReduction="20000"/>
+          </a:bodyPr>
+          <a:lstStyle/>
+          <a:p>
+            <a:pPr algn="ctr"/>
+            <a:r>
+              <a:rPr lang="en-US" dirty="0" smtClean="0"/>
+              <a:t>Wei Dang</a:t>
+            </a:r>
+          </a:p>
+          <a:p>
+            <a:pPr algn="ctr"/>
+            <a:r>
+              <a:rPr lang="en-US" dirty="0" smtClean="0"/>
+              <a:t>Kevin Ellsworth</a:t>
+            </a:r>
+          </a:p>
+          <a:p>
+            <a:pPr algn="ctr"/>
+            <a:r>
+              <a:rPr lang="en-US" dirty="0" smtClean="0"/>
+              <a:t>Cory Shirts</a:t>
+            </a:r>
+            <a:endParaRPr lang="en-US" dirty="0" smtClean="0"/>
+          </a:p>
+        </p:txBody>
+      </p:sp>
+    </p:spTree>
+  </p:cSld>
+  <p:clrMapOvr>
+    <a:masterClrMapping/>
+  </p:clrMapOvr>
+</p:sld>
+</file>
+
+<file path=ppt/slides/slide2.xml><?xml version="1.0" encoding="utf-8"?>
+<p:sld xmlns:a="http://schemas.openxmlformats.org/drawingml/2006/main" xmlns:r="http://schemas.openxmlformats.org/officeDocument/2006/relationships" xmlns:p="http://schemas.openxmlformats.org/presentationml/2006/main">
+  <p:cSld>
+    <p:spTree>
+      <p:nvGrpSpPr>
+        <p:cNvPr id="1" name=""/>
+        <p:cNvGrpSpPr/>
+        <p:nvPr/>
+      </p:nvGrpSpPr>
+      <p:grpSpPr>
+        <a:xfrm>
+          <a:off x="0" y="0"/>
+          <a:ext cx="0" cy="0"/>
+          <a:chOff x="0" y="0"/>
+          <a:chExt cx="0" cy="0"/>
+        </a:xfrm>
+      </p:grpSpPr>
+      <p:sp>
+        <p:nvSpPr>
+          <p:cNvPr id="2" name="Content Placeholder 1"/>
+          <p:cNvSpPr>
+            <a:spLocks noGrp="1"/>
+          </p:cNvSpPr>
+          <p:nvPr>
+            <p:ph idx="1"/>
           </p:nvPr>
         </p:nvSpPr>
         <p:spPr/>
@@ -3101,7 +5170,317 @@
           <a:bodyPr/>
           <a:lstStyle/>
           <a:p>
+            <a:r>
+              <a:rPr lang="en-US" dirty="0" smtClean="0"/>
+              <a:t>Goal: have a user interface to allow user text input using sign language</a:t>
+            </a:r>
+            <a:endParaRPr lang="en-US" dirty="0" smtClean="0"/>
+          </a:p>
+          <a:p>
+            <a:pPr lvl="1"/>
+            <a:r>
+              <a:rPr lang="en-US" dirty="0" smtClean="0"/>
+              <a:t>User interface</a:t>
+            </a:r>
+          </a:p>
+          <a:p>
+            <a:pPr lvl="1"/>
+            <a:endParaRPr lang="en-US" dirty="0" smtClean="0"/>
+          </a:p>
+          <a:p>
+            <a:pPr lvl="1"/>
+            <a:r>
+              <a:rPr lang="en-US" dirty="0" smtClean="0"/>
+              <a:t>Development of the algorithm</a:t>
+            </a:r>
+          </a:p>
+          <a:p>
+            <a:pPr lvl="1"/>
+            <a:endParaRPr lang="en-US" dirty="0" smtClean="0"/>
+          </a:p>
+          <a:p>
+            <a:pPr lvl="1"/>
+            <a:r>
+              <a:rPr lang="en-US" dirty="0" smtClean="0"/>
+              <a:t>Demonstration</a:t>
+            </a:r>
+            <a:endParaRPr lang="en-US" dirty="0"/>
+          </a:p>
+        </p:txBody>
+      </p:sp>
+      <p:sp>
+        <p:nvSpPr>
+          <p:cNvPr id="3" name="Title 2"/>
+          <p:cNvSpPr>
+            <a:spLocks noGrp="1"/>
+          </p:cNvSpPr>
+          <p:nvPr>
+            <p:ph type="title"/>
+          </p:nvPr>
+        </p:nvSpPr>
+        <p:spPr/>
+        <p:txBody>
+          <a:bodyPr/>
+          <a:lstStyle/>
+          <a:p>
+            <a:r>
+              <a:rPr lang="en-US" dirty="0" smtClean="0"/>
+              <a:t>Overview</a:t>
+            </a:r>
+            <a:endParaRPr lang="en-US" dirty="0"/>
+          </a:p>
+        </p:txBody>
+      </p:sp>
+    </p:spTree>
+  </p:cSld>
+  <p:clrMapOvr>
+    <a:masterClrMapping/>
+  </p:clrMapOvr>
+</p:sld>
+</file>
+
+<file path=ppt/slides/slide3.xml><?xml version="1.0" encoding="utf-8"?>
+<p:sld xmlns:a="http://schemas.openxmlformats.org/drawingml/2006/main" xmlns:r="http://schemas.openxmlformats.org/officeDocument/2006/relationships" xmlns:p="http://schemas.openxmlformats.org/presentationml/2006/main">
+  <p:cSld>
+    <p:spTree>
+      <p:nvGrpSpPr>
+        <p:cNvPr id="1" name=""/>
+        <p:cNvGrpSpPr/>
+        <p:nvPr/>
+      </p:nvGrpSpPr>
+      <p:grpSpPr>
+        <a:xfrm>
+          <a:off x="0" y="0"/>
+          <a:ext cx="0" cy="0"/>
+          <a:chOff x="0" y="0"/>
+          <a:chExt cx="0" cy="0"/>
+        </a:xfrm>
+      </p:grpSpPr>
+      <p:sp>
+        <p:nvSpPr>
+          <p:cNvPr id="2" name="Content Placeholder 1"/>
+          <p:cNvSpPr>
+            <a:spLocks noGrp="1"/>
+          </p:cNvSpPr>
+          <p:nvPr>
+            <p:ph idx="1"/>
+          </p:nvPr>
+        </p:nvSpPr>
+        <p:spPr/>
+        <p:txBody>
+          <a:bodyPr/>
+          <a:lstStyle/>
+          <a:p>
+            <a:r>
+              <a:rPr lang="en-US" dirty="0" smtClean="0"/>
+              <a:t>Include screenshot,</a:t>
+            </a:r>
+            <a:endParaRPr lang="en-US" dirty="0"/>
+          </a:p>
+        </p:txBody>
+      </p:sp>
+      <p:sp>
+        <p:nvSpPr>
+          <p:cNvPr id="3" name="Title 2"/>
+          <p:cNvSpPr>
+            <a:spLocks noGrp="1"/>
+          </p:cNvSpPr>
+          <p:nvPr>
+            <p:ph type="title"/>
+          </p:nvPr>
+        </p:nvSpPr>
+        <p:spPr/>
+        <p:txBody>
+          <a:bodyPr/>
+          <a:lstStyle/>
+          <a:p>
+            <a:r>
+              <a:rPr lang="en-US" dirty="0" smtClean="0"/>
+              <a:t>The User Interface</a:t>
+            </a:r>
+            <a:endParaRPr lang="en-US" dirty="0"/>
+          </a:p>
+        </p:txBody>
+      </p:sp>
+    </p:spTree>
+  </p:cSld>
+  <p:clrMapOvr>
+    <a:masterClrMapping/>
+  </p:clrMapOvr>
+</p:sld>
+</file>
+
+<file path=ppt/slides/slide4.xml><?xml version="1.0" encoding="utf-8"?>
+<p:sld xmlns:a="http://schemas.openxmlformats.org/drawingml/2006/main" xmlns:r="http://schemas.openxmlformats.org/officeDocument/2006/relationships" xmlns:p="http://schemas.openxmlformats.org/presentationml/2006/main">
+  <p:cSld>
+    <p:spTree>
+      <p:nvGrpSpPr>
+        <p:cNvPr id="1" name=""/>
+        <p:cNvGrpSpPr/>
+        <p:nvPr/>
+      </p:nvGrpSpPr>
+      <p:grpSpPr>
+        <a:xfrm>
+          <a:off x="0" y="0"/>
+          <a:ext cx="0" cy="0"/>
+          <a:chOff x="0" y="0"/>
+          <a:chExt cx="0" cy="0"/>
+        </a:xfrm>
+      </p:grpSpPr>
+      <p:sp>
+        <p:nvSpPr>
+          <p:cNvPr id="2" name="Content Placeholder 1"/>
+          <p:cNvSpPr>
+            <a:spLocks noGrp="1"/>
+          </p:cNvSpPr>
+          <p:nvPr>
+            <p:ph idx="1"/>
+          </p:nvPr>
+        </p:nvSpPr>
+        <p:spPr/>
+        <p:txBody>
+          <a:bodyPr/>
+          <a:lstStyle/>
+          <a:p>
+            <a:r>
+              <a:rPr lang="en-US" dirty="0" smtClean="0"/>
+              <a:t>Perform </a:t>
+            </a:r>
+            <a:r>
+              <a:rPr lang="en-US" dirty="0" err="1" smtClean="0"/>
+              <a:t>thresholding</a:t>
+            </a:r>
+            <a:r>
+              <a:rPr lang="en-US" dirty="0" smtClean="0"/>
+              <a:t> on a small ROI (maybe a block diagram here would be better)</a:t>
+            </a:r>
+          </a:p>
+          <a:p>
+            <a:endParaRPr lang="en-US" dirty="0" smtClean="0"/>
+          </a:p>
+          <a:p>
+            <a:r>
+              <a:rPr lang="en-US" dirty="0" smtClean="0"/>
+              <a:t>Match </a:t>
+            </a:r>
+            <a:r>
+              <a:rPr lang="en-US" dirty="0" err="1" smtClean="0"/>
+              <a:t>thresholded</a:t>
+            </a:r>
+            <a:r>
+              <a:rPr lang="en-US" dirty="0" smtClean="0"/>
+              <a:t> templates to this ROI</a:t>
+            </a:r>
+          </a:p>
+          <a:p>
+            <a:endParaRPr lang="en-US" dirty="0" smtClean="0"/>
+          </a:p>
+          <a:p>
+            <a:r>
+              <a:rPr lang="en-US" dirty="0" smtClean="0"/>
+              <a:t>Return the best match or average from a set of templates</a:t>
+            </a:r>
+          </a:p>
+          <a:p>
+            <a:endParaRPr lang="en-US" dirty="0" smtClean="0"/>
+          </a:p>
+          <a:p>
+            <a:r>
+              <a:rPr lang="en-US" dirty="0" smtClean="0"/>
+              <a:t>Result: did not fit well with similar signs</a:t>
+            </a:r>
+            <a:endParaRPr lang="en-US" dirty="0"/>
+          </a:p>
+        </p:txBody>
+      </p:sp>
+      <p:sp>
+        <p:nvSpPr>
+          <p:cNvPr id="3" name="Title 2"/>
+          <p:cNvSpPr>
+            <a:spLocks noGrp="1"/>
+          </p:cNvSpPr>
+          <p:nvPr>
+            <p:ph type="title"/>
+          </p:nvPr>
+        </p:nvSpPr>
+        <p:spPr/>
+        <p:txBody>
+          <a:bodyPr>
+            <a:normAutofit fontScale="90000"/>
+          </a:bodyPr>
+          <a:lstStyle/>
+          <a:p>
+            <a:r>
+              <a:rPr lang="en-US" dirty="0" smtClean="0"/>
+              <a:t>Initial Algorithm</a:t>
+            </a:r>
+            <a:br>
+              <a:rPr lang="en-US" dirty="0" smtClean="0"/>
+            </a:br>
+            <a:endParaRPr lang="en-US" dirty="0"/>
+          </a:p>
+        </p:txBody>
+      </p:sp>
+    </p:spTree>
+  </p:cSld>
+  <p:clrMapOvr>
+    <a:masterClrMapping/>
+  </p:clrMapOvr>
+</p:sld>
+</file>
+
+<file path=ppt/slides/slide5.xml><?xml version="1.0" encoding="utf-8"?>
+<p:sld xmlns:a="http://schemas.openxmlformats.org/drawingml/2006/main" xmlns:r="http://schemas.openxmlformats.org/officeDocument/2006/relationships" xmlns:p="http://schemas.openxmlformats.org/presentationml/2006/main">
+  <p:cSld>
+    <p:spTree>
+      <p:nvGrpSpPr>
+        <p:cNvPr id="1" name=""/>
+        <p:cNvGrpSpPr/>
+        <p:nvPr/>
+      </p:nvGrpSpPr>
+      <p:grpSpPr>
+        <a:xfrm>
+          <a:off x="0" y="0"/>
+          <a:ext cx="0" cy="0"/>
+          <a:chOff x="0" y="0"/>
+          <a:chExt cx="0" cy="0"/>
+        </a:xfrm>
+      </p:grpSpPr>
+      <p:sp>
+        <p:nvSpPr>
+          <p:cNvPr id="2" name="Content Placeholder 1"/>
+          <p:cNvSpPr>
+            <a:spLocks noGrp="1"/>
+          </p:cNvSpPr>
+          <p:nvPr>
+            <p:ph idx="1"/>
+          </p:nvPr>
+        </p:nvSpPr>
+        <p:spPr/>
+        <p:txBody>
+          <a:bodyPr/>
+          <a:lstStyle/>
+          <a:p>
             <a:endParaRPr lang="en-US"/>
+          </a:p>
+        </p:txBody>
+      </p:sp>
+      <p:sp>
+        <p:nvSpPr>
+          <p:cNvPr id="3" name="Title 2"/>
+          <p:cNvSpPr>
+            <a:spLocks noGrp="1"/>
+          </p:cNvSpPr>
+          <p:nvPr>
+            <p:ph type="title"/>
+          </p:nvPr>
+        </p:nvSpPr>
+        <p:spPr/>
+        <p:txBody>
+          <a:bodyPr/>
+          <a:lstStyle/>
+          <a:p>
+            <a:endParaRPr lang="en-US" dirty="0"/>
           </a:p>
         </p:txBody>
       </p:sp>
@@ -3114,6 +5493,291 @@
 </file>
 
 <file path=ppt/theme/theme1.xml><?xml version="1.0" encoding="utf-8"?>
+<a:theme xmlns:a="http://schemas.openxmlformats.org/drawingml/2006/main" name="Concourse">
+  <a:themeElements>
+    <a:clrScheme name="Concourse">
+      <a:dk1>
+        <a:sysClr val="windowText" lastClr="000000"/>
+      </a:dk1>
+      <a:lt1>
+        <a:sysClr val="window" lastClr="FFFFFF"/>
+      </a:lt1>
+      <a:dk2>
+        <a:srgbClr val="464646"/>
+      </a:dk2>
+      <a:lt2>
+        <a:srgbClr val="DEF5FA"/>
+      </a:lt2>
+      <a:accent1>
+        <a:srgbClr val="2DA2BF"/>
+      </a:accent1>
+      <a:accent2>
+        <a:srgbClr val="DA1F28"/>
+      </a:accent2>
+      <a:accent3>
+        <a:srgbClr val="EB641B"/>
+      </a:accent3>
+      <a:accent4>
+        <a:srgbClr val="39639D"/>
+      </a:accent4>
+      <a:accent5>
+        <a:srgbClr val="474B78"/>
+      </a:accent5>
+      <a:accent6>
+        <a:srgbClr val="7D3C4A"/>
+      </a:accent6>
+      <a:hlink>
+        <a:srgbClr val="FF8119"/>
+      </a:hlink>
+      <a:folHlink>
+        <a:srgbClr val="44B9E8"/>
+      </a:folHlink>
+    </a:clrScheme>
+    <a:fontScheme name="Concourse">
+      <a:majorFont>
+        <a:latin typeface="Lucida Sans Unicode"/>
+        <a:ea typeface=""/>
+        <a:cs typeface=""/>
+        <a:font script="Jpan" typeface="ＭＳ Ｐゴシック"/>
+        <a:font script="Hang" typeface="맑은 고딕"/>
+        <a:font script="Hans" typeface="黑体"/>
+        <a:font script="Hant" typeface="微軟正黑體"/>
+        <a:font script="Arab" typeface="Arial"/>
+        <a:font script="Hebr" typeface="Arial"/>
+        <a:font script="Thai" typeface="Cordia New"/>
+        <a:font script="Ethi" typeface="Nyala"/>
+        <a:font script="Beng" typeface="Vrinda"/>
+        <a:font script="Gujr" typeface="Shruti"/>
+        <a:font script="Khmr" typeface="DaunPenh"/>
+        <a:font script="Knda" typeface="Tunga"/>
+        <a:font script="Guru" typeface="Raavi"/>
+        <a:font script="Cans" typeface="Euphemia"/>
+        <a:font script="Cher" typeface="Plantagenet Cherokee"/>
+        <a:font script="Yiii" typeface="Microsoft Yi Baiti"/>
+        <a:font script="Tibt" typeface="Microsoft Himalaya"/>
+        <a:font script="Thaa" typeface="MV Boli"/>
+        <a:font script="Deva" typeface="Mangal"/>
+        <a:font script="Telu" typeface="Gautami"/>
+        <a:font script="Taml" typeface="Latha"/>
+        <a:font script="Syrc" typeface="Estrangelo Edessa"/>
+        <a:font script="Orya" typeface="Kalinga"/>
+        <a:font script="Mlym" typeface="Kartika"/>
+        <a:font script="Laoo" typeface="DokChampa"/>
+        <a:font script="Sinh" typeface="Iskoola Pota"/>
+        <a:font script="Mong" typeface="Mongolian Baiti"/>
+        <a:font script="Uigh" typeface="Microsoft Uighur"/>
+      </a:majorFont>
+      <a:minorFont>
+        <a:latin typeface="Lucida Sans Unicode"/>
+        <a:ea typeface=""/>
+        <a:cs typeface=""/>
+        <a:font script="Jpan" typeface="ＭＳ Ｐゴシック"/>
+        <a:font script="Hang" typeface="맑은 고딕"/>
+        <a:font script="Hans" typeface="黑体"/>
+        <a:font script="Hant" typeface="微軟正黑體"/>
+        <a:font script="Arab" typeface="Arial"/>
+        <a:font script="Hebr" typeface="Arial"/>
+        <a:font script="Thai" typeface="Cordia New"/>
+        <a:font script="Ethi" typeface="Nyala"/>
+        <a:font script="Beng" typeface="Vrinda"/>
+        <a:font script="Gujr" typeface="Shruti"/>
+        <a:font script="Khmr" typeface="DaunPenh"/>
+        <a:font script="Knda" typeface="Tunga"/>
+        <a:font script="Guru" typeface="Raavi"/>
+        <a:font script="Cans" typeface="Euphemia"/>
+        <a:font script="Cher" typeface="Plantagenet Cherokee"/>
+        <a:font script="Yiii" typeface="Microsoft Yi Baiti"/>
+        <a:font script="Tibt" typeface="Microsoft Himalaya"/>
+        <a:font script="Thaa" typeface="MV Boli"/>
+        <a:font script="Deva" typeface="Mangal"/>
+        <a:font script="Telu" typeface="Gautami"/>
+        <a:font script="Taml" typeface="Latha"/>
+        <a:font script="Syrc" typeface="Estrangelo Edessa"/>
+        <a:font script="Orya" typeface="Kalinga"/>
+        <a:font script="Mlym" typeface="Kartika"/>
+        <a:font script="Laoo" typeface="DokChampa"/>
+        <a:font script="Sinh" typeface="Iskoola Pota"/>
+        <a:font script="Mong" typeface="Mongolian Baiti"/>
+        <a:font script="Uigh" typeface="Microsoft Uighur"/>
+      </a:minorFont>
+    </a:fontScheme>
+    <a:fmtScheme name="Concourse">
+      <a:fillStyleLst>
+        <a:solidFill>
+          <a:schemeClr val="phClr"/>
+        </a:solidFill>
+        <a:gradFill rotWithShape="1">
+          <a:gsLst>
+            <a:gs pos="0">
+              <a:schemeClr val="phClr">
+                <a:tint val="62000"/>
+                <a:satMod val="180000"/>
+              </a:schemeClr>
+            </a:gs>
+            <a:gs pos="65000">
+              <a:schemeClr val="phClr">
+                <a:tint val="32000"/>
+                <a:satMod val="250000"/>
+              </a:schemeClr>
+            </a:gs>
+            <a:gs pos="100000">
+              <a:schemeClr val="phClr">
+                <a:tint val="23000"/>
+                <a:satMod val="300000"/>
+              </a:schemeClr>
+            </a:gs>
+          </a:gsLst>
+          <a:lin ang="16200000" scaled="0"/>
+        </a:gradFill>
+        <a:gradFill rotWithShape="1">
+          <a:gsLst>
+            <a:gs pos="0">
+              <a:schemeClr val="phClr">
+                <a:shade val="15000"/>
+                <a:satMod val="180000"/>
+              </a:schemeClr>
+            </a:gs>
+            <a:gs pos="50000">
+              <a:schemeClr val="phClr">
+                <a:shade val="45000"/>
+                <a:satMod val="170000"/>
+              </a:schemeClr>
+            </a:gs>
+            <a:gs pos="70000">
+              <a:schemeClr val="phClr">
+                <a:tint val="99000"/>
+                <a:shade val="65000"/>
+                <a:satMod val="155000"/>
+              </a:schemeClr>
+            </a:gs>
+            <a:gs pos="100000">
+              <a:schemeClr val="phClr">
+                <a:tint val="95500"/>
+                <a:shade val="100000"/>
+                <a:satMod val="155000"/>
+              </a:schemeClr>
+            </a:gs>
+          </a:gsLst>
+          <a:lin ang="16200000" scaled="0"/>
+        </a:gradFill>
+      </a:fillStyleLst>
+      <a:lnStyleLst>
+        <a:ln w="9525" cap="flat" cmpd="sng" algn="ctr">
+          <a:solidFill>
+            <a:schemeClr val="phClr"/>
+          </a:solidFill>
+          <a:prstDash val="solid"/>
+        </a:ln>
+        <a:ln w="55000" cap="flat" cmpd="thickThin" algn="ctr">
+          <a:solidFill>
+            <a:schemeClr val="phClr"/>
+          </a:solidFill>
+          <a:prstDash val="solid"/>
+        </a:ln>
+        <a:ln w="63500" cap="flat" cmpd="thickThin" algn="ctr">
+          <a:solidFill>
+            <a:schemeClr val="phClr"/>
+          </a:solidFill>
+          <a:prstDash val="solid"/>
+        </a:ln>
+      </a:lnStyleLst>
+      <a:effectStyleLst>
+        <a:effectStyle>
+          <a:effectLst>
+            <a:outerShdw blurRad="50800" dist="38100" dir="5400000" rotWithShape="0">
+              <a:srgbClr val="000000">
+                <a:alpha val="35000"/>
+              </a:srgbClr>
+            </a:outerShdw>
+          </a:effectLst>
+        </a:effectStyle>
+        <a:effectStyle>
+          <a:effectLst>
+            <a:outerShdw blurRad="50800" dist="38100" dir="5400000" rotWithShape="0">
+              <a:srgbClr val="000000">
+                <a:alpha val="35000"/>
+              </a:srgbClr>
+            </a:outerShdw>
+          </a:effectLst>
+        </a:effectStyle>
+        <a:effectStyle>
+          <a:effectLst>
+            <a:outerShdw blurRad="63500" dist="38100" dir="5400000" rotWithShape="0">
+              <a:srgbClr val="000000">
+                <a:alpha val="45000"/>
+              </a:srgbClr>
+            </a:outerShdw>
+          </a:effectLst>
+          <a:scene3d>
+            <a:camera prst="orthographicFront" fov="0">
+              <a:rot lat="0" lon="0" rev="0"/>
+            </a:camera>
+            <a:lightRig rig="glow" dir="t">
+              <a:rot lat="0" lon="0" rev="6360000"/>
+            </a:lightRig>
+          </a:scene3d>
+          <a:sp3d contourW="1000" prstMaterial="flat">
+            <a:bevelT w="95250" h="101600"/>
+            <a:contourClr>
+              <a:schemeClr val="phClr">
+                <a:satMod val="300000"/>
+              </a:schemeClr>
+            </a:contourClr>
+          </a:sp3d>
+        </a:effectStyle>
+      </a:effectStyleLst>
+      <a:bgFillStyleLst>
+        <a:solidFill>
+          <a:schemeClr val="phClr"/>
+        </a:solidFill>
+        <a:gradFill rotWithShape="1">
+          <a:gsLst>
+            <a:gs pos="0">
+              <a:schemeClr val="phClr">
+                <a:tint val="55000"/>
+                <a:satMod val="300000"/>
+              </a:schemeClr>
+            </a:gs>
+            <a:gs pos="40000">
+              <a:schemeClr val="phClr">
+                <a:tint val="65000"/>
+                <a:satMod val="300000"/>
+              </a:schemeClr>
+            </a:gs>
+            <a:gs pos="100000">
+              <a:schemeClr val="phClr">
+                <a:shade val="65000"/>
+                <a:satMod val="300000"/>
+              </a:schemeClr>
+            </a:gs>
+          </a:gsLst>
+          <a:path path="circle">
+            <a:fillToRect l="65000" b="98000"/>
+          </a:path>
+        </a:gradFill>
+        <a:blipFill>
+          <a:blip xmlns:r="http://schemas.openxmlformats.org/officeDocument/2006/relationships" r:embed="rId1">
+            <a:duotone>
+              <a:schemeClr val="phClr">
+                <a:shade val="60000"/>
+                <a:satMod val="110000"/>
+              </a:schemeClr>
+              <a:schemeClr val="phClr">
+                <a:tint val="95000"/>
+              </a:schemeClr>
+            </a:duotone>
+          </a:blip>
+          <a:tile tx="0" ty="0" sx="50000" sy="50000" flip="none" algn="tl"/>
+        </a:blipFill>
+      </a:bgFillStyleLst>
+    </a:fmtScheme>
+  </a:themeElements>
+  <a:objectDefaults/>
+  <a:extraClrSchemeLst/>
+</a:theme>
+</file>
+
+<file path=ppt/theme/theme2.xml><?xml version="1.0" encoding="utf-8"?>
 <a:theme xmlns:a="http://schemas.openxmlformats.org/drawingml/2006/main" name="Office Theme">
   <a:themeElements>
     <a:clrScheme name="Office">

--- a/Winter2011/Presentation/Project Presentation.pptx
+++ b/Winter2011/Presentation/Project Presentation.pptx
@@ -196,7 +196,8 @@
           <a:p>
             <a:fld id="{7337E328-3B00-480B-87D5-0C6EF7B3B765}" type="datetimeFigureOut">
               <a:rPr lang="en-US" smtClean="0"/>
-              <a:t>4/9/2011</a:t>
+              <a:pPr/>
+              <a:t>4/10/2011</a:t>
             </a:fld>
             <a:endParaRPr lang="en-US"/>
           </a:p>
@@ -357,6 +358,7 @@
           <a:p>
             <a:fld id="{9431258F-3015-4216-AF57-F283CBD0DFF5}" type="slidenum">
               <a:rPr lang="en-US" smtClean="0"/>
+              <a:pPr/>
               <a:t>‹#›</a:t>
             </a:fld>
             <a:endParaRPr lang="en-US"/>
@@ -540,6 +542,7 @@
           <a:p>
             <a:fld id="{9431258F-3015-4216-AF57-F283CBD0DFF5}" type="slidenum">
               <a:rPr lang="en-US" smtClean="0"/>
+              <a:pPr/>
               <a:t>3</a:t>
             </a:fld>
             <a:endParaRPr lang="en-US"/>
@@ -1180,7 +1183,7 @@
             <a:fld id="{1D8BD707-D9CF-40AE-B4C6-C98DA3205C09}" type="datetimeFigureOut">
               <a:rPr lang="en-US" smtClean="0"/>
               <a:pPr/>
-              <a:t>4/9/2011</a:t>
+              <a:t>4/10/2011</a:t>
             </a:fld>
             <a:endParaRPr lang="en-US"/>
           </a:p>
@@ -1378,7 +1381,7 @@
             <a:fld id="{1D8BD707-D9CF-40AE-B4C6-C98DA3205C09}" type="datetimeFigureOut">
               <a:rPr lang="en-US" smtClean="0"/>
               <a:pPr/>
-              <a:t>4/9/2011</a:t>
+              <a:t>4/10/2011</a:t>
             </a:fld>
             <a:endParaRPr lang="en-US"/>
           </a:p>
@@ -1565,7 +1568,7 @@
             <a:fld id="{1D8BD707-D9CF-40AE-B4C6-C98DA3205C09}" type="datetimeFigureOut">
               <a:rPr lang="en-US" smtClean="0"/>
               <a:pPr/>
-              <a:t>4/9/2011</a:t>
+              <a:t>4/10/2011</a:t>
             </a:fld>
             <a:endParaRPr lang="en-US"/>
           </a:p>
@@ -1717,7 +1720,7 @@
             <a:fld id="{1D8BD707-D9CF-40AE-B4C6-C98DA3205C09}" type="datetimeFigureOut">
               <a:rPr lang="en-US" smtClean="0"/>
               <a:pPr/>
-              <a:t>4/9/2011</a:t>
+              <a:t>4/10/2011</a:t>
             </a:fld>
             <a:endParaRPr lang="en-US"/>
           </a:p>
@@ -1974,7 +1977,7 @@
             <a:fld id="{1D8BD707-D9CF-40AE-B4C6-C98DA3205C09}" type="datetimeFigureOut">
               <a:rPr lang="en-US" smtClean="0"/>
               <a:pPr/>
-              <a:t>4/9/2011</a:t>
+              <a:t>4/10/2011</a:t>
             </a:fld>
             <a:endParaRPr lang="en-US"/>
           </a:p>
@@ -2385,7 +2388,7 @@
             <a:fld id="{1D8BD707-D9CF-40AE-B4C6-C98DA3205C09}" type="datetimeFigureOut">
               <a:rPr lang="en-US" smtClean="0"/>
               <a:pPr/>
-              <a:t>4/9/2011</a:t>
+              <a:t>4/10/2011</a:t>
             </a:fld>
             <a:endParaRPr lang="en-US"/>
           </a:p>
@@ -2833,7 +2836,7 @@
             <a:fld id="{1D8BD707-D9CF-40AE-B4C6-C98DA3205C09}" type="datetimeFigureOut">
               <a:rPr lang="en-US" smtClean="0"/>
               <a:pPr/>
-              <a:t>4/9/2011</a:t>
+              <a:t>4/10/2011</a:t>
             </a:fld>
             <a:endParaRPr lang="en-US"/>
           </a:p>
@@ -2936,7 +2939,7 @@
             <a:fld id="{1D8BD707-D9CF-40AE-B4C6-C98DA3205C09}" type="datetimeFigureOut">
               <a:rPr lang="en-US" smtClean="0"/>
               <a:pPr/>
-              <a:t>4/9/2011</a:t>
+              <a:t>4/10/2011</a:t>
             </a:fld>
             <a:endParaRPr lang="en-US"/>
           </a:p>
@@ -3059,7 +3062,7 @@
             <a:fld id="{1D8BD707-D9CF-40AE-B4C6-C98DA3205C09}" type="datetimeFigureOut">
               <a:rPr lang="en-US" smtClean="0"/>
               <a:pPr/>
-              <a:t>4/9/2011</a:t>
+              <a:t>4/10/2011</a:t>
             </a:fld>
             <a:endParaRPr lang="en-US"/>
           </a:p>
@@ -3335,7 +3338,7 @@
             <a:fld id="{1D8BD707-D9CF-40AE-B4C6-C98DA3205C09}" type="datetimeFigureOut">
               <a:rPr lang="en-US" smtClean="0"/>
               <a:pPr/>
-              <a:t>4/9/2011</a:t>
+              <a:t>4/10/2011</a:t>
             </a:fld>
             <a:endParaRPr lang="en-US"/>
           </a:p>
@@ -3542,7 +3545,7 @@
             <a:fld id="{1D8BD707-D9CF-40AE-B4C6-C98DA3205C09}" type="datetimeFigureOut">
               <a:rPr lang="en-US" smtClean="0"/>
               <a:pPr/>
-              <a:t>4/9/2011</a:t>
+              <a:t>4/10/2011</a:t>
             </a:fld>
             <a:endParaRPr lang="en-US"/>
           </a:p>
@@ -4653,7 +4656,7 @@
             <a:fld id="{1D8BD707-D9CF-40AE-B4C6-C98DA3205C09}" type="datetimeFigureOut">
               <a:rPr lang="en-US" smtClean="0"/>
               <a:pPr/>
-              <a:t>4/9/2011</a:t>
+              <a:t>4/10/2011</a:t>
             </a:fld>
             <a:endParaRPr lang="en-US"/>
           </a:p>
@@ -5126,7 +5129,6 @@
               <a:rPr lang="en-US" dirty="0" smtClean="0"/>
               <a:t>Cory Shirts</a:t>
             </a:r>
-            <a:endParaRPr lang="en-US" dirty="0" smtClean="0"/>
           </a:p>
         </p:txBody>
       </p:sp>
@@ -5174,7 +5176,6 @@
               <a:rPr lang="en-US" dirty="0" smtClean="0"/>
               <a:t>Goal: have a user interface to allow user text input using sign language</a:t>
             </a:r>
-            <a:endParaRPr lang="en-US" dirty="0" smtClean="0"/>
           </a:p>
           <a:p>
             <a:pPr lvl="1"/>
@@ -5329,72 +5330,6 @@
       </p:grpSpPr>
       <p:sp>
         <p:nvSpPr>
-          <p:cNvPr id="2" name="Content Placeholder 1"/>
-          <p:cNvSpPr>
-            <a:spLocks noGrp="1"/>
-          </p:cNvSpPr>
-          <p:nvPr>
-            <p:ph idx="1"/>
-          </p:nvPr>
-        </p:nvSpPr>
-        <p:spPr/>
-        <p:txBody>
-          <a:bodyPr/>
-          <a:lstStyle/>
-          <a:p>
-            <a:r>
-              <a:rPr lang="en-US" dirty="0" smtClean="0"/>
-              <a:t>Perform </a:t>
-            </a:r>
-            <a:r>
-              <a:rPr lang="en-US" dirty="0" err="1" smtClean="0"/>
-              <a:t>thresholding</a:t>
-            </a:r>
-            <a:r>
-              <a:rPr lang="en-US" dirty="0" smtClean="0"/>
-              <a:t> on a small ROI (maybe a block diagram here would be better)</a:t>
-            </a:r>
-          </a:p>
-          <a:p>
-            <a:endParaRPr lang="en-US" dirty="0" smtClean="0"/>
-          </a:p>
-          <a:p>
-            <a:r>
-              <a:rPr lang="en-US" dirty="0" smtClean="0"/>
-              <a:t>Match </a:t>
-            </a:r>
-            <a:r>
-              <a:rPr lang="en-US" dirty="0" err="1" smtClean="0"/>
-              <a:t>thresholded</a:t>
-            </a:r>
-            <a:r>
-              <a:rPr lang="en-US" dirty="0" smtClean="0"/>
-              <a:t> templates to this ROI</a:t>
-            </a:r>
-          </a:p>
-          <a:p>
-            <a:endParaRPr lang="en-US" dirty="0" smtClean="0"/>
-          </a:p>
-          <a:p>
-            <a:r>
-              <a:rPr lang="en-US" dirty="0" smtClean="0"/>
-              <a:t>Return the best match or average from a set of templates</a:t>
-            </a:r>
-          </a:p>
-          <a:p>
-            <a:endParaRPr lang="en-US" dirty="0" smtClean="0"/>
-          </a:p>
-          <a:p>
-            <a:r>
-              <a:rPr lang="en-US" dirty="0" smtClean="0"/>
-              <a:t>Result: did not fit well with similar signs</a:t>
-            </a:r>
-            <a:endParaRPr lang="en-US" dirty="0"/>
-          </a:p>
-        </p:txBody>
-      </p:sp>
-      <p:sp>
-        <p:nvSpPr>
           <p:cNvPr id="3" name="Title 2"/>
           <p:cNvSpPr>
             <a:spLocks noGrp="1"/>
@@ -5421,6 +5356,346 @@
           </a:p>
         </p:txBody>
       </p:sp>
+      <p:grpSp>
+        <p:nvGrpSpPr>
+          <p:cNvPr id="15" name="Group 14"/>
+          <p:cNvGrpSpPr/>
+          <p:nvPr/>
+        </p:nvGrpSpPr>
+        <p:grpSpPr>
+          <a:xfrm>
+            <a:off x="2286000" y="1138535"/>
+            <a:ext cx="4191000" cy="4728865"/>
+            <a:chOff x="2057400" y="990600"/>
+            <a:chExt cx="4191000" cy="4728865"/>
+          </a:xfrm>
+        </p:grpSpPr>
+        <p:sp>
+          <p:nvSpPr>
+            <p:cNvPr id="4" name="TextBox 3"/>
+            <p:cNvSpPr txBox="1"/>
+            <p:nvPr/>
+          </p:nvSpPr>
+          <p:spPr>
+            <a:xfrm>
+              <a:off x="2057400" y="3119735"/>
+              <a:ext cx="4191000" cy="461665"/>
+            </a:xfrm>
+            <a:prstGeom prst="rect">
+              <a:avLst/>
+            </a:prstGeom>
+            <a:noFill/>
+            <a:ln>
+              <a:solidFill>
+                <a:schemeClr val="tx1"/>
+              </a:solidFill>
+            </a:ln>
+          </p:spPr>
+          <p:txBody>
+            <a:bodyPr wrap="square" rtlCol="0">
+              <a:spAutoFit/>
+            </a:bodyPr>
+            <a:lstStyle/>
+            <a:p>
+              <a:r>
+                <a:rPr lang="en-US" sz="2400" dirty="0" err="1" smtClean="0"/>
+                <a:t>Thresholding</a:t>
+              </a:r>
+              <a:r>
+                <a:rPr lang="en-US" sz="2400" dirty="0" smtClean="0"/>
+                <a:t> on small ROI</a:t>
+              </a:r>
+              <a:endParaRPr lang="en-US" sz="2400" dirty="0"/>
+            </a:p>
+          </p:txBody>
+        </p:sp>
+        <p:sp>
+          <p:nvSpPr>
+            <p:cNvPr id="5" name="TextBox 4"/>
+            <p:cNvSpPr txBox="1"/>
+            <p:nvPr/>
+          </p:nvSpPr>
+          <p:spPr>
+            <a:xfrm>
+              <a:off x="2819400" y="4191000"/>
+              <a:ext cx="2743200" cy="461665"/>
+            </a:xfrm>
+            <a:prstGeom prst="rect">
+              <a:avLst/>
+            </a:prstGeom>
+            <a:noFill/>
+            <a:ln>
+              <a:solidFill>
+                <a:schemeClr val="tx1"/>
+              </a:solidFill>
+            </a:ln>
+          </p:spPr>
+          <p:txBody>
+            <a:bodyPr wrap="square" rtlCol="0">
+              <a:spAutoFit/>
+            </a:bodyPr>
+            <a:lstStyle/>
+            <a:p>
+              <a:pPr algn="ctr"/>
+              <a:r>
+                <a:rPr lang="en-US" sz="2400" dirty="0" smtClean="0"/>
+                <a:t>Match templates</a:t>
+              </a:r>
+              <a:endParaRPr lang="en-US" sz="2400" dirty="0"/>
+            </a:p>
+          </p:txBody>
+        </p:sp>
+        <p:sp>
+          <p:nvSpPr>
+            <p:cNvPr id="6" name="TextBox 5"/>
+            <p:cNvSpPr txBox="1"/>
+            <p:nvPr/>
+          </p:nvSpPr>
+          <p:spPr>
+            <a:xfrm>
+              <a:off x="2438400" y="5257800"/>
+              <a:ext cx="3429000" cy="461665"/>
+            </a:xfrm>
+            <a:prstGeom prst="rect">
+              <a:avLst/>
+            </a:prstGeom>
+            <a:noFill/>
+            <a:ln>
+              <a:solidFill>
+                <a:schemeClr val="tx1"/>
+              </a:solidFill>
+            </a:ln>
+          </p:spPr>
+          <p:txBody>
+            <a:bodyPr wrap="square" rtlCol="0">
+              <a:spAutoFit/>
+            </a:bodyPr>
+            <a:lstStyle/>
+            <a:p>
+              <a:pPr algn="ctr"/>
+              <a:r>
+                <a:rPr lang="en-US" sz="2400" dirty="0" smtClean="0"/>
+                <a:t>Get the best match</a:t>
+              </a:r>
+              <a:endParaRPr lang="en-US" sz="2400" dirty="0"/>
+            </a:p>
+          </p:txBody>
+        </p:sp>
+        <p:sp>
+          <p:nvSpPr>
+            <p:cNvPr id="7" name="TextBox 6"/>
+            <p:cNvSpPr txBox="1"/>
+            <p:nvPr/>
+          </p:nvSpPr>
+          <p:spPr>
+            <a:xfrm>
+              <a:off x="2819400" y="990600"/>
+              <a:ext cx="2590800" cy="461665"/>
+            </a:xfrm>
+            <a:prstGeom prst="rect">
+              <a:avLst/>
+            </a:prstGeom>
+            <a:noFill/>
+            <a:ln>
+              <a:solidFill>
+                <a:schemeClr val="tx1"/>
+              </a:solidFill>
+            </a:ln>
+          </p:spPr>
+          <p:txBody>
+            <a:bodyPr wrap="square" rtlCol="0">
+              <a:spAutoFit/>
+            </a:bodyPr>
+            <a:lstStyle/>
+            <a:p>
+              <a:r>
+                <a:rPr lang="en-US" sz="2400" dirty="0" smtClean="0"/>
+                <a:t>User enters text</a:t>
+              </a:r>
+              <a:endParaRPr lang="en-US" sz="2400" dirty="0"/>
+            </a:p>
+          </p:txBody>
+        </p:sp>
+        <p:sp>
+          <p:nvSpPr>
+            <p:cNvPr id="8" name="TextBox 7"/>
+            <p:cNvSpPr txBox="1"/>
+            <p:nvPr/>
+          </p:nvSpPr>
+          <p:spPr>
+            <a:xfrm>
+              <a:off x="2667000" y="2052935"/>
+              <a:ext cx="2971800" cy="461665"/>
+            </a:xfrm>
+            <a:prstGeom prst="rect">
+              <a:avLst/>
+            </a:prstGeom>
+            <a:noFill/>
+            <a:ln>
+              <a:solidFill>
+                <a:schemeClr val="tx1"/>
+              </a:solidFill>
+            </a:ln>
+          </p:spPr>
+          <p:txBody>
+            <a:bodyPr wrap="square" rtlCol="0">
+              <a:spAutoFit/>
+            </a:bodyPr>
+            <a:lstStyle/>
+            <a:p>
+              <a:r>
+                <a:rPr lang="en-US" sz="2400" dirty="0" smtClean="0"/>
+                <a:t>Wait for input sign</a:t>
+              </a:r>
+              <a:endParaRPr lang="en-US" sz="2400" dirty="0"/>
+            </a:p>
+          </p:txBody>
+        </p:sp>
+        <p:cxnSp>
+          <p:nvCxnSpPr>
+            <p:cNvPr id="10" name="Straight Arrow Connector 9"/>
+            <p:cNvCxnSpPr/>
+            <p:nvPr/>
+          </p:nvCxnSpPr>
+          <p:spPr>
+            <a:xfrm rot="5400000">
+              <a:off x="3810000" y="1752600"/>
+              <a:ext cx="457200" cy="1588"/>
+            </a:xfrm>
+            <a:prstGeom prst="straightConnector1">
+              <a:avLst/>
+            </a:prstGeom>
+            <a:ln w="25400">
+              <a:solidFill>
+                <a:schemeClr val="tx1"/>
+              </a:solidFill>
+              <a:tailEnd type="arrow"/>
+            </a:ln>
+          </p:spPr>
+          <p:style>
+            <a:lnRef idx="1">
+              <a:schemeClr val="accent1"/>
+            </a:lnRef>
+            <a:fillRef idx="0">
+              <a:schemeClr val="accent1"/>
+            </a:fillRef>
+            <a:effectRef idx="0">
+              <a:schemeClr val="accent1"/>
+            </a:effectRef>
+            <a:fontRef idx="minor">
+              <a:schemeClr val="tx1"/>
+            </a:fontRef>
+          </p:style>
+        </p:cxnSp>
+        <p:cxnSp>
+          <p:nvCxnSpPr>
+            <p:cNvPr id="12" name="Straight Arrow Connector 11"/>
+            <p:cNvCxnSpPr/>
+            <p:nvPr/>
+          </p:nvCxnSpPr>
+          <p:spPr>
+            <a:xfrm rot="5400000">
+              <a:off x="3809205" y="2818606"/>
+              <a:ext cx="457200" cy="1588"/>
+            </a:xfrm>
+            <a:prstGeom prst="straightConnector1">
+              <a:avLst/>
+            </a:prstGeom>
+            <a:ln w="25400">
+              <a:solidFill>
+                <a:schemeClr val="tx1"/>
+              </a:solidFill>
+              <a:tailEnd type="arrow"/>
+            </a:ln>
+          </p:spPr>
+          <p:style>
+            <a:lnRef idx="1">
+              <a:schemeClr val="accent1"/>
+            </a:lnRef>
+            <a:fillRef idx="0">
+              <a:schemeClr val="accent1"/>
+            </a:fillRef>
+            <a:effectRef idx="0">
+              <a:schemeClr val="accent1"/>
+            </a:effectRef>
+            <a:fontRef idx="minor">
+              <a:schemeClr val="tx1"/>
+            </a:fontRef>
+          </p:style>
+        </p:cxnSp>
+        <p:cxnSp>
+          <p:nvCxnSpPr>
+            <p:cNvPr id="13" name="Straight Arrow Connector 12"/>
+            <p:cNvCxnSpPr/>
+            <p:nvPr/>
+          </p:nvCxnSpPr>
+          <p:spPr>
+            <a:xfrm rot="5400000">
+              <a:off x="3810794" y="4952206"/>
+              <a:ext cx="457200" cy="1588"/>
+            </a:xfrm>
+            <a:prstGeom prst="straightConnector1">
+              <a:avLst/>
+            </a:prstGeom>
+            <a:ln w="25400">
+              <a:solidFill>
+                <a:schemeClr val="tx1"/>
+              </a:solidFill>
+              <a:tailEnd type="arrow"/>
+            </a:ln>
+          </p:spPr>
+          <p:style>
+            <a:lnRef idx="1">
+              <a:schemeClr val="accent1"/>
+            </a:lnRef>
+            <a:fillRef idx="0">
+              <a:schemeClr val="accent1"/>
+            </a:fillRef>
+            <a:effectRef idx="0">
+              <a:schemeClr val="accent1"/>
+            </a:effectRef>
+            <a:fontRef idx="minor">
+              <a:schemeClr val="tx1"/>
+            </a:fontRef>
+          </p:style>
+        </p:cxnSp>
+        <p:cxnSp>
+          <p:nvCxnSpPr>
+            <p:cNvPr id="14" name="Straight Arrow Connector 13"/>
+            <p:cNvCxnSpPr/>
+            <p:nvPr/>
+          </p:nvCxnSpPr>
+          <p:spPr>
+            <a:xfrm rot="5400000">
+              <a:off x="3810794" y="3885406"/>
+              <a:ext cx="457200" cy="1588"/>
+            </a:xfrm>
+            <a:prstGeom prst="straightConnector1">
+              <a:avLst/>
+            </a:prstGeom>
+            <a:ln w="25400">
+              <a:solidFill>
+                <a:schemeClr val="tx1"/>
+              </a:solidFill>
+              <a:tailEnd type="arrow"/>
+            </a:ln>
+          </p:spPr>
+          <p:style>
+            <a:lnRef idx="1">
+              <a:schemeClr val="accent1"/>
+            </a:lnRef>
+            <a:fillRef idx="0">
+              <a:schemeClr val="accent1"/>
+            </a:fillRef>
+            <a:effectRef idx="0">
+              <a:schemeClr val="accent1"/>
+            </a:effectRef>
+            <a:fontRef idx="minor">
+              <a:schemeClr val="tx1"/>
+            </a:fontRef>
+          </p:style>
+        </p:cxnSp>
+      </p:grpSp>
     </p:spTree>
   </p:cSld>
   <p:clrMapOvr>
@@ -5461,7 +5736,45 @@
           <a:bodyPr/>
           <a:lstStyle/>
           <a:p>
-            <a:endParaRPr lang="en-US"/>
+            <a:r>
+              <a:rPr lang="en-US" dirty="0" smtClean="0"/>
+              <a:t>Similar signs not distinguishable  with b/w template matching</a:t>
+            </a:r>
+          </a:p>
+          <a:p>
+            <a:pPr lvl="1"/>
+            <a:r>
+              <a:rPr lang="en-US" dirty="0" smtClean="0"/>
+              <a:t>Some min/max values just too close to tell</a:t>
+            </a:r>
+          </a:p>
+          <a:p>
+            <a:pPr lvl="1"/>
+            <a:endParaRPr lang="en-US" dirty="0" smtClean="0"/>
+          </a:p>
+          <a:p>
+            <a:endParaRPr lang="en-US" dirty="0" smtClean="0"/>
+          </a:p>
+          <a:p>
+            <a:r>
+              <a:rPr lang="en-US" dirty="0" smtClean="0"/>
+              <a:t>Template matching with color markers</a:t>
+            </a:r>
+          </a:p>
+          <a:p>
+            <a:pPr lvl="1"/>
+            <a:r>
+              <a:rPr lang="en-US" dirty="0" smtClean="0"/>
+              <a:t>Takes longer to process</a:t>
+            </a:r>
+          </a:p>
+          <a:p>
+            <a:pPr lvl="1"/>
+            <a:r>
+              <a:rPr lang="en-US" dirty="0" smtClean="0"/>
+              <a:t>Not perfect, but more accurate</a:t>
+            </a:r>
+            <a:endParaRPr lang="en-US" dirty="0"/>
           </a:p>
         </p:txBody>
       </p:sp>
@@ -5480,6 +5793,10 @@
           <a:bodyPr/>
           <a:lstStyle/>
           <a:p>
+            <a:r>
+              <a:rPr lang="en-US" dirty="0" smtClean="0"/>
+              <a:t>Adjustments</a:t>
+            </a:r>
             <a:endParaRPr lang="en-US" dirty="0"/>
           </a:p>
         </p:txBody>

--- a/Winter2011/Presentation/Project Presentation.pptx
+++ b/Winter2011/Presentation/Project Presentation.pptx
@@ -5,7 +5,7 @@
     <p:sldMasterId id="2147483660" r:id="rId1"/>
   </p:sldMasterIdLst>
   <p:notesMasterIdLst>
-    <p:notesMasterId r:id="rId7"/>
+    <p:notesMasterId r:id="rId10"/>
   </p:notesMasterIdLst>
   <p:sldIdLst>
     <p:sldId id="256" r:id="rId2"/>
@@ -13,6 +13,9 @@
     <p:sldId id="258" r:id="rId4"/>
     <p:sldId id="259" r:id="rId5"/>
     <p:sldId id="260" r:id="rId6"/>
+    <p:sldId id="261" r:id="rId7"/>
+    <p:sldId id="262" r:id="rId8"/>
+    <p:sldId id="263" r:id="rId9"/>
   </p:sldIdLst>
   <p:sldSz cx="9144000" cy="6858000" type="screen4x3"/>
   <p:notesSz cx="6858000" cy="9144000"/>
@@ -197,7 +200,7 @@
             <a:fld id="{7337E328-3B00-480B-87D5-0C6EF7B3B765}" type="datetimeFigureOut">
               <a:rPr lang="en-US" smtClean="0"/>
               <a:pPr/>
-              <a:t>4/10/2011</a:t>
+              <a:t>4/11/2011</a:t>
             </a:fld>
             <a:endParaRPr lang="en-US"/>
           </a:p>
@@ -1183,7 +1186,7 @@
             <a:fld id="{1D8BD707-D9CF-40AE-B4C6-C98DA3205C09}" type="datetimeFigureOut">
               <a:rPr lang="en-US" smtClean="0"/>
               <a:pPr/>
-              <a:t>4/10/2011</a:t>
+              <a:t>4/11/2011</a:t>
             </a:fld>
             <a:endParaRPr lang="en-US"/>
           </a:p>
@@ -1381,7 +1384,7 @@
             <a:fld id="{1D8BD707-D9CF-40AE-B4C6-C98DA3205C09}" type="datetimeFigureOut">
               <a:rPr lang="en-US" smtClean="0"/>
               <a:pPr/>
-              <a:t>4/10/2011</a:t>
+              <a:t>4/11/2011</a:t>
             </a:fld>
             <a:endParaRPr lang="en-US"/>
           </a:p>
@@ -1568,7 +1571,7 @@
             <a:fld id="{1D8BD707-D9CF-40AE-B4C6-C98DA3205C09}" type="datetimeFigureOut">
               <a:rPr lang="en-US" smtClean="0"/>
               <a:pPr/>
-              <a:t>4/10/2011</a:t>
+              <a:t>4/11/2011</a:t>
             </a:fld>
             <a:endParaRPr lang="en-US"/>
           </a:p>
@@ -1720,7 +1723,7 @@
             <a:fld id="{1D8BD707-D9CF-40AE-B4C6-C98DA3205C09}" type="datetimeFigureOut">
               <a:rPr lang="en-US" smtClean="0"/>
               <a:pPr/>
-              <a:t>4/10/2011</a:t>
+              <a:t>4/11/2011</a:t>
             </a:fld>
             <a:endParaRPr lang="en-US"/>
           </a:p>
@@ -1977,7 +1980,7 @@
             <a:fld id="{1D8BD707-D9CF-40AE-B4C6-C98DA3205C09}" type="datetimeFigureOut">
               <a:rPr lang="en-US" smtClean="0"/>
               <a:pPr/>
-              <a:t>4/10/2011</a:t>
+              <a:t>4/11/2011</a:t>
             </a:fld>
             <a:endParaRPr lang="en-US"/>
           </a:p>
@@ -2388,7 +2391,7 @@
             <a:fld id="{1D8BD707-D9CF-40AE-B4C6-C98DA3205C09}" type="datetimeFigureOut">
               <a:rPr lang="en-US" smtClean="0"/>
               <a:pPr/>
-              <a:t>4/10/2011</a:t>
+              <a:t>4/11/2011</a:t>
             </a:fld>
             <a:endParaRPr lang="en-US"/>
           </a:p>
@@ -2836,7 +2839,7 @@
             <a:fld id="{1D8BD707-D9CF-40AE-B4C6-C98DA3205C09}" type="datetimeFigureOut">
               <a:rPr lang="en-US" smtClean="0"/>
               <a:pPr/>
-              <a:t>4/10/2011</a:t>
+              <a:t>4/11/2011</a:t>
             </a:fld>
             <a:endParaRPr lang="en-US"/>
           </a:p>
@@ -2939,7 +2942,7 @@
             <a:fld id="{1D8BD707-D9CF-40AE-B4C6-C98DA3205C09}" type="datetimeFigureOut">
               <a:rPr lang="en-US" smtClean="0"/>
               <a:pPr/>
-              <a:t>4/10/2011</a:t>
+              <a:t>4/11/2011</a:t>
             </a:fld>
             <a:endParaRPr lang="en-US"/>
           </a:p>
@@ -3062,7 +3065,7 @@
             <a:fld id="{1D8BD707-D9CF-40AE-B4C6-C98DA3205C09}" type="datetimeFigureOut">
               <a:rPr lang="en-US" smtClean="0"/>
               <a:pPr/>
-              <a:t>4/10/2011</a:t>
+              <a:t>4/11/2011</a:t>
             </a:fld>
             <a:endParaRPr lang="en-US"/>
           </a:p>
@@ -3338,7 +3341,7 @@
             <a:fld id="{1D8BD707-D9CF-40AE-B4C6-C98DA3205C09}" type="datetimeFigureOut">
               <a:rPr lang="en-US" smtClean="0"/>
               <a:pPr/>
-              <a:t>4/10/2011</a:t>
+              <a:t>4/11/2011</a:t>
             </a:fld>
             <a:endParaRPr lang="en-US"/>
           </a:p>
@@ -3545,7 +3548,7 @@
             <a:fld id="{1D8BD707-D9CF-40AE-B4C6-C98DA3205C09}" type="datetimeFigureOut">
               <a:rPr lang="en-US" smtClean="0"/>
               <a:pPr/>
-              <a:t>4/10/2011</a:t>
+              <a:t>4/11/2011</a:t>
             </a:fld>
             <a:endParaRPr lang="en-US"/>
           </a:p>
@@ -4656,7 +4659,7 @@
             <a:fld id="{1D8BD707-D9CF-40AE-B4C6-C98DA3205C09}" type="datetimeFigureOut">
               <a:rPr lang="en-US" smtClean="0"/>
               <a:pPr/>
-              <a:t>4/10/2011</a:t>
+              <a:t>4/11/2011</a:t>
             </a:fld>
             <a:endParaRPr lang="en-US"/>
           </a:p>
@@ -5167,15 +5170,25 @@
             <p:ph idx="1"/>
           </p:nvPr>
         </p:nvSpPr>
-        <p:spPr/>
+        <p:spPr>
+          <a:xfrm>
+            <a:off x="457200" y="1828800"/>
+            <a:ext cx="8229600" cy="4525963"/>
+          </a:xfrm>
+        </p:spPr>
         <p:txBody>
           <a:bodyPr/>
           <a:lstStyle/>
           <a:p>
             <a:r>
               <a:rPr lang="en-US" dirty="0" smtClean="0"/>
-              <a:t>Goal: have a user interface to allow user text input using sign language</a:t>
-            </a:r>
+              <a:t>Goal: have a user interface to allow user text input using sign </a:t>
+            </a:r>
+            <a:r>
+              <a:rPr lang="en-US" dirty="0" smtClean="0"/>
+              <a:t>language digits and letters</a:t>
+            </a:r>
+            <a:endParaRPr lang="en-US" dirty="0" smtClean="0"/>
           </a:p>
           <a:p>
             <a:pPr lvl="1"/>
@@ -5303,6 +5316,30 @@
           </a:p>
         </p:txBody>
       </p:sp>
+      <p:pic>
+        <p:nvPicPr>
+          <p:cNvPr id="4" name="Picture 3" descr="screenshot.jpg"/>
+          <p:cNvPicPr>
+            <a:picLocks noChangeAspect="1"/>
+          </p:cNvPicPr>
+          <p:nvPr/>
+        </p:nvPicPr>
+        <p:blipFill>
+          <a:blip r:embed="rId3" cstate="print"/>
+          <a:stretch>
+            <a:fillRect/>
+          </a:stretch>
+        </p:blipFill>
+        <p:spPr>
+          <a:xfrm>
+            <a:off x="294275" y="1256872"/>
+            <a:ext cx="8468725" cy="4305728"/>
+          </a:xfrm>
+          <a:prstGeom prst="rect">
+            <a:avLst/>
+          </a:prstGeom>
+        </p:spPr>
+      </p:pic>
     </p:spTree>
   </p:cSld>
   <p:clrMapOvr>
@@ -5731,7 +5768,12 @@
             <p:ph idx="1"/>
           </p:nvPr>
         </p:nvSpPr>
-        <p:spPr/>
+        <p:spPr>
+          <a:xfrm>
+            <a:off x="457200" y="1752600"/>
+            <a:ext cx="8229600" cy="4525963"/>
+          </a:xfrm>
+        </p:spPr>
         <p:txBody>
           <a:bodyPr/>
           <a:lstStyle/>
@@ -5742,11 +5784,38 @@
             </a:r>
           </a:p>
           <a:p>
+            <a:endParaRPr lang="en-US" dirty="0" smtClean="0"/>
+          </a:p>
+          <a:p>
+            <a:r>
+              <a:rPr lang="en-US" dirty="0" smtClean="0"/>
+              <a:t>Some </a:t>
+            </a:r>
+            <a:r>
+              <a:rPr lang="en-US" dirty="0" smtClean="0"/>
+              <a:t>min/max values just too close to </a:t>
+            </a:r>
+            <a:r>
+              <a:rPr lang="en-US" dirty="0" smtClean="0"/>
+              <a:t>tell</a:t>
+            </a:r>
+          </a:p>
+          <a:p>
+            <a:endParaRPr lang="en-US" dirty="0" smtClean="0"/>
+          </a:p>
+          <a:p>
+            <a:r>
+              <a:rPr lang="en-US" dirty="0" smtClean="0"/>
+              <a:t>Digits work fine by themselves</a:t>
+            </a:r>
+          </a:p>
+          <a:p>
             <a:pPr lvl="1"/>
             <a:r>
               <a:rPr lang="en-US" dirty="0" smtClean="0"/>
-              <a:t>Some min/max values just too close to tell</a:t>
-            </a:r>
+              <a:t>Most problems introduced when including letters</a:t>
+            </a:r>
+            <a:endParaRPr lang="en-US" dirty="0" smtClean="0"/>
           </a:p>
           <a:p>
             <a:pPr lvl="1"/>
@@ -5755,10 +5824,111 @@
           <a:p>
             <a:endParaRPr lang="en-US" dirty="0" smtClean="0"/>
           </a:p>
+        </p:txBody>
+      </p:sp>
+      <p:sp>
+        <p:nvSpPr>
+          <p:cNvPr id="3" name="Title 2"/>
+          <p:cNvSpPr>
+            <a:spLocks noGrp="1"/>
+          </p:cNvSpPr>
+          <p:nvPr>
+            <p:ph type="title"/>
+          </p:nvPr>
+        </p:nvSpPr>
+        <p:spPr/>
+        <p:txBody>
+          <a:bodyPr/>
+          <a:lstStyle/>
           <a:p>
             <a:r>
               <a:rPr lang="en-US" dirty="0" smtClean="0"/>
-              <a:t>Template matching with color markers</a:t>
+              <a:t>Problems</a:t>
+            </a:r>
+            <a:endParaRPr lang="en-US" dirty="0"/>
+          </a:p>
+        </p:txBody>
+      </p:sp>
+    </p:spTree>
+  </p:cSld>
+  <p:clrMapOvr>
+    <a:masterClrMapping/>
+  </p:clrMapOvr>
+</p:sld>
+</file>
+
+<file path=ppt/slides/slide6.xml><?xml version="1.0" encoding="utf-8"?>
+<p:sld xmlns:a="http://schemas.openxmlformats.org/drawingml/2006/main" xmlns:r="http://schemas.openxmlformats.org/officeDocument/2006/relationships" xmlns:p="http://schemas.openxmlformats.org/presentationml/2006/main">
+  <p:cSld>
+    <p:spTree>
+      <p:nvGrpSpPr>
+        <p:cNvPr id="1" name=""/>
+        <p:cNvGrpSpPr/>
+        <p:nvPr/>
+      </p:nvGrpSpPr>
+      <p:grpSpPr>
+        <a:xfrm>
+          <a:off x="0" y="0"/>
+          <a:ext cx="0" cy="0"/>
+          <a:chOff x="0" y="0"/>
+          <a:chExt cx="0" cy="0"/>
+        </a:xfrm>
+      </p:grpSpPr>
+      <p:sp>
+        <p:nvSpPr>
+          <p:cNvPr id="2" name="Content Placeholder 1"/>
+          <p:cNvSpPr>
+            <a:spLocks noGrp="1"/>
+          </p:cNvSpPr>
+          <p:nvPr>
+            <p:ph idx="1"/>
+          </p:nvPr>
+        </p:nvSpPr>
+        <p:spPr>
+          <a:xfrm>
+            <a:off x="457200" y="1493837"/>
+            <a:ext cx="8229600" cy="4525963"/>
+          </a:xfrm>
+        </p:spPr>
+        <p:txBody>
+          <a:bodyPr>
+            <a:normAutofit/>
+          </a:bodyPr>
+          <a:lstStyle/>
+          <a:p>
+            <a:r>
+              <a:rPr lang="en-US" dirty="0" smtClean="0"/>
+              <a:t>Shape matching</a:t>
+            </a:r>
+          </a:p>
+          <a:p>
+            <a:pPr lvl="1"/>
+            <a:r>
+              <a:rPr lang="en-US" dirty="0" smtClean="0"/>
+              <a:t>Contour based algorithm (B&amp;W)</a:t>
+            </a:r>
+          </a:p>
+          <a:p>
+            <a:pPr lvl="1"/>
+            <a:r>
+              <a:rPr lang="en-US" dirty="0" smtClean="0"/>
+              <a:t>No accuracy improvement over threshold template</a:t>
+            </a:r>
+          </a:p>
+          <a:p>
+            <a:pPr lvl="1">
+              <a:buNone/>
+            </a:pPr>
+            <a:endParaRPr lang="en-US" dirty="0" smtClean="0"/>
+          </a:p>
+          <a:p>
+            <a:r>
+              <a:rPr lang="en-US" dirty="0" smtClean="0"/>
+              <a:t>Template </a:t>
+            </a:r>
+            <a:r>
+              <a:rPr lang="en-US" dirty="0" smtClean="0"/>
+              <a:t>matching with color markers</a:t>
             </a:r>
           </a:p>
           <a:p>
@@ -5772,7 +5942,27 @@
             <a:pPr lvl="1"/>
             <a:r>
               <a:rPr lang="en-US" dirty="0" smtClean="0"/>
-              <a:t>Not perfect, but more accurate</a:t>
+              <a:t>Not perfect, but more </a:t>
+            </a:r>
+            <a:r>
+              <a:rPr lang="en-US" dirty="0" smtClean="0"/>
+              <a:t>accurate</a:t>
+            </a:r>
+          </a:p>
+          <a:p>
+            <a:endParaRPr lang="en-US" dirty="0" smtClean="0"/>
+          </a:p>
+          <a:p>
+            <a:r>
+              <a:rPr lang="en-US" dirty="0" smtClean="0"/>
+              <a:t>Template matching with saturation channels</a:t>
+            </a:r>
+          </a:p>
+          <a:p>
+            <a:pPr lvl="1"/>
+            <a:r>
+              <a:rPr lang="en-US" dirty="0" smtClean="0"/>
+              <a:t>Faster, but less accurate than full color</a:t>
             </a:r>
             <a:endParaRPr lang="en-US" dirty="0"/>
           </a:p>
@@ -5796,6 +5986,200 @@
             <a:r>
               <a:rPr lang="en-US" dirty="0" smtClean="0"/>
               <a:t>Adjustments</a:t>
+            </a:r>
+            <a:endParaRPr lang="en-US" dirty="0"/>
+          </a:p>
+        </p:txBody>
+      </p:sp>
+    </p:spTree>
+  </p:cSld>
+  <p:clrMapOvr>
+    <a:masterClrMapping/>
+  </p:clrMapOvr>
+</p:sld>
+</file>
+
+<file path=ppt/slides/slide7.xml><?xml version="1.0" encoding="utf-8"?>
+<p:sld xmlns:a="http://schemas.openxmlformats.org/drawingml/2006/main" xmlns:r="http://schemas.openxmlformats.org/officeDocument/2006/relationships" xmlns:p="http://schemas.openxmlformats.org/presentationml/2006/main">
+  <p:cSld>
+    <p:spTree>
+      <p:nvGrpSpPr>
+        <p:cNvPr id="1" name=""/>
+        <p:cNvGrpSpPr/>
+        <p:nvPr/>
+      </p:nvGrpSpPr>
+      <p:grpSpPr>
+        <a:xfrm>
+          <a:off x="0" y="0"/>
+          <a:ext cx="0" cy="0"/>
+          <a:chOff x="0" y="0"/>
+          <a:chExt cx="0" cy="0"/>
+        </a:xfrm>
+      </p:grpSpPr>
+      <p:sp>
+        <p:nvSpPr>
+          <p:cNvPr id="2" name="Content Placeholder 1"/>
+          <p:cNvSpPr>
+            <a:spLocks noGrp="1"/>
+          </p:cNvSpPr>
+          <p:nvPr>
+            <p:ph idx="1"/>
+          </p:nvPr>
+        </p:nvSpPr>
+        <p:spPr/>
+        <p:txBody>
+          <a:bodyPr/>
+          <a:lstStyle/>
+          <a:p>
+            <a:r>
+              <a:rPr lang="en-US" dirty="0" smtClean="0"/>
+              <a:t>Template matching on color image</a:t>
+            </a:r>
+          </a:p>
+          <a:p>
+            <a:pPr>
+              <a:buNone/>
+            </a:pPr>
+            <a:endParaRPr lang="en-US" dirty="0" smtClean="0"/>
+          </a:p>
+          <a:p>
+            <a:r>
+              <a:rPr lang="en-US" dirty="0" smtClean="0"/>
+              <a:t>Context checking for similar signs</a:t>
+            </a:r>
+          </a:p>
+          <a:p>
+            <a:pPr lvl="1"/>
+            <a:r>
+              <a:rPr lang="en-US" dirty="0" smtClean="0"/>
+              <a:t>Some signs are the same for two characters</a:t>
+            </a:r>
+          </a:p>
+          <a:p>
+            <a:pPr lvl="1"/>
+            <a:r>
+              <a:rPr lang="en-US" dirty="0" smtClean="0"/>
+              <a:t>Removed some templates for speed up</a:t>
+            </a:r>
+          </a:p>
+          <a:p>
+            <a:pPr>
+              <a:buNone/>
+            </a:pPr>
+            <a:endParaRPr lang="en-US" dirty="0" smtClean="0"/>
+          </a:p>
+          <a:p>
+            <a:r>
+              <a:rPr lang="en-US" dirty="0" smtClean="0"/>
+              <a:t>Distinct hand positions</a:t>
+            </a:r>
+          </a:p>
+          <a:p>
+            <a:pPr lvl="1"/>
+            <a:r>
+              <a:rPr lang="en-US" dirty="0" smtClean="0"/>
+              <a:t>Make difference between similar signs more distinct</a:t>
+            </a:r>
+            <a:endParaRPr lang="en-US" dirty="0"/>
+          </a:p>
+        </p:txBody>
+      </p:sp>
+      <p:sp>
+        <p:nvSpPr>
+          <p:cNvPr id="3" name="Title 2"/>
+          <p:cNvSpPr>
+            <a:spLocks noGrp="1"/>
+          </p:cNvSpPr>
+          <p:nvPr>
+            <p:ph type="title"/>
+          </p:nvPr>
+        </p:nvSpPr>
+        <p:spPr/>
+        <p:txBody>
+          <a:bodyPr/>
+          <a:lstStyle/>
+          <a:p>
+            <a:r>
+              <a:rPr lang="en-US" dirty="0" smtClean="0"/>
+              <a:t>Final algorithm</a:t>
+            </a:r>
+            <a:endParaRPr lang="en-US" dirty="0"/>
+          </a:p>
+        </p:txBody>
+      </p:sp>
+    </p:spTree>
+  </p:cSld>
+  <p:clrMapOvr>
+    <a:masterClrMapping/>
+  </p:clrMapOvr>
+</p:sld>
+</file>
+
+<file path=ppt/slides/slide8.xml><?xml version="1.0" encoding="utf-8"?>
+<p:sld xmlns:a="http://schemas.openxmlformats.org/drawingml/2006/main" xmlns:r="http://schemas.openxmlformats.org/officeDocument/2006/relationships" xmlns:p="http://schemas.openxmlformats.org/presentationml/2006/main">
+  <p:cSld>
+    <p:spTree>
+      <p:nvGrpSpPr>
+        <p:cNvPr id="1" name=""/>
+        <p:cNvGrpSpPr/>
+        <p:nvPr/>
+      </p:nvGrpSpPr>
+      <p:grpSpPr>
+        <a:xfrm>
+          <a:off x="0" y="0"/>
+          <a:ext cx="0" cy="0"/>
+          <a:chOff x="0" y="0"/>
+          <a:chExt cx="0" cy="0"/>
+        </a:xfrm>
+      </p:grpSpPr>
+      <p:pic>
+        <p:nvPicPr>
+          <p:cNvPr id="4" name="Content Placeholder 3" descr="screenshot_final.jpg"/>
+          <p:cNvPicPr>
+            <a:picLocks noGrp="1" noChangeAspect="1"/>
+          </p:cNvPicPr>
+          <p:nvPr>
+            <p:ph idx="1"/>
+          </p:nvPr>
+        </p:nvPicPr>
+        <p:blipFill>
+          <a:blip r:embed="rId2" cstate="print"/>
+          <a:stretch>
+            <a:fillRect/>
+          </a:stretch>
+        </p:blipFill>
+        <p:spPr>
+          <a:xfrm>
+            <a:off x="-1" y="304800"/>
+            <a:ext cx="9125511" cy="4648200"/>
+          </a:xfrm>
+        </p:spPr>
+      </p:pic>
+      <p:sp>
+        <p:nvSpPr>
+          <p:cNvPr id="5" name="TextBox 4"/>
+          <p:cNvSpPr txBox="1"/>
+          <p:nvPr/>
+        </p:nvSpPr>
+        <p:spPr>
+          <a:xfrm>
+            <a:off x="3276600" y="5334000"/>
+            <a:ext cx="3581400" cy="646331"/>
+          </a:xfrm>
+          <a:prstGeom prst="rect">
+            <a:avLst/>
+          </a:prstGeom>
+          <a:noFill/>
+        </p:spPr>
+        <p:txBody>
+          <a:bodyPr wrap="square" rtlCol="0">
+            <a:spAutoFit/>
+          </a:bodyPr>
+          <a:lstStyle/>
+          <a:p>
+            <a:r>
+              <a:rPr lang="en-US" sz="3600" dirty="0" smtClean="0"/>
+              <a:t>Any questions?</a:t>
             </a:r>
             <a:endParaRPr lang="en-US" dirty="0"/>
           </a:p>

--- a/Winter2011/Presentation/Project Presentation.pptx
+++ b/Winter2011/Presentation/Project Presentation.pptx
@@ -5182,13 +5182,8 @@
           <a:p>
             <a:r>
               <a:rPr lang="en-US" dirty="0" smtClean="0"/>
-              <a:t>Goal: have a user interface to allow user text input using sign </a:t>
-            </a:r>
-            <a:r>
-              <a:rPr lang="en-US" dirty="0" smtClean="0"/>
-              <a:t>language digits and letters</a:t>
-            </a:r>
-            <a:endParaRPr lang="en-US" dirty="0" smtClean="0"/>
+              <a:t>Goal: have a user interface to allow user text input using sign language digits and letters</a:t>
+            </a:r>
           </a:p>
           <a:p>
             <a:pPr lvl="1"/>
@@ -5770,80 +5765,209 @@
         </p:nvSpPr>
         <p:spPr>
           <a:xfrm>
-            <a:off x="457200" y="1752600"/>
-            <a:ext cx="8229600" cy="4525963"/>
+            <a:off x="457200" y="1143000"/>
+            <a:ext cx="8229600" cy="4876800"/>
           </a:xfrm>
         </p:spPr>
         <p:txBody>
+          <a:bodyPr>
+            <a:normAutofit/>
+          </a:bodyPr>
+          <a:lstStyle/>
+          <a:p>
+            <a:r>
+              <a:rPr lang="en-US" dirty="0" smtClean="0"/>
+              <a:t>Similar signs not distinguishable  with b/w template </a:t>
+            </a:r>
+            <a:r>
+              <a:rPr lang="en-US" dirty="0" smtClean="0"/>
+              <a:t>matching</a:t>
+            </a:r>
+          </a:p>
+          <a:p>
+            <a:pPr>
+              <a:buNone/>
+            </a:pPr>
+            <a:endParaRPr lang="en-US" dirty="0" smtClean="0"/>
+          </a:p>
+          <a:p>
+            <a:endParaRPr lang="en-US" dirty="0" smtClean="0"/>
+          </a:p>
+          <a:p>
+            <a:endParaRPr lang="en-US" dirty="0" smtClean="0"/>
+          </a:p>
+          <a:p>
+            <a:endParaRPr lang="en-US" dirty="0" smtClean="0"/>
+          </a:p>
+          <a:p>
+            <a:r>
+              <a:rPr lang="en-US" dirty="0" smtClean="0"/>
+              <a:t>Some </a:t>
+            </a:r>
+            <a:r>
+              <a:rPr lang="en-US" dirty="0" smtClean="0"/>
+              <a:t>min/max values just too close to tell</a:t>
+            </a:r>
+          </a:p>
+          <a:p>
+            <a:endParaRPr lang="en-US" dirty="0" smtClean="0"/>
+          </a:p>
+          <a:p>
+            <a:r>
+              <a:rPr lang="en-US" dirty="0" smtClean="0"/>
+              <a:t>Digits </a:t>
+            </a:r>
+            <a:r>
+              <a:rPr lang="en-US" dirty="0" smtClean="0"/>
+              <a:t>worked alright </a:t>
+            </a:r>
+            <a:r>
+              <a:rPr lang="en-US" dirty="0" smtClean="0"/>
+              <a:t>by themselves</a:t>
+            </a:r>
+          </a:p>
+          <a:p>
+            <a:pPr lvl="1"/>
+            <a:r>
+              <a:rPr lang="en-US" dirty="0" smtClean="0"/>
+              <a:t>Most problems introduced when including letters</a:t>
+            </a:r>
+          </a:p>
+          <a:p>
+            <a:pPr lvl="1"/>
+            <a:endParaRPr lang="en-US" dirty="0" smtClean="0"/>
+          </a:p>
+          <a:p>
+            <a:endParaRPr lang="en-US" dirty="0" smtClean="0"/>
+          </a:p>
+        </p:txBody>
+      </p:sp>
+      <p:sp>
+        <p:nvSpPr>
+          <p:cNvPr id="3" name="Title 2"/>
+          <p:cNvSpPr>
+            <a:spLocks noGrp="1"/>
+          </p:cNvSpPr>
+          <p:nvPr>
+            <p:ph type="title"/>
+          </p:nvPr>
+        </p:nvSpPr>
+        <p:spPr/>
+        <p:txBody>
           <a:bodyPr/>
           <a:lstStyle/>
           <a:p>
             <a:r>
               <a:rPr lang="en-US" dirty="0" smtClean="0"/>
-              <a:t>Similar signs not distinguishable  with b/w template matching</a:t>
-            </a:r>
-          </a:p>
-          <a:p>
-            <a:endParaRPr lang="en-US" dirty="0" smtClean="0"/>
-          </a:p>
+              <a:t>Problems</a:t>
+            </a:r>
+            <a:endParaRPr lang="en-US" dirty="0"/>
+          </a:p>
+        </p:txBody>
+      </p:sp>
+      <p:pic>
+        <p:nvPicPr>
+          <p:cNvPr id="4" name="Picture 3" descr="0_test.jpg"/>
+          <p:cNvPicPr>
+            <a:picLocks noChangeAspect="1"/>
+          </p:cNvPicPr>
+          <p:nvPr/>
+        </p:nvPicPr>
+        <p:blipFill>
+          <a:blip r:embed="rId2" cstate="print"/>
+          <a:stretch>
+            <a:fillRect/>
+          </a:stretch>
+        </p:blipFill>
+        <p:spPr>
+          <a:xfrm>
+            <a:off x="5943600" y="2057399"/>
+            <a:ext cx="1371601" cy="1371601"/>
+          </a:xfrm>
+          <a:prstGeom prst="rect">
+            <a:avLst/>
+          </a:prstGeom>
+        </p:spPr>
+      </p:pic>
+      <p:pic>
+        <p:nvPicPr>
+          <p:cNvPr id="5" name="Picture 4" descr="0.jpg"/>
+          <p:cNvPicPr>
+            <a:picLocks noChangeAspect="1"/>
+          </p:cNvPicPr>
+          <p:nvPr/>
+        </p:nvPicPr>
+        <p:blipFill>
+          <a:blip r:embed="rId3" cstate="print"/>
+          <a:stretch>
+            <a:fillRect/>
+          </a:stretch>
+        </p:blipFill>
+        <p:spPr>
+          <a:xfrm>
+            <a:off x="2286000" y="2057400"/>
+            <a:ext cx="1295400" cy="1295400"/>
+          </a:xfrm>
+          <a:prstGeom prst="rect">
+            <a:avLst/>
+          </a:prstGeom>
+        </p:spPr>
+      </p:pic>
+      <p:sp>
+        <p:nvSpPr>
+          <p:cNvPr id="7" name="TextBox 6"/>
+          <p:cNvSpPr txBox="1"/>
+          <p:nvPr/>
+        </p:nvSpPr>
+        <p:spPr>
+          <a:xfrm>
+            <a:off x="1143000" y="2514600"/>
+            <a:ext cx="685800" cy="369332"/>
+          </a:xfrm>
+          <a:prstGeom prst="rect">
+            <a:avLst/>
+          </a:prstGeom>
+          <a:noFill/>
+        </p:spPr>
+        <p:txBody>
+          <a:bodyPr wrap="square" rtlCol="0">
+            <a:spAutoFit/>
+          </a:bodyPr>
+          <a:lstStyle/>
           <a:p>
             <a:r>
               <a:rPr lang="en-US" dirty="0" smtClean="0"/>
-              <a:t>Some </a:t>
-            </a:r>
+              <a:t>Zero</a:t>
+            </a:r>
+            <a:endParaRPr lang="en-US" dirty="0"/>
+          </a:p>
+        </p:txBody>
+      </p:sp>
+      <p:sp>
+        <p:nvSpPr>
+          <p:cNvPr id="8" name="TextBox 7"/>
+          <p:cNvSpPr txBox="1"/>
+          <p:nvPr/>
+        </p:nvSpPr>
+        <p:spPr>
+          <a:xfrm>
+            <a:off x="4572000" y="2438400"/>
+            <a:ext cx="1219200" cy="369332"/>
+          </a:xfrm>
+          <a:prstGeom prst="rect">
+            <a:avLst/>
+          </a:prstGeom>
+          <a:noFill/>
+        </p:spPr>
+        <p:txBody>
+          <a:bodyPr wrap="square" rtlCol="0">
+            <a:spAutoFit/>
+          </a:bodyPr>
+          <a:lstStyle/>
+          <a:p>
             <a:r>
               <a:rPr lang="en-US" dirty="0" smtClean="0"/>
-              <a:t>min/max values just too close to </a:t>
-            </a:r>
-            <a:r>
-              <a:rPr lang="en-US" dirty="0" smtClean="0"/>
-              <a:t>tell</a:t>
-            </a:r>
-          </a:p>
-          <a:p>
-            <a:endParaRPr lang="en-US" dirty="0" smtClean="0"/>
-          </a:p>
-          <a:p>
-            <a:r>
-              <a:rPr lang="en-US" dirty="0" smtClean="0"/>
-              <a:t>Digits work fine by themselves</a:t>
-            </a:r>
-          </a:p>
-          <a:p>
-            <a:pPr lvl="1"/>
-            <a:r>
-              <a:rPr lang="en-US" dirty="0" smtClean="0"/>
-              <a:t>Most problems introduced when including letters</a:t>
-            </a:r>
-            <a:endParaRPr lang="en-US" dirty="0" smtClean="0"/>
-          </a:p>
-          <a:p>
-            <a:pPr lvl="1"/>
-            <a:endParaRPr lang="en-US" dirty="0" smtClean="0"/>
-          </a:p>
-          <a:p>
-            <a:endParaRPr lang="en-US" dirty="0" smtClean="0"/>
-          </a:p>
-        </p:txBody>
-      </p:sp>
-      <p:sp>
-        <p:nvSpPr>
-          <p:cNvPr id="3" name="Title 2"/>
-          <p:cNvSpPr>
-            <a:spLocks noGrp="1"/>
-          </p:cNvSpPr>
-          <p:nvPr>
-            <p:ph type="title"/>
-          </p:nvPr>
-        </p:nvSpPr>
-        <p:spPr/>
-        <p:txBody>
-          <a:bodyPr/>
-          <a:lstStyle/>
-          <a:p>
-            <a:r>
-              <a:rPr lang="en-US" dirty="0" smtClean="0"/>
-              <a:t>Problems</a:t>
+              <a:t>Letter o</a:t>
             </a:r>
             <a:endParaRPr lang="en-US" dirty="0"/>
           </a:p>
@@ -5924,11 +6048,7 @@
           <a:p>
             <a:r>
               <a:rPr lang="en-US" dirty="0" smtClean="0"/>
-              <a:t>Template </a:t>
-            </a:r>
-            <a:r>
-              <a:rPr lang="en-US" dirty="0" smtClean="0"/>
-              <a:t>matching with color markers</a:t>
+              <a:t>Template matching with color markers</a:t>
             </a:r>
           </a:p>
           <a:p>
@@ -5942,11 +6062,7 @@
             <a:pPr lvl="1"/>
             <a:r>
               <a:rPr lang="en-US" dirty="0" smtClean="0"/>
-              <a:t>Not perfect, but more </a:t>
-            </a:r>
-            <a:r>
-              <a:rPr lang="en-US" dirty="0" smtClean="0"/>
-              <a:t>accurate</a:t>
+              <a:t>Not perfect, but more accurate</a:t>
             </a:r>
           </a:p>
           <a:p>
@@ -6150,7 +6266,7 @@
         </p:blipFill>
         <p:spPr>
           <a:xfrm>
-            <a:off x="-1" y="304800"/>
+            <a:off x="-1" y="457200"/>
             <a:ext cx="9125511" cy="4648200"/>
           </a:xfrm>
         </p:spPr>

--- a/Winter2011/Presentation/Project Presentation.pptx
+++ b/Winter2011/Presentation/Project Presentation.pptx
@@ -5,7 +5,7 @@
     <p:sldMasterId id="2147483660" r:id="rId1"/>
   </p:sldMasterIdLst>
   <p:notesMasterIdLst>
-    <p:notesMasterId r:id="rId10"/>
+    <p:notesMasterId r:id="rId11"/>
   </p:notesMasterIdLst>
   <p:sldIdLst>
     <p:sldId id="256" r:id="rId2"/>
@@ -15,7 +15,8 @@
     <p:sldId id="260" r:id="rId6"/>
     <p:sldId id="261" r:id="rId7"/>
     <p:sldId id="262" r:id="rId8"/>
-    <p:sldId id="263" r:id="rId9"/>
+    <p:sldId id="264" r:id="rId9"/>
+    <p:sldId id="263" r:id="rId10"/>
   </p:sldIdLst>
   <p:sldSz cx="9144000" cy="6858000" type="screen4x3"/>
   <p:notesSz cx="6858000" cy="9144000"/>
@@ -200,7 +201,7 @@
             <a:fld id="{7337E328-3B00-480B-87D5-0C6EF7B3B765}" type="datetimeFigureOut">
               <a:rPr lang="en-US" smtClean="0"/>
               <a:pPr/>
-              <a:t>4/11/2011</a:t>
+              <a:t>4/12/2011</a:t>
             </a:fld>
             <a:endParaRPr lang="en-US"/>
           </a:p>
@@ -1186,7 +1187,7 @@
             <a:fld id="{1D8BD707-D9CF-40AE-B4C6-C98DA3205C09}" type="datetimeFigureOut">
               <a:rPr lang="en-US" smtClean="0"/>
               <a:pPr/>
-              <a:t>4/11/2011</a:t>
+              <a:t>4/12/2011</a:t>
             </a:fld>
             <a:endParaRPr lang="en-US"/>
           </a:p>
@@ -1384,7 +1385,7 @@
             <a:fld id="{1D8BD707-D9CF-40AE-B4C6-C98DA3205C09}" type="datetimeFigureOut">
               <a:rPr lang="en-US" smtClean="0"/>
               <a:pPr/>
-              <a:t>4/11/2011</a:t>
+              <a:t>4/12/2011</a:t>
             </a:fld>
             <a:endParaRPr lang="en-US"/>
           </a:p>
@@ -1571,7 +1572,7 @@
             <a:fld id="{1D8BD707-D9CF-40AE-B4C6-C98DA3205C09}" type="datetimeFigureOut">
               <a:rPr lang="en-US" smtClean="0"/>
               <a:pPr/>
-              <a:t>4/11/2011</a:t>
+              <a:t>4/12/2011</a:t>
             </a:fld>
             <a:endParaRPr lang="en-US"/>
           </a:p>
@@ -1723,7 +1724,7 @@
             <a:fld id="{1D8BD707-D9CF-40AE-B4C6-C98DA3205C09}" type="datetimeFigureOut">
               <a:rPr lang="en-US" smtClean="0"/>
               <a:pPr/>
-              <a:t>4/11/2011</a:t>
+              <a:t>4/12/2011</a:t>
             </a:fld>
             <a:endParaRPr lang="en-US"/>
           </a:p>
@@ -1980,7 +1981,7 @@
             <a:fld id="{1D8BD707-D9CF-40AE-B4C6-C98DA3205C09}" type="datetimeFigureOut">
               <a:rPr lang="en-US" smtClean="0"/>
               <a:pPr/>
-              <a:t>4/11/2011</a:t>
+              <a:t>4/12/2011</a:t>
             </a:fld>
             <a:endParaRPr lang="en-US"/>
           </a:p>
@@ -2391,7 +2392,7 @@
             <a:fld id="{1D8BD707-D9CF-40AE-B4C6-C98DA3205C09}" type="datetimeFigureOut">
               <a:rPr lang="en-US" smtClean="0"/>
               <a:pPr/>
-              <a:t>4/11/2011</a:t>
+              <a:t>4/12/2011</a:t>
             </a:fld>
             <a:endParaRPr lang="en-US"/>
           </a:p>
@@ -2839,7 +2840,7 @@
             <a:fld id="{1D8BD707-D9CF-40AE-B4C6-C98DA3205C09}" type="datetimeFigureOut">
               <a:rPr lang="en-US" smtClean="0"/>
               <a:pPr/>
-              <a:t>4/11/2011</a:t>
+              <a:t>4/12/2011</a:t>
             </a:fld>
             <a:endParaRPr lang="en-US"/>
           </a:p>
@@ -2942,7 +2943,7 @@
             <a:fld id="{1D8BD707-D9CF-40AE-B4C6-C98DA3205C09}" type="datetimeFigureOut">
               <a:rPr lang="en-US" smtClean="0"/>
               <a:pPr/>
-              <a:t>4/11/2011</a:t>
+              <a:t>4/12/2011</a:t>
             </a:fld>
             <a:endParaRPr lang="en-US"/>
           </a:p>
@@ -3065,7 +3066,7 @@
             <a:fld id="{1D8BD707-D9CF-40AE-B4C6-C98DA3205C09}" type="datetimeFigureOut">
               <a:rPr lang="en-US" smtClean="0"/>
               <a:pPr/>
-              <a:t>4/11/2011</a:t>
+              <a:t>4/12/2011</a:t>
             </a:fld>
             <a:endParaRPr lang="en-US"/>
           </a:p>
@@ -3341,7 +3342,7 @@
             <a:fld id="{1D8BD707-D9CF-40AE-B4C6-C98DA3205C09}" type="datetimeFigureOut">
               <a:rPr lang="en-US" smtClean="0"/>
               <a:pPr/>
-              <a:t>4/11/2011</a:t>
+              <a:t>4/12/2011</a:t>
             </a:fld>
             <a:endParaRPr lang="en-US"/>
           </a:p>
@@ -3548,7 +3549,7 @@
             <a:fld id="{1D8BD707-D9CF-40AE-B4C6-C98DA3205C09}" type="datetimeFigureOut">
               <a:rPr lang="en-US" smtClean="0"/>
               <a:pPr/>
-              <a:t>4/11/2011</a:t>
+              <a:t>4/12/2011</a:t>
             </a:fld>
             <a:endParaRPr lang="en-US"/>
           </a:p>
@@ -4659,7 +4660,7 @@
             <a:fld id="{1D8BD707-D9CF-40AE-B4C6-C98DA3205C09}" type="datetimeFigureOut">
               <a:rPr lang="en-US" smtClean="0"/>
               <a:pPr/>
-              <a:t>4/11/2011</a:t>
+              <a:t>4/12/2011</a:t>
             </a:fld>
             <a:endParaRPr lang="en-US"/>
           </a:p>
@@ -5084,13 +5085,23 @@
           </a:xfrm>
         </p:spPr>
         <p:txBody>
-          <a:bodyPr/>
+          <a:bodyPr>
+            <a:normAutofit fontScale="90000"/>
+          </a:bodyPr>
           <a:lstStyle/>
           <a:p>
             <a:pPr algn="ctr"/>
             <a:r>
-              <a:rPr lang="en-US" dirty="0" smtClean="0"/>
-              <a:t>Sign Language Recognition</a:t>
+              <a:rPr lang="en-US" b="0" dirty="0" smtClean="0"/>
+              <a:t>A Visual Password Recognition Application Based On </a:t>
+            </a:r>
+            <a:r>
+              <a:rPr lang="en-US" b="0" dirty="0" smtClean="0"/>
+              <a:t>American </a:t>
+            </a:r>
+            <a:r>
+              <a:rPr lang="en-US" b="0" dirty="0" smtClean="0"/>
+              <a:t>Sign Language</a:t>
             </a:r>
             <a:endParaRPr lang="en-US" dirty="0"/>
           </a:p>
@@ -5777,11 +5788,7 @@
           <a:p>
             <a:r>
               <a:rPr lang="en-US" dirty="0" smtClean="0"/>
-              <a:t>Similar signs not distinguishable  with b/w template </a:t>
-            </a:r>
-            <a:r>
-              <a:rPr lang="en-US" dirty="0" smtClean="0"/>
-              <a:t>matching</a:t>
+              <a:t>Similar signs not distinguishable  with b/w template matching</a:t>
             </a:r>
           </a:p>
           <a:p>
@@ -5802,28 +5809,16 @@
           <a:p>
             <a:r>
               <a:rPr lang="en-US" dirty="0" smtClean="0"/>
-              <a:t>Some </a:t>
-            </a:r>
+              <a:t>Some min/max values just too close to tell</a:t>
+            </a:r>
+          </a:p>
+          <a:p>
+            <a:endParaRPr lang="en-US" dirty="0" smtClean="0"/>
+          </a:p>
+          <a:p>
             <a:r>
               <a:rPr lang="en-US" dirty="0" smtClean="0"/>
-              <a:t>min/max values just too close to tell</a:t>
-            </a:r>
-          </a:p>
-          <a:p>
-            <a:endParaRPr lang="en-US" dirty="0" smtClean="0"/>
-          </a:p>
-          <a:p>
-            <a:r>
-              <a:rPr lang="en-US" dirty="0" smtClean="0"/>
-              <a:t>Digits </a:t>
-            </a:r>
-            <a:r>
-              <a:rPr lang="en-US" dirty="0" smtClean="0"/>
-              <a:t>worked alright </a:t>
-            </a:r>
-            <a:r>
-              <a:rPr lang="en-US" dirty="0" smtClean="0"/>
-              <a:t>by themselves</a:t>
+              <a:t>Digits worked alright by themselves</a:t>
             </a:r>
           </a:p>
           <a:p>
@@ -6016,7 +6011,7 @@
         </p:spPr>
         <p:txBody>
           <a:bodyPr>
-            <a:normAutofit/>
+            <a:normAutofit lnSpcReduction="10000"/>
           </a:bodyPr>
           <a:lstStyle/>
           <a:p>
@@ -6036,13 +6031,12 @@
             <a:pPr lvl="1"/>
             <a:r>
               <a:rPr lang="en-US" dirty="0" smtClean="0"/>
-              <a:t>No accuracy improvement over threshold template</a:t>
-            </a:r>
-          </a:p>
-          <a:p>
-            <a:pPr lvl="1">
-              <a:buNone/>
-            </a:pPr>
+              <a:t>No accuracy improvement over threshold </a:t>
+            </a:r>
+            <a:r>
+              <a:rPr lang="en-US" dirty="0" smtClean="0"/>
+              <a:t>template</a:t>
+            </a:r>
             <a:endParaRPr lang="en-US" dirty="0" smtClean="0"/>
           </a:p>
           <a:p>
@@ -6062,10 +6056,12 @@
             <a:pPr lvl="1"/>
             <a:r>
               <a:rPr lang="en-US" dirty="0" smtClean="0"/>
-              <a:t>Not perfect, but more accurate</a:t>
-            </a:r>
-          </a:p>
-          <a:p>
+              <a:t>Not perfect, but more </a:t>
+            </a:r>
+            <a:r>
+              <a:rPr lang="en-US" dirty="0" smtClean="0"/>
+              <a:t>accurate</a:t>
+            </a:r>
             <a:endParaRPr lang="en-US" dirty="0" smtClean="0"/>
           </a:p>
           <a:p>
@@ -6078,7 +6074,24 @@
             <a:pPr lvl="1"/>
             <a:r>
               <a:rPr lang="en-US" dirty="0" smtClean="0"/>
-              <a:t>Faster, but less accurate than full color</a:t>
+              <a:t>Faster, but less accurate than full </a:t>
+            </a:r>
+            <a:r>
+              <a:rPr lang="en-US" dirty="0" smtClean="0"/>
+              <a:t>color</a:t>
+            </a:r>
+          </a:p>
+          <a:p>
+            <a:r>
+              <a:rPr lang="en-US" dirty="0" smtClean="0"/>
+              <a:t>Histogram comparison</a:t>
+            </a:r>
+          </a:p>
+          <a:p>
+            <a:pPr lvl="1"/>
+            <a:r>
+              <a:rPr lang="en-US" dirty="0" smtClean="0"/>
+              <a:t>Not accurate, but could be useful along with other techniques</a:t>
             </a:r>
             <a:endParaRPr lang="en-US" dirty="0"/>
           </a:p>
@@ -6232,6 +6245,117 @@
 </file>
 
 <file path=ppt/slides/slide8.xml><?xml version="1.0" encoding="utf-8"?>
+<p:sld xmlns:a="http://schemas.openxmlformats.org/drawingml/2006/main" xmlns:r="http://schemas.openxmlformats.org/officeDocument/2006/relationships" xmlns:p="http://schemas.openxmlformats.org/presentationml/2006/main">
+  <p:cSld>
+    <p:spTree>
+      <p:nvGrpSpPr>
+        <p:cNvPr id="1" name=""/>
+        <p:cNvGrpSpPr/>
+        <p:nvPr/>
+      </p:nvGrpSpPr>
+      <p:grpSpPr>
+        <a:xfrm>
+          <a:off x="0" y="0"/>
+          <a:ext cx="0" cy="0"/>
+          <a:chOff x="0" y="0"/>
+          <a:chExt cx="0" cy="0"/>
+        </a:xfrm>
+      </p:grpSpPr>
+      <p:sp>
+        <p:nvSpPr>
+          <p:cNvPr id="2" name="Content Placeholder 1"/>
+          <p:cNvSpPr>
+            <a:spLocks noGrp="1"/>
+          </p:cNvSpPr>
+          <p:nvPr>
+            <p:ph idx="1"/>
+          </p:nvPr>
+        </p:nvSpPr>
+        <p:spPr/>
+        <p:txBody>
+          <a:bodyPr/>
+          <a:lstStyle/>
+          <a:p>
+            <a:r>
+              <a:rPr lang="en-US" dirty="0" smtClean="0"/>
+              <a:t>Improve speed by matching on single channel</a:t>
+            </a:r>
+          </a:p>
+          <a:p>
+            <a:pPr lvl="1"/>
+            <a:r>
+              <a:rPr lang="en-US" dirty="0" smtClean="0"/>
+              <a:t>Saturation of HSV</a:t>
+            </a:r>
+          </a:p>
+          <a:p>
+            <a:pPr lvl="1"/>
+            <a:r>
+              <a:rPr lang="en-US" dirty="0" smtClean="0"/>
+              <a:t>Possibly other color space channel</a:t>
+            </a:r>
+          </a:p>
+          <a:p>
+            <a:endParaRPr lang="en-US" dirty="0" smtClean="0"/>
+          </a:p>
+          <a:p>
+            <a:r>
+              <a:rPr lang="en-US" dirty="0" smtClean="0"/>
+              <a:t>Could try training with </a:t>
+            </a:r>
+            <a:r>
+              <a:rPr lang="en-US" dirty="0" err="1" smtClean="0"/>
+              <a:t>Haar</a:t>
+            </a:r>
+            <a:r>
+              <a:rPr lang="en-US" dirty="0" smtClean="0"/>
+              <a:t> training method</a:t>
+            </a:r>
+          </a:p>
+          <a:p>
+            <a:endParaRPr lang="en-US" dirty="0" smtClean="0"/>
+          </a:p>
+          <a:p>
+            <a:r>
+              <a:rPr lang="en-US" dirty="0" smtClean="0"/>
+              <a:t>Averaging across templates or multiple methods</a:t>
+            </a:r>
+            <a:endParaRPr lang="en-US" dirty="0"/>
+          </a:p>
+        </p:txBody>
+      </p:sp>
+      <p:sp>
+        <p:nvSpPr>
+          <p:cNvPr id="3" name="Title 2"/>
+          <p:cNvSpPr>
+            <a:spLocks noGrp="1"/>
+          </p:cNvSpPr>
+          <p:nvPr>
+            <p:ph type="title"/>
+          </p:nvPr>
+        </p:nvSpPr>
+        <p:spPr/>
+        <p:txBody>
+          <a:bodyPr/>
+          <a:lstStyle/>
+          <a:p>
+            <a:r>
+              <a:rPr lang="en-US" dirty="0" smtClean="0"/>
+              <a:t>Future Adjustments</a:t>
+            </a:r>
+            <a:endParaRPr lang="en-US" dirty="0"/>
+          </a:p>
+        </p:txBody>
+      </p:sp>
+    </p:spTree>
+  </p:cSld>
+  <p:clrMapOvr>
+    <a:masterClrMapping/>
+  </p:clrMapOvr>
+</p:sld>
+</file>
+
+<file path=ppt/slides/slide9.xml><?xml version="1.0" encoding="utf-8"?>
 <p:sld xmlns:a="http://schemas.openxmlformats.org/drawingml/2006/main" xmlns:r="http://schemas.openxmlformats.org/officeDocument/2006/relationships" xmlns:p="http://schemas.openxmlformats.org/presentationml/2006/main">
   <p:cSld>
     <p:spTree>

--- a/Winter2011/Presentation/Project Presentation.pptx
+++ b/Winter2011/Presentation/Project Presentation.pptx
@@ -201,7 +201,7 @@
             <a:fld id="{7337E328-3B00-480B-87D5-0C6EF7B3B765}" type="datetimeFigureOut">
               <a:rPr lang="en-US" smtClean="0"/>
               <a:pPr/>
-              <a:t>4/12/2011</a:t>
+              <a:t>4/20/2011</a:t>
             </a:fld>
             <a:endParaRPr lang="en-US"/>
           </a:p>
@@ -1187,7 +1187,7 @@
             <a:fld id="{1D8BD707-D9CF-40AE-B4C6-C98DA3205C09}" type="datetimeFigureOut">
               <a:rPr lang="en-US" smtClean="0"/>
               <a:pPr/>
-              <a:t>4/12/2011</a:t>
+              <a:t>4/20/2011</a:t>
             </a:fld>
             <a:endParaRPr lang="en-US"/>
           </a:p>
@@ -1385,7 +1385,7 @@
             <a:fld id="{1D8BD707-D9CF-40AE-B4C6-C98DA3205C09}" type="datetimeFigureOut">
               <a:rPr lang="en-US" smtClean="0"/>
               <a:pPr/>
-              <a:t>4/12/2011</a:t>
+              <a:t>4/20/2011</a:t>
             </a:fld>
             <a:endParaRPr lang="en-US"/>
           </a:p>
@@ -1572,7 +1572,7 @@
             <a:fld id="{1D8BD707-D9CF-40AE-B4C6-C98DA3205C09}" type="datetimeFigureOut">
               <a:rPr lang="en-US" smtClean="0"/>
               <a:pPr/>
-              <a:t>4/12/2011</a:t>
+              <a:t>4/20/2011</a:t>
             </a:fld>
             <a:endParaRPr lang="en-US"/>
           </a:p>
@@ -1724,7 +1724,7 @@
             <a:fld id="{1D8BD707-D9CF-40AE-B4C6-C98DA3205C09}" type="datetimeFigureOut">
               <a:rPr lang="en-US" smtClean="0"/>
               <a:pPr/>
-              <a:t>4/12/2011</a:t>
+              <a:t>4/20/2011</a:t>
             </a:fld>
             <a:endParaRPr lang="en-US"/>
           </a:p>
@@ -1981,7 +1981,7 @@
             <a:fld id="{1D8BD707-D9CF-40AE-B4C6-C98DA3205C09}" type="datetimeFigureOut">
               <a:rPr lang="en-US" smtClean="0"/>
               <a:pPr/>
-              <a:t>4/12/2011</a:t>
+              <a:t>4/20/2011</a:t>
             </a:fld>
             <a:endParaRPr lang="en-US"/>
           </a:p>
@@ -2392,7 +2392,7 @@
             <a:fld id="{1D8BD707-D9CF-40AE-B4C6-C98DA3205C09}" type="datetimeFigureOut">
               <a:rPr lang="en-US" smtClean="0"/>
               <a:pPr/>
-              <a:t>4/12/2011</a:t>
+              <a:t>4/20/2011</a:t>
             </a:fld>
             <a:endParaRPr lang="en-US"/>
           </a:p>
@@ -2840,7 +2840,7 @@
             <a:fld id="{1D8BD707-D9CF-40AE-B4C6-C98DA3205C09}" type="datetimeFigureOut">
               <a:rPr lang="en-US" smtClean="0"/>
               <a:pPr/>
-              <a:t>4/12/2011</a:t>
+              <a:t>4/20/2011</a:t>
             </a:fld>
             <a:endParaRPr lang="en-US"/>
           </a:p>
@@ -2943,7 +2943,7 @@
             <a:fld id="{1D8BD707-D9CF-40AE-B4C6-C98DA3205C09}" type="datetimeFigureOut">
               <a:rPr lang="en-US" smtClean="0"/>
               <a:pPr/>
-              <a:t>4/12/2011</a:t>
+              <a:t>4/20/2011</a:t>
             </a:fld>
             <a:endParaRPr lang="en-US"/>
           </a:p>
@@ -3066,7 +3066,7 @@
             <a:fld id="{1D8BD707-D9CF-40AE-B4C6-C98DA3205C09}" type="datetimeFigureOut">
               <a:rPr lang="en-US" smtClean="0"/>
               <a:pPr/>
-              <a:t>4/12/2011</a:t>
+              <a:t>4/20/2011</a:t>
             </a:fld>
             <a:endParaRPr lang="en-US"/>
           </a:p>
@@ -3342,7 +3342,7 @@
             <a:fld id="{1D8BD707-D9CF-40AE-B4C6-C98DA3205C09}" type="datetimeFigureOut">
               <a:rPr lang="en-US" smtClean="0"/>
               <a:pPr/>
-              <a:t>4/12/2011</a:t>
+              <a:t>4/20/2011</a:t>
             </a:fld>
             <a:endParaRPr lang="en-US"/>
           </a:p>
@@ -3549,7 +3549,7 @@
             <a:fld id="{1D8BD707-D9CF-40AE-B4C6-C98DA3205C09}" type="datetimeFigureOut">
               <a:rPr lang="en-US" smtClean="0"/>
               <a:pPr/>
-              <a:t>4/12/2011</a:t>
+              <a:t>4/20/2011</a:t>
             </a:fld>
             <a:endParaRPr lang="en-US"/>
           </a:p>
@@ -4660,7 +4660,7 @@
             <a:fld id="{1D8BD707-D9CF-40AE-B4C6-C98DA3205C09}" type="datetimeFigureOut">
               <a:rPr lang="en-US" smtClean="0"/>
               <a:pPr/>
-              <a:t>4/12/2011</a:t>
+              <a:t>4/20/2011</a:t>
             </a:fld>
             <a:endParaRPr lang="en-US"/>
           </a:p>
@@ -5093,15 +5093,7 @@
             <a:pPr algn="ctr"/>
             <a:r>
               <a:rPr lang="en-US" b="0" dirty="0" smtClean="0"/>
-              <a:t>A Visual Password Recognition Application Based On </a:t>
-            </a:r>
-            <a:r>
-              <a:rPr lang="en-US" b="0" dirty="0" smtClean="0"/>
-              <a:t>American </a:t>
-            </a:r>
-            <a:r>
-              <a:rPr lang="en-US" b="0" dirty="0" smtClean="0"/>
-              <a:t>Sign Language</a:t>
+              <a:t>A Visual Password Recognition Application Based On American Sign Language</a:t>
             </a:r>
             <a:endParaRPr lang="en-US" dirty="0"/>
           </a:p>
@@ -5151,6 +5143,13 @@
   <p:clrMapOvr>
     <a:masterClrMapping/>
   </p:clrMapOvr>
+  <p:timing>
+    <p:tnLst>
+      <p:par>
+        <p:cTn id="1" dur="indefinite" restart="never" nodeType="tmRoot"/>
+      </p:par>
+    </p:tnLst>
+  </p:timing>
 </p:sld>
 </file>
 
@@ -5256,6 +5255,13 @@
   <p:clrMapOvr>
     <a:masterClrMapping/>
   </p:clrMapOvr>
+  <p:timing>
+    <p:tnLst>
+      <p:par>
+        <p:cTn id="1" dur="indefinite" restart="never" nodeType="tmRoot"/>
+      </p:par>
+    </p:tnLst>
+  </p:timing>
 </p:sld>
 </file>
 
@@ -5351,6 +5357,13 @@
   <p:clrMapOvr>
     <a:masterClrMapping/>
   </p:clrMapOvr>
+  <p:timing>
+    <p:tnLst>
+      <p:par>
+        <p:cTn id="1" dur="indefinite" restart="never" nodeType="tmRoot"/>
+      </p:par>
+    </p:tnLst>
+  </p:timing>
 </p:sld>
 </file>
 
@@ -5744,6 +5757,13 @@
   <p:clrMapOvr>
     <a:masterClrMapping/>
   </p:clrMapOvr>
+  <p:timing>
+    <p:tnLst>
+      <p:par>
+        <p:cTn id="1" dur="indefinite" restart="never" nodeType="tmRoot"/>
+      </p:par>
+    </p:tnLst>
+  </p:timing>
 </p:sld>
 </file>
 
@@ -5973,6 +5993,13 @@
   <p:clrMapOvr>
     <a:masterClrMapping/>
   </p:clrMapOvr>
+  <p:timing>
+    <p:tnLst>
+      <p:par>
+        <p:cTn id="1" dur="indefinite" restart="never" nodeType="tmRoot"/>
+      </p:par>
+    </p:tnLst>
+  </p:timing>
 </p:sld>
 </file>
 
@@ -6031,13 +6058,8 @@
             <a:pPr lvl="1"/>
             <a:r>
               <a:rPr lang="en-US" dirty="0" smtClean="0"/>
-              <a:t>No accuracy improvement over threshold </a:t>
-            </a:r>
-            <a:r>
-              <a:rPr lang="en-US" dirty="0" smtClean="0"/>
-              <a:t>template</a:t>
-            </a:r>
-            <a:endParaRPr lang="en-US" dirty="0" smtClean="0"/>
+              <a:t>No accuracy improvement over threshold template</a:t>
+            </a:r>
           </a:p>
           <a:p>
             <a:r>
@@ -6056,13 +6078,8 @@
             <a:pPr lvl="1"/>
             <a:r>
               <a:rPr lang="en-US" dirty="0" smtClean="0"/>
-              <a:t>Not perfect, but more </a:t>
-            </a:r>
-            <a:r>
-              <a:rPr lang="en-US" dirty="0" smtClean="0"/>
-              <a:t>accurate</a:t>
-            </a:r>
-            <a:endParaRPr lang="en-US" dirty="0" smtClean="0"/>
+              <a:t>Not perfect, but more accurate</a:t>
+            </a:r>
           </a:p>
           <a:p>
             <a:r>
@@ -6074,11 +6091,7 @@
             <a:pPr lvl="1"/>
             <a:r>
               <a:rPr lang="en-US" dirty="0" smtClean="0"/>
-              <a:t>Faster, but less accurate than full </a:t>
-            </a:r>
-            <a:r>
-              <a:rPr lang="en-US" dirty="0" smtClean="0"/>
-              <a:t>color</a:t>
+              <a:t>Faster, but less accurate than full color</a:t>
             </a:r>
           </a:p>
           <a:p>
@@ -6125,6 +6138,13 @@
   <p:clrMapOvr>
     <a:masterClrMapping/>
   </p:clrMapOvr>
+  <p:timing>
+    <p:tnLst>
+      <p:par>
+        <p:cTn id="1" dur="indefinite" restart="never" nodeType="tmRoot"/>
+      </p:par>
+    </p:tnLst>
+  </p:timing>
 </p:sld>
 </file>
 
@@ -6236,11 +6256,66 @@
           </a:p>
         </p:txBody>
       </p:sp>
+      <p:pic>
+        <p:nvPicPr>
+          <p:cNvPr id="4" name="Picture 3" descr="m_5.jpg"/>
+          <p:cNvPicPr>
+            <a:picLocks noChangeAspect="1"/>
+          </p:cNvPicPr>
+          <p:nvPr/>
+        </p:nvPicPr>
+        <p:blipFill>
+          <a:blip r:embed="rId2" cstate="print"/>
+          <a:stretch>
+            <a:fillRect/>
+          </a:stretch>
+        </p:blipFill>
+        <p:spPr>
+          <a:xfrm>
+            <a:off x="4495800" y="5105400"/>
+            <a:ext cx="1524000" cy="1524000"/>
+          </a:xfrm>
+          <a:prstGeom prst="rect">
+            <a:avLst/>
+          </a:prstGeom>
+        </p:spPr>
+      </p:pic>
+      <p:pic>
+        <p:nvPicPr>
+          <p:cNvPr id="5" name="Picture 4" descr="n_5.jpg"/>
+          <p:cNvPicPr>
+            <a:picLocks noChangeAspect="1"/>
+          </p:cNvPicPr>
+          <p:nvPr/>
+        </p:nvPicPr>
+        <p:blipFill>
+          <a:blip r:embed="rId3" cstate="print"/>
+          <a:stretch>
+            <a:fillRect/>
+          </a:stretch>
+        </p:blipFill>
+        <p:spPr>
+          <a:xfrm>
+            <a:off x="6553200" y="5105400"/>
+            <a:ext cx="1524000" cy="1524000"/>
+          </a:xfrm>
+          <a:prstGeom prst="rect">
+            <a:avLst/>
+          </a:prstGeom>
+        </p:spPr>
+      </p:pic>
     </p:spTree>
   </p:cSld>
   <p:clrMapOvr>
     <a:masterClrMapping/>
   </p:clrMapOvr>
+  <p:timing>
+    <p:tnLst>
+      <p:par>
+        <p:cTn id="1" dur="indefinite" restart="never" nodeType="tmRoot"/>
+      </p:par>
+    </p:tnLst>
+  </p:timing>
 </p:sld>
 </file>
 
@@ -6352,6 +6427,13 @@
   <p:clrMapOvr>
     <a:masterClrMapping/>
   </p:clrMapOvr>
+  <p:timing>
+    <p:tnLst>
+      <p:par>
+        <p:cTn id="1" dur="indefinite" restart="never" nodeType="tmRoot"/>
+      </p:par>
+    </p:tnLst>
+  </p:timing>
 </p:sld>
 </file>
 
@@ -6430,6 +6512,13 @@
   <p:clrMapOvr>
     <a:masterClrMapping/>
   </p:clrMapOvr>
+  <p:timing>
+    <p:tnLst>
+      <p:par>
+        <p:cTn id="1" dur="indefinite" restart="never" nodeType="tmRoot"/>
+      </p:par>
+    </p:tnLst>
+  </p:timing>
 </p:sld>
 </file>
 
